--- a/PPT/2023/20230512-白文超-MiniGraph.pptx
+++ b/PPT/2023/20230512-白文超-MiniGraph.pptx
@@ -3,48 +3,48 @@
 <p:presentation xmlns:a="http://schemas.openxmlformats.org/drawingml/2006/main" xmlns:r="http://schemas.openxmlformats.org/officeDocument/2006/relationships" xmlns:p="http://schemas.openxmlformats.org/presentationml/2006/main">
   <p:sldMasterIdLst>
     <p:sldMasterId id="2147483648" r:id="rId1"/>
-    <p:sldMasterId id="2147483660" r:id="rId3"/>
+    <p:sldMasterId id="2147483660" r:id="rId2"/>
   </p:sldMasterIdLst>
   <p:notesMasterIdLst>
-    <p:notesMasterId r:id="rId5"/>
+    <p:notesMasterId r:id="rId34"/>
   </p:notesMasterIdLst>
   <p:sldIdLst>
-    <p:sldId id="259" r:id="rId4"/>
-    <p:sldId id="258" r:id="rId6"/>
-    <p:sldId id="257" r:id="rId7"/>
-    <p:sldId id="260" r:id="rId8"/>
-    <p:sldId id="261" r:id="rId9"/>
-    <p:sldId id="265" r:id="rId10"/>
-    <p:sldId id="269" r:id="rId11"/>
-    <p:sldId id="270" r:id="rId12"/>
-    <p:sldId id="271" r:id="rId13"/>
-    <p:sldId id="272" r:id="rId14"/>
-    <p:sldId id="273" r:id="rId15"/>
-    <p:sldId id="274" r:id="rId16"/>
-    <p:sldId id="276" r:id="rId17"/>
-    <p:sldId id="277" r:id="rId18"/>
-    <p:sldId id="278" r:id="rId19"/>
-    <p:sldId id="279" r:id="rId20"/>
-    <p:sldId id="280" r:id="rId21"/>
-    <p:sldId id="281" r:id="rId22"/>
-    <p:sldId id="282" r:id="rId23"/>
-    <p:sldId id="283" r:id="rId24"/>
-    <p:sldId id="262" r:id="rId25"/>
-    <p:sldId id="286" r:id="rId26"/>
-    <p:sldId id="284" r:id="rId27"/>
-    <p:sldId id="287" r:id="rId28"/>
-    <p:sldId id="285" r:id="rId29"/>
-    <p:sldId id="263" r:id="rId30"/>
-    <p:sldId id="289" r:id="rId31"/>
-    <p:sldId id="288" r:id="rId32"/>
-    <p:sldId id="290" r:id="rId33"/>
-    <p:sldId id="291" r:id="rId34"/>
-    <p:sldId id="264" r:id="rId35"/>
+    <p:sldId id="259" r:id="rId3"/>
+    <p:sldId id="258" r:id="rId4"/>
+    <p:sldId id="257" r:id="rId5"/>
+    <p:sldId id="260" r:id="rId6"/>
+    <p:sldId id="261" r:id="rId7"/>
+    <p:sldId id="265" r:id="rId8"/>
+    <p:sldId id="269" r:id="rId9"/>
+    <p:sldId id="270" r:id="rId10"/>
+    <p:sldId id="271" r:id="rId11"/>
+    <p:sldId id="272" r:id="rId12"/>
+    <p:sldId id="273" r:id="rId13"/>
+    <p:sldId id="274" r:id="rId14"/>
+    <p:sldId id="276" r:id="rId15"/>
+    <p:sldId id="277" r:id="rId16"/>
+    <p:sldId id="278" r:id="rId17"/>
+    <p:sldId id="279" r:id="rId18"/>
+    <p:sldId id="280" r:id="rId19"/>
+    <p:sldId id="281" r:id="rId20"/>
+    <p:sldId id="282" r:id="rId21"/>
+    <p:sldId id="283" r:id="rId22"/>
+    <p:sldId id="262" r:id="rId23"/>
+    <p:sldId id="286" r:id="rId24"/>
+    <p:sldId id="284" r:id="rId25"/>
+    <p:sldId id="287" r:id="rId26"/>
+    <p:sldId id="285" r:id="rId27"/>
+    <p:sldId id="263" r:id="rId28"/>
+    <p:sldId id="289" r:id="rId29"/>
+    <p:sldId id="288" r:id="rId30"/>
+    <p:sldId id="290" r:id="rId31"/>
+    <p:sldId id="291" r:id="rId32"/>
+    <p:sldId id="264" r:id="rId33"/>
   </p:sldIdLst>
   <p:sldSz cx="12192000" cy="6858000"/>
   <p:notesSz cx="6858000" cy="9144000"/>
   <p:custDataLst>
-    <p:tags r:id="rId40"/>
+    <p:tags r:id="rId35"/>
   </p:custDataLst>
   <p:defaultTextStyle>
     <a:defPPr>
@@ -141,6 +141,11 @@
       </a:defRPr>
     </a:lvl9pPr>
   </p:defaultTextStyle>
+  <p:extLst>
+    <p:ext uri="{EFAFB233-063F-42B5-8137-9DF3F51BA10A}">
+      <p15:sldGuideLst xmlns:p15="http://schemas.microsoft.com/office/powerpoint/2012/main"/>
+    </p:ext>
+  </p:extLst>
 </p:presentation>
 </file>
 
@@ -151,7 +156,7 @@
 </file>
 
 <file path=ppt/diagrams/colors1.xml><?xml version="1.0" encoding="utf-8"?>
-<dgm:colorsDef xmlns:dgm="http://schemas.openxmlformats.org/drawingml/2006/diagram" xmlns:a="http://schemas.openxmlformats.org/drawingml/2006/main" uniqueId="urn:microsoft.com/office/officeart/2005/8/colors/accent1_2">
+<dgm:colorsDef xmlns:dgm="http://schemas.openxmlformats.org/drawingml/2006/diagram" xmlns:a="http://schemas.openxmlformats.org/drawingml/2006/main" uniqueId="urn:microsoft.com/office/officeart/2005/8/colors/accent1_2#2">
   <dgm:title val=""/>
   <dgm:desc val=""/>
   <dgm:catLst>
@@ -901,7 +906,7 @@
 <dgm:dataModel xmlns:dgm="http://schemas.openxmlformats.org/drawingml/2006/diagram" xmlns:a="http://schemas.openxmlformats.org/drawingml/2006/main">
   <dgm:ptLst>
     <dgm:pt modelId="{0E1F93BD-48AF-4810-90C3-76420603A4A8}" type="doc">
-      <dgm:prSet loTypeId="urn:microsoft.com/office/officeart/2005/8/layout/radial6" loCatId="relationship" qsTypeId="urn:microsoft.com/office/officeart/2005/8/quickstyle/simple1" qsCatId="simple" csTypeId="urn:microsoft.com/office/officeart/2005/8/colors/accent1_2" csCatId="accent1" phldr="1"/>
+      <dgm:prSet loTypeId="urn:microsoft.com/office/officeart/2005/8/layout/radial6#2" loCatId="relationship" qsTypeId="urn:microsoft.com/office/officeart/2005/8/quickstyle/simple1#2" qsCatId="simple" csTypeId="urn:microsoft.com/office/officeart/2005/8/colors/accent1_2#2" csCatId="accent1" phldr="1"/>
       <dgm:spPr/>
       <dgm:t>
         <a:bodyPr/>
@@ -943,7 +948,7 @@
         </a:p>
       </dgm:t>
     </dgm:pt>
-    <dgm:pt modelId="{B131C9AB-553A-44E7-9659-E0D5978604C4}" cxnId="{FB046948-8948-43CB-9ABF-C836FE485DD7}" type="parTrans">
+    <dgm:pt modelId="{B131C9AB-553A-44E7-9659-E0D5978604C4}" type="parTrans" cxnId="{FB046948-8948-43CB-9ABF-C836FE485DD7}">
       <dgm:prSet/>
       <dgm:spPr/>
       <dgm:t>
@@ -954,7 +959,7 @@
         </a:p>
       </dgm:t>
     </dgm:pt>
-    <dgm:pt modelId="{DB757973-D952-41BD-92F2-FA282CB9D9D0}" cxnId="{FB046948-8948-43CB-9ABF-C836FE485DD7}" type="sibTrans">
+    <dgm:pt modelId="{DB757973-D952-41BD-92F2-FA282CB9D9D0}" type="sibTrans" cxnId="{FB046948-8948-43CB-9ABF-C836FE485DD7}">
       <dgm:prSet/>
       <dgm:spPr/>
       <dgm:t>
@@ -997,7 +1002,7 @@
         </a:p>
       </dgm:t>
     </dgm:pt>
-    <dgm:pt modelId="{14F96CD3-0539-4EC0-B3F1-090011472753}" cxnId="{872C54AC-76BB-4843-B931-EAE994CD20F6}" type="parTrans">
+    <dgm:pt modelId="{14F96CD3-0539-4EC0-B3F1-090011472753}" type="parTrans" cxnId="{872C54AC-76BB-4843-B931-EAE994CD20F6}">
       <dgm:prSet/>
       <dgm:spPr/>
       <dgm:t>
@@ -1008,7 +1013,7 @@
         </a:p>
       </dgm:t>
     </dgm:pt>
-    <dgm:pt modelId="{C2508412-9EBE-4646-9D71-E0B839833A57}" cxnId="{872C54AC-76BB-4843-B931-EAE994CD20F6}" type="sibTrans">
+    <dgm:pt modelId="{C2508412-9EBE-4646-9D71-E0B839833A57}" type="sibTrans" cxnId="{872C54AC-76BB-4843-B931-EAE994CD20F6}">
       <dgm:prSet/>
       <dgm:spPr/>
       <dgm:t>
@@ -1055,7 +1060,7 @@
         </a:p>
       </dgm:t>
     </dgm:pt>
-    <dgm:pt modelId="{1707D777-291C-4D90-BCAB-98F23D4A72A6}" cxnId="{C8F74E8E-9AF3-4EC8-80C9-87FD35F6DDD8}" type="parTrans">
+    <dgm:pt modelId="{1707D777-291C-4D90-BCAB-98F23D4A72A6}" type="parTrans" cxnId="{C8F74E8E-9AF3-4EC8-80C9-87FD35F6DDD8}">
       <dgm:prSet/>
       <dgm:spPr/>
       <dgm:t>
@@ -1066,7 +1071,7 @@
         </a:p>
       </dgm:t>
     </dgm:pt>
-    <dgm:pt modelId="{8B5EBB28-CD17-48D2-866A-2CCEED91EB07}" cxnId="{C8F74E8E-9AF3-4EC8-80C9-87FD35F6DDD8}" type="sibTrans">
+    <dgm:pt modelId="{8B5EBB28-CD17-48D2-866A-2CCEED91EB07}" type="sibTrans" cxnId="{C8F74E8E-9AF3-4EC8-80C9-87FD35F6DDD8}">
       <dgm:prSet/>
       <dgm:spPr/>
       <dgm:t>
@@ -1109,7 +1114,7 @@
         </a:p>
       </dgm:t>
     </dgm:pt>
-    <dgm:pt modelId="{9AB5FDF0-4595-44CB-9A55-BD164CE20F04}" cxnId="{D516E49B-E615-41F2-BD95-A3A986054FB2}" type="parTrans">
+    <dgm:pt modelId="{9AB5FDF0-4595-44CB-9A55-BD164CE20F04}" type="parTrans" cxnId="{D516E49B-E615-41F2-BD95-A3A986054FB2}">
       <dgm:prSet/>
       <dgm:spPr/>
       <dgm:t>
@@ -1120,7 +1125,7 @@
         </a:p>
       </dgm:t>
     </dgm:pt>
-    <dgm:pt modelId="{CA2F4983-DF0D-4F1C-8A65-43C8CC37A018}" cxnId="{D516E49B-E615-41F2-BD95-A3A986054FB2}" type="sibTrans">
+    <dgm:pt modelId="{CA2F4983-DF0D-4F1C-8A65-43C8CC37A018}" type="sibTrans" cxnId="{D516E49B-E615-41F2-BD95-A3A986054FB2}">
       <dgm:prSet/>
       <dgm:spPr/>
       <dgm:t>
@@ -1196,57 +1201,50 @@
     </dgm:pt>
   </dgm:ptLst>
   <dgm:cxnLst>
-    <dgm:cxn modelId="{AF8F7B17-DCA8-40CA-9562-496A682822A0}" type="presOf" srcId="{6C35CBB6-D3C4-4C1D-AC51-974843E5EF15}" destId="{879205C8-6108-4A50-8702-0AC9EE9776A1}" srcOrd="0" destOrd="0" presId="urn:microsoft.com/office/officeart/2005/8/layout/radial6"/>
-    <dgm:cxn modelId="{F02A6435-DBFD-49DA-957F-D5EBEFAA44C4}" type="presOf" srcId="{4D08220B-A88D-4FE1-9069-E1A28C2C51AA}" destId="{7C095786-474B-4F84-B3E6-14B85213C3C7}" srcOrd="0" destOrd="0" presId="urn:microsoft.com/office/officeart/2005/8/layout/radial6"/>
-    <dgm:cxn modelId="{9EBD2E3A-208D-4588-BE27-3A90825407E5}" type="presOf" srcId="{C2508412-9EBE-4646-9D71-E0B839833A57}" destId="{134BD4EF-4186-4718-9B2B-6558ADD4255F}" srcOrd="0" destOrd="0" presId="urn:microsoft.com/office/officeart/2005/8/layout/radial6"/>
+    <dgm:cxn modelId="{AF8F7B17-DCA8-40CA-9562-496A682822A0}" type="presOf" srcId="{6C35CBB6-D3C4-4C1D-AC51-974843E5EF15}" destId="{879205C8-6108-4A50-8702-0AC9EE9776A1}" srcOrd="0" destOrd="0" presId="urn:microsoft.com/office/officeart/2005/8/layout/radial6#2"/>
+    <dgm:cxn modelId="{F02A6435-DBFD-49DA-957F-D5EBEFAA44C4}" type="presOf" srcId="{4D08220B-A88D-4FE1-9069-E1A28C2C51AA}" destId="{7C095786-474B-4F84-B3E6-14B85213C3C7}" srcOrd="0" destOrd="0" presId="urn:microsoft.com/office/officeart/2005/8/layout/radial6#2"/>
+    <dgm:cxn modelId="{9EBD2E3A-208D-4588-BE27-3A90825407E5}" type="presOf" srcId="{C2508412-9EBE-4646-9D71-E0B839833A57}" destId="{134BD4EF-4186-4718-9B2B-6558ADD4255F}" srcOrd="0" destOrd="0" presId="urn:microsoft.com/office/officeart/2005/8/layout/radial6#2"/>
     <dgm:cxn modelId="{FB046948-8948-43CB-9ABF-C836FE485DD7}" srcId="{0E1F93BD-48AF-4810-90C3-76420603A4A8}" destId="{6C35CBB6-D3C4-4C1D-AC51-974843E5EF15}" srcOrd="0" destOrd="0" parTransId="{B131C9AB-553A-44E7-9659-E0D5978604C4}" sibTransId="{DB757973-D952-41BD-92F2-FA282CB9D9D0}"/>
-    <dgm:cxn modelId="{1174524A-0A68-4FBA-B26B-6679DAC0BA11}" type="presOf" srcId="{6B673BB6-5E8B-4E02-AA0F-E929D152290F}" destId="{FE6505FE-3CB9-4A7D-BC1A-87FA4F551EDE}" srcOrd="0" destOrd="0" presId="urn:microsoft.com/office/officeart/2005/8/layout/radial6"/>
+    <dgm:cxn modelId="{1174524A-0A68-4FBA-B26B-6679DAC0BA11}" type="presOf" srcId="{6B673BB6-5E8B-4E02-AA0F-E929D152290F}" destId="{FE6505FE-3CB9-4A7D-BC1A-87FA4F551EDE}" srcOrd="0" destOrd="0" presId="urn:microsoft.com/office/officeart/2005/8/layout/radial6#2"/>
     <dgm:cxn modelId="{C8F74E8E-9AF3-4EC8-80C9-87FD35F6DDD8}" srcId="{6C35CBB6-D3C4-4C1D-AC51-974843E5EF15}" destId="{6B673BB6-5E8B-4E02-AA0F-E929D152290F}" srcOrd="1" destOrd="0" parTransId="{1707D777-291C-4D90-BCAB-98F23D4A72A6}" sibTransId="{8B5EBB28-CD17-48D2-866A-2CCEED91EB07}"/>
-    <dgm:cxn modelId="{69824E93-1CA1-4027-9E24-687BCCB3FAAD}" type="presOf" srcId="{0E1F93BD-48AF-4810-90C3-76420603A4A8}" destId="{55F3403B-8CFC-4D34-BF48-EA001813827E}" srcOrd="0" destOrd="0" presId="urn:microsoft.com/office/officeart/2005/8/layout/radial6"/>
+    <dgm:cxn modelId="{69824E93-1CA1-4027-9E24-687BCCB3FAAD}" type="presOf" srcId="{0E1F93BD-48AF-4810-90C3-76420603A4A8}" destId="{55F3403B-8CFC-4D34-BF48-EA001813827E}" srcOrd="0" destOrd="0" presId="urn:microsoft.com/office/officeart/2005/8/layout/radial6#2"/>
     <dgm:cxn modelId="{D516E49B-E615-41F2-BD95-A3A986054FB2}" srcId="{6C35CBB6-D3C4-4C1D-AC51-974843E5EF15}" destId="{71850E2B-1D18-4B07-A592-F04291FF1B83}" srcOrd="2" destOrd="0" parTransId="{9AB5FDF0-4595-44CB-9A55-BD164CE20F04}" sibTransId="{CA2F4983-DF0D-4F1C-8A65-43C8CC37A018}"/>
     <dgm:cxn modelId="{872C54AC-76BB-4843-B931-EAE994CD20F6}" srcId="{6C35CBB6-D3C4-4C1D-AC51-974843E5EF15}" destId="{4D08220B-A88D-4FE1-9069-E1A28C2C51AA}" srcOrd="0" destOrd="0" parTransId="{14F96CD3-0539-4EC0-B3F1-090011472753}" sibTransId="{C2508412-9EBE-4646-9D71-E0B839833A57}"/>
-    <dgm:cxn modelId="{6D6DCEB1-030B-4C45-A7E2-C07DCAF7AE09}" type="presOf" srcId="{71850E2B-1D18-4B07-A592-F04291FF1B83}" destId="{F319991C-AD4E-446E-AD15-08AF199FF89F}" srcOrd="0" destOrd="0" presId="urn:microsoft.com/office/officeart/2005/8/layout/radial6"/>
-    <dgm:cxn modelId="{C8F335BD-7319-4441-BC86-9AA3C3468ED5}" type="presOf" srcId="{8B5EBB28-CD17-48D2-866A-2CCEED91EB07}" destId="{DB2EE973-DBE0-49F8-96DA-4E83ECCD9BF6}" srcOrd="0" destOrd="0" presId="urn:microsoft.com/office/officeart/2005/8/layout/radial6"/>
-    <dgm:cxn modelId="{C0E426CD-9516-4E22-A408-4789AF0E5537}" type="presOf" srcId="{CA2F4983-DF0D-4F1C-8A65-43C8CC37A018}" destId="{2AD135F4-15FC-4866-9AB7-736670B1AB6C}" srcOrd="0" destOrd="0" presId="urn:microsoft.com/office/officeart/2005/8/layout/radial6"/>
-    <dgm:cxn modelId="{91969F55-C7D7-4286-8D83-9A61AF059E6D}" type="presParOf" srcId="{55F3403B-8CFC-4D34-BF48-EA001813827E}" destId="{879205C8-6108-4A50-8702-0AC9EE9776A1}" srcOrd="0" destOrd="0" presId="urn:microsoft.com/office/officeart/2005/8/layout/radial6"/>
-    <dgm:cxn modelId="{03DC3DEC-6AA2-4FE4-89AF-EBB05E46642A}" type="presParOf" srcId="{55F3403B-8CFC-4D34-BF48-EA001813827E}" destId="{7C095786-474B-4F84-B3E6-14B85213C3C7}" srcOrd="1" destOrd="0" presId="urn:microsoft.com/office/officeart/2005/8/layout/radial6"/>
-    <dgm:cxn modelId="{056292E8-8F01-4466-9515-824E300F3477}" type="presParOf" srcId="{55F3403B-8CFC-4D34-BF48-EA001813827E}" destId="{5FB51C74-6D5D-47A3-9CA4-018BADAD278B}" srcOrd="2" destOrd="0" presId="urn:microsoft.com/office/officeart/2005/8/layout/radial6"/>
-    <dgm:cxn modelId="{74105986-52B6-4963-B258-F53AB6FC11BA}" type="presParOf" srcId="{55F3403B-8CFC-4D34-BF48-EA001813827E}" destId="{134BD4EF-4186-4718-9B2B-6558ADD4255F}" srcOrd="3" destOrd="0" presId="urn:microsoft.com/office/officeart/2005/8/layout/radial6"/>
-    <dgm:cxn modelId="{46FF2686-B88E-44FE-A2D1-11ED8932F5CD}" type="presParOf" srcId="{55F3403B-8CFC-4D34-BF48-EA001813827E}" destId="{FE6505FE-3CB9-4A7D-BC1A-87FA4F551EDE}" srcOrd="4" destOrd="0" presId="urn:microsoft.com/office/officeart/2005/8/layout/radial6"/>
-    <dgm:cxn modelId="{5F24E167-BA9B-431B-9273-6400C3FC670E}" type="presParOf" srcId="{55F3403B-8CFC-4D34-BF48-EA001813827E}" destId="{60B224C2-73CD-42B7-95BB-FD9D331D28E6}" srcOrd="5" destOrd="0" presId="urn:microsoft.com/office/officeart/2005/8/layout/radial6"/>
-    <dgm:cxn modelId="{927F580E-0C4D-4BF0-A75A-E25B251DDCF7}" type="presParOf" srcId="{55F3403B-8CFC-4D34-BF48-EA001813827E}" destId="{DB2EE973-DBE0-49F8-96DA-4E83ECCD9BF6}" srcOrd="6" destOrd="0" presId="urn:microsoft.com/office/officeart/2005/8/layout/radial6"/>
-    <dgm:cxn modelId="{6285C859-E87F-4CB6-A0BB-080983549C3E}" type="presParOf" srcId="{55F3403B-8CFC-4D34-BF48-EA001813827E}" destId="{F319991C-AD4E-446E-AD15-08AF199FF89F}" srcOrd="7" destOrd="0" presId="urn:microsoft.com/office/officeart/2005/8/layout/radial6"/>
-    <dgm:cxn modelId="{82F7E5E1-46A3-435B-AD7E-93183E0A8D6D}" type="presParOf" srcId="{55F3403B-8CFC-4D34-BF48-EA001813827E}" destId="{35FE58AA-8B04-4E08-AC6D-56B9AA89E244}" srcOrd="8" destOrd="0" presId="urn:microsoft.com/office/officeart/2005/8/layout/radial6"/>
-    <dgm:cxn modelId="{63A8DA28-8E2B-4ED2-B900-9EA6642879BC}" type="presParOf" srcId="{55F3403B-8CFC-4D34-BF48-EA001813827E}" destId="{2AD135F4-15FC-4866-9AB7-736670B1AB6C}" srcOrd="9" destOrd="0" presId="urn:microsoft.com/office/officeart/2005/8/layout/radial6"/>
+    <dgm:cxn modelId="{6D6DCEB1-030B-4C45-A7E2-C07DCAF7AE09}" type="presOf" srcId="{71850E2B-1D18-4B07-A592-F04291FF1B83}" destId="{F319991C-AD4E-446E-AD15-08AF199FF89F}" srcOrd="0" destOrd="0" presId="urn:microsoft.com/office/officeart/2005/8/layout/radial6#2"/>
+    <dgm:cxn modelId="{C8F335BD-7319-4441-BC86-9AA3C3468ED5}" type="presOf" srcId="{8B5EBB28-CD17-48D2-866A-2CCEED91EB07}" destId="{DB2EE973-DBE0-49F8-96DA-4E83ECCD9BF6}" srcOrd="0" destOrd="0" presId="urn:microsoft.com/office/officeart/2005/8/layout/radial6#2"/>
+    <dgm:cxn modelId="{C0E426CD-9516-4E22-A408-4789AF0E5537}" type="presOf" srcId="{CA2F4983-DF0D-4F1C-8A65-43C8CC37A018}" destId="{2AD135F4-15FC-4866-9AB7-736670B1AB6C}" srcOrd="0" destOrd="0" presId="urn:microsoft.com/office/officeart/2005/8/layout/radial6#2"/>
+    <dgm:cxn modelId="{91969F55-C7D7-4286-8D83-9A61AF059E6D}" type="presParOf" srcId="{55F3403B-8CFC-4D34-BF48-EA001813827E}" destId="{879205C8-6108-4A50-8702-0AC9EE9776A1}" srcOrd="0" destOrd="0" presId="urn:microsoft.com/office/officeart/2005/8/layout/radial6#2"/>
+    <dgm:cxn modelId="{03DC3DEC-6AA2-4FE4-89AF-EBB05E46642A}" type="presParOf" srcId="{55F3403B-8CFC-4D34-BF48-EA001813827E}" destId="{7C095786-474B-4F84-B3E6-14B85213C3C7}" srcOrd="1" destOrd="0" presId="urn:microsoft.com/office/officeart/2005/8/layout/radial6#2"/>
+    <dgm:cxn modelId="{056292E8-8F01-4466-9515-824E300F3477}" type="presParOf" srcId="{55F3403B-8CFC-4D34-BF48-EA001813827E}" destId="{5FB51C74-6D5D-47A3-9CA4-018BADAD278B}" srcOrd="2" destOrd="0" presId="urn:microsoft.com/office/officeart/2005/8/layout/radial6#2"/>
+    <dgm:cxn modelId="{74105986-52B6-4963-B258-F53AB6FC11BA}" type="presParOf" srcId="{55F3403B-8CFC-4D34-BF48-EA001813827E}" destId="{134BD4EF-4186-4718-9B2B-6558ADD4255F}" srcOrd="3" destOrd="0" presId="urn:microsoft.com/office/officeart/2005/8/layout/radial6#2"/>
+    <dgm:cxn modelId="{46FF2686-B88E-44FE-A2D1-11ED8932F5CD}" type="presParOf" srcId="{55F3403B-8CFC-4D34-BF48-EA001813827E}" destId="{FE6505FE-3CB9-4A7D-BC1A-87FA4F551EDE}" srcOrd="4" destOrd="0" presId="urn:microsoft.com/office/officeart/2005/8/layout/radial6#2"/>
+    <dgm:cxn modelId="{5F24E167-BA9B-431B-9273-6400C3FC670E}" type="presParOf" srcId="{55F3403B-8CFC-4D34-BF48-EA001813827E}" destId="{60B224C2-73CD-42B7-95BB-FD9D331D28E6}" srcOrd="5" destOrd="0" presId="urn:microsoft.com/office/officeart/2005/8/layout/radial6#2"/>
+    <dgm:cxn modelId="{927F580E-0C4D-4BF0-A75A-E25B251DDCF7}" type="presParOf" srcId="{55F3403B-8CFC-4D34-BF48-EA001813827E}" destId="{DB2EE973-DBE0-49F8-96DA-4E83ECCD9BF6}" srcOrd="6" destOrd="0" presId="urn:microsoft.com/office/officeart/2005/8/layout/radial6#2"/>
+    <dgm:cxn modelId="{6285C859-E87F-4CB6-A0BB-080983549C3E}" type="presParOf" srcId="{55F3403B-8CFC-4D34-BF48-EA001813827E}" destId="{F319991C-AD4E-446E-AD15-08AF199FF89F}" srcOrd="7" destOrd="0" presId="urn:microsoft.com/office/officeart/2005/8/layout/radial6#2"/>
+    <dgm:cxn modelId="{82F7E5E1-46A3-435B-AD7E-93183E0A8D6D}" type="presParOf" srcId="{55F3403B-8CFC-4D34-BF48-EA001813827E}" destId="{35FE58AA-8B04-4E08-AC6D-56B9AA89E244}" srcOrd="8" destOrd="0" presId="urn:microsoft.com/office/officeart/2005/8/layout/radial6#2"/>
+    <dgm:cxn modelId="{63A8DA28-8E2B-4ED2-B900-9EA6642879BC}" type="presParOf" srcId="{55F3403B-8CFC-4D34-BF48-EA001813827E}" destId="{2AD135F4-15FC-4866-9AB7-736670B1AB6C}" srcOrd="9" destOrd="0" presId="urn:microsoft.com/office/officeart/2005/8/layout/radial6#2"/>
   </dgm:cxnLst>
   <dgm:bg/>
   <dgm:whole/>
   <dgm:extLst>
     <a:ext uri="http://schemas.microsoft.com/office/drawing/2008/diagram">
-      <dsp:dataModelExt xmlns:dsp="http://schemas.microsoft.com/office/drawing/2008/diagram" relId="rId5" minVer="http://schemas.openxmlformats.org/drawingml/2006/diagram"/>
+      <dsp:dataModelExt xmlns:dsp="http://schemas.microsoft.com/office/drawing/2008/diagram" relId="rId7" minVer="http://schemas.openxmlformats.org/drawingml/2006/diagram"/>
     </a:ext>
   </dgm:extLst>
 </dgm:dataModel>
 </file>
 
 <file path=ppt/diagrams/drawing1.xml><?xml version="1.0" encoding="utf-8"?>
-<dsp:drawing xmlns:dgm="http://schemas.openxmlformats.org/drawingml/2006/diagram" xmlns:dsp="http://schemas.microsoft.com/office/drawing/2008/diagram" xmlns:a="http://schemas.openxmlformats.org/drawingml/2006/main" xmlns:r="http://schemas.openxmlformats.org/officeDocument/2006/relationships">
+<dsp:drawing xmlns:dgm="http://schemas.openxmlformats.org/drawingml/2006/diagram" xmlns:dsp="http://schemas.microsoft.com/office/drawing/2008/diagram" xmlns:a="http://schemas.openxmlformats.org/drawingml/2006/main">
   <dsp:spTree>
     <dsp:nvGrpSpPr>
-      <dsp:cNvPr id="2" name="组合 1"/>
+      <dsp:cNvPr id="0" name=""/>
       <dsp:cNvGrpSpPr/>
     </dsp:nvGrpSpPr>
-    <dsp:grpSpPr>
-      <a:xfrm>
-        <a:off x="0" y="0"/>
-        <a:ext cx="8128000" cy="5418667"/>
-        <a:chOff x="0" y="0"/>
-        <a:chExt cx="8128000" cy="5418667"/>
-      </a:xfrm>
-    </dsp:grpSpPr>
+    <dsp:grpSpPr/>
     <dsp:sp modelId="{134BD4EF-4186-4718-9B2B-6558ADD4255F}">
       <dsp:nvSpPr>
-        <dsp:cNvPr id="5" name="空心弧 4"/>
+        <dsp:cNvPr id="0" name=""/>
         <dsp:cNvSpPr/>
       </dsp:nvSpPr>
       <dsp:spPr bwMode="white">
@@ -1261,6 +1259,19 @@
             <a:gd name="adj3" fmla="val 3962"/>
           </a:avLst>
         </a:prstGeom>
+        <a:solidFill>
+          <a:schemeClr val="accent1">
+            <a:tint val="60000"/>
+            <a:hueOff val="0"/>
+            <a:satOff val="0"/>
+            <a:lumOff val="0"/>
+            <a:alphaOff val="0"/>
+          </a:schemeClr>
+        </a:solidFill>
+        <a:ln>
+          <a:noFill/>
+        </a:ln>
+        <a:effectLst/>
       </dsp:spPr>
       <dsp:style>
         <a:lnRef idx="0">
@@ -1280,14 +1291,10 @@
           <a:schemeClr val="lt1"/>
         </a:fontRef>
       </dsp:style>
-      <dsp:txXfrm>
-        <a:off x="1556550" y="583026"/>
-        <a:ext cx="5014901" cy="5014901"/>
-      </dsp:txXfrm>
     </dsp:sp>
     <dsp:sp modelId="{DB2EE973-DBE0-49F8-96DA-4E83ECCD9BF6}">
       <dsp:nvSpPr>
-        <dsp:cNvPr id="7" name="空心弧 6"/>
+        <dsp:cNvPr id="0" name=""/>
         <dsp:cNvSpPr/>
       </dsp:nvSpPr>
       <dsp:spPr bwMode="white">
@@ -1302,6 +1309,19 @@
             <a:gd name="adj3" fmla="val 3962"/>
           </a:avLst>
         </a:prstGeom>
+        <a:solidFill>
+          <a:schemeClr val="accent1">
+            <a:tint val="60000"/>
+            <a:hueOff val="0"/>
+            <a:satOff val="0"/>
+            <a:lumOff val="0"/>
+            <a:alphaOff val="0"/>
+          </a:schemeClr>
+        </a:solidFill>
+        <a:ln>
+          <a:noFill/>
+        </a:ln>
+        <a:effectLst/>
       </dsp:spPr>
       <dsp:style>
         <a:lnRef idx="0">
@@ -1321,14 +1341,10 @@
           <a:schemeClr val="lt1"/>
         </a:fontRef>
       </dsp:style>
-      <dsp:txXfrm>
-        <a:off x="1556550" y="583026"/>
-        <a:ext cx="5014901" cy="5014901"/>
-      </dsp:txXfrm>
     </dsp:sp>
     <dsp:sp modelId="{2AD135F4-15FC-4866-9AB7-736670B1AB6C}">
       <dsp:nvSpPr>
-        <dsp:cNvPr id="9" name="空心弧 8"/>
+        <dsp:cNvPr id="0" name=""/>
         <dsp:cNvSpPr/>
       </dsp:nvSpPr>
       <dsp:spPr bwMode="white">
@@ -1343,6 +1359,19 @@
             <a:gd name="adj3" fmla="val 3962"/>
           </a:avLst>
         </a:prstGeom>
+        <a:solidFill>
+          <a:schemeClr val="accent1">
+            <a:tint val="60000"/>
+            <a:hueOff val="0"/>
+            <a:satOff val="0"/>
+            <a:lumOff val="0"/>
+            <a:alphaOff val="0"/>
+          </a:schemeClr>
+        </a:solidFill>
+        <a:ln>
+          <a:noFill/>
+        </a:ln>
+        <a:effectLst/>
       </dsp:spPr>
       <dsp:style>
         <a:lnRef idx="0">
@@ -1362,14 +1391,10 @@
           <a:schemeClr val="lt1"/>
         </a:fontRef>
       </dsp:style>
-      <dsp:txXfrm>
-        <a:off x="1556550" y="583026"/>
-        <a:ext cx="5014901" cy="5014901"/>
-      </dsp:txXfrm>
     </dsp:sp>
     <dsp:sp modelId="{879205C8-6108-4A50-8702-0AC9EE9776A1}">
       <dsp:nvSpPr>
-        <dsp:cNvPr id="3" name="椭圆 2"/>
+        <dsp:cNvPr id="0" name=""/>
         <dsp:cNvSpPr/>
       </dsp:nvSpPr>
       <dsp:spPr bwMode="white">
@@ -1386,11 +1411,13 @@
             <a:lumOff val="40000"/>
           </a:schemeClr>
         </a:solidFill>
-        <a:ln>
+        <a:ln w="12700" cap="flat" cmpd="sng" algn="ctr">
           <a:noFill/>
+          <a:prstDash val="solid"/>
+          <a:miter lim="800000"/>
         </a:ln>
         <a:effectLst>
-          <a:outerShdw blurRad="107950" dist="12700" dir="5400000" algn="ctr">
+          <a:outerShdw blurRad="107950" dist="12700" dir="5400000" algn="ctr" rotWithShape="0">
             <a:srgbClr val="000000"/>
           </a:outerShdw>
         </a:effectLst>
@@ -1410,40 +1437,14 @@
         </a:fontRef>
       </dsp:style>
       <dsp:txBody>
-        <a:bodyPr lIns="69850" tIns="69850" rIns="69850" bIns="69850" anchor="ctr"/>
-        <a:lstStyle>
-          <a:lvl1pPr algn="ctr">
-            <a:defRPr sz="5500"/>
-          </a:lvl1pPr>
-          <a:lvl2pPr marL="285750" indent="-285750" algn="ctr">
-            <a:defRPr sz="4200"/>
-          </a:lvl2pPr>
-          <a:lvl3pPr marL="571500" indent="-285750" algn="ctr">
-            <a:defRPr sz="4200"/>
-          </a:lvl3pPr>
-          <a:lvl4pPr marL="857250" indent="-285750" algn="ctr">
-            <a:defRPr sz="4200"/>
-          </a:lvl4pPr>
-          <a:lvl5pPr marL="1143000" indent="-285750" algn="ctr">
-            <a:defRPr sz="4200"/>
-          </a:lvl5pPr>
-          <a:lvl6pPr marL="1428750" indent="-285750" algn="ctr">
-            <a:defRPr sz="4200"/>
-          </a:lvl6pPr>
-          <a:lvl7pPr marL="1714500" indent="-285750" algn="ctr">
-            <a:defRPr sz="4200"/>
-          </a:lvl7pPr>
-          <a:lvl8pPr marL="2000250" indent="-285750" algn="ctr">
-            <a:defRPr sz="4200"/>
-          </a:lvl8pPr>
-          <a:lvl9pPr marL="2286000" indent="-285750" algn="ctr">
-            <a:defRPr sz="4200"/>
-          </a:lvl9pPr>
-        </a:lstStyle>
+        <a:bodyPr spcFirstLastPara="0" vert="horz" wrap="square" lIns="69850" tIns="69850" rIns="69850" bIns="69850" numCol="1" spcCol="1270" anchor="ctr" anchorCtr="0">
+          <a:noAutofit/>
+        </a:bodyPr>
+        <a:lstStyle/>
         <a:p>
-          <a:pPr lvl="0">
+          <a:pPr marL="0" lvl="0" indent="0" algn="ctr" defTabSz="1600200">
             <a:lnSpc>
-              <a:spcPct val="100000"/>
+              <a:spcPct val="90000"/>
             </a:lnSpc>
             <a:spcBef>
               <a:spcPct val="0"/>
@@ -1451,9 +1452,10 @@
             <a:spcAft>
               <a:spcPct val="35000"/>
             </a:spcAft>
+            <a:buNone/>
           </a:pPr>
           <a:r>
-            <a:rPr lang="zh-CN" altLang="en-US" dirty="0">
+            <a:rPr lang="zh-CN" altLang="en-US" sz="3600" kern="1200" dirty="0">
               <a:latin typeface="微软雅黑" panose="020B0503020204020204" pitchFamily="34" charset="-122"/>
               <a:ea typeface="微软雅黑" panose="020B0503020204020204" pitchFamily="34" charset="-122"/>
             </a:rPr>
@@ -1468,7 +1470,7 @@
     </dsp:sp>
     <dsp:sp modelId="{7C095786-474B-4F84-B3E6-14B85213C3C7}">
       <dsp:nvSpPr>
-        <dsp:cNvPr id="4" name="椭圆 3"/>
+        <dsp:cNvPr id="0" name=""/>
         <dsp:cNvSpPr/>
       </dsp:nvSpPr>
       <dsp:spPr bwMode="white">
@@ -1485,11 +1487,13 @@
             <a:lumOff val="40000"/>
           </a:schemeClr>
         </a:solidFill>
-        <a:ln>
+        <a:ln w="12700" cap="flat" cmpd="sng" algn="ctr">
           <a:noFill/>
+          <a:prstDash val="solid"/>
+          <a:miter lim="800000"/>
         </a:ln>
         <a:effectLst>
-          <a:outerShdw blurRad="107950" dist="12700" dir="5400000" algn="ctr">
+          <a:outerShdw blurRad="107950" dist="12700" dir="5400000" algn="ctr" rotWithShape="0">
             <a:srgbClr val="000000"/>
           </a:outerShdw>
         </a:effectLst>
@@ -1509,40 +1513,14 @@
         </a:fontRef>
       </dsp:style>
       <dsp:txBody>
-        <a:bodyPr lIns="48260" tIns="48260" rIns="48260" bIns="48260" anchor="ctr"/>
-        <a:lstStyle>
-          <a:lvl1pPr algn="ctr">
-            <a:defRPr sz="3800"/>
-          </a:lvl1pPr>
-          <a:lvl2pPr marL="285750" indent="-285750" algn="ctr">
-            <a:defRPr sz="2900"/>
-          </a:lvl2pPr>
-          <a:lvl3pPr marL="571500" indent="-285750" algn="ctr">
-            <a:defRPr sz="2900"/>
-          </a:lvl3pPr>
-          <a:lvl4pPr marL="857250" indent="-285750" algn="ctr">
-            <a:defRPr sz="2900"/>
-          </a:lvl4pPr>
-          <a:lvl5pPr marL="1143000" indent="-285750" algn="ctr">
-            <a:defRPr sz="2900"/>
-          </a:lvl5pPr>
-          <a:lvl6pPr marL="1428750" indent="-285750" algn="ctr">
-            <a:defRPr sz="2900"/>
-          </a:lvl6pPr>
-          <a:lvl7pPr marL="1714500" indent="-285750" algn="ctr">
-            <a:defRPr sz="2900"/>
-          </a:lvl7pPr>
-          <a:lvl8pPr marL="2000250" indent="-285750" algn="ctr">
-            <a:defRPr sz="2900"/>
-          </a:lvl8pPr>
-          <a:lvl9pPr marL="2286000" indent="-285750" algn="ctr">
-            <a:defRPr sz="2900"/>
-          </a:lvl9pPr>
-        </a:lstStyle>
+        <a:bodyPr spcFirstLastPara="0" vert="horz" wrap="square" lIns="48260" tIns="48260" rIns="48260" bIns="48260" numCol="1" spcCol="1270" anchor="ctr" anchorCtr="0">
+          <a:noAutofit/>
+        </a:bodyPr>
+        <a:lstStyle/>
         <a:p>
-          <a:pPr lvl="0">
+          <a:pPr marL="0" lvl="0" indent="0" algn="ctr" defTabSz="1600200">
             <a:lnSpc>
-              <a:spcPct val="100000"/>
+              <a:spcPct val="90000"/>
             </a:lnSpc>
             <a:spcBef>
               <a:spcPct val="0"/>
@@ -1550,9 +1528,10 @@
             <a:spcAft>
               <a:spcPct val="35000"/>
             </a:spcAft>
+            <a:buNone/>
           </a:pPr>
           <a:r>
-            <a:rPr lang="zh-CN" altLang="en-US" dirty="0">
+            <a:rPr lang="zh-CN" altLang="en-US" sz="3600" kern="1200" dirty="0">
               <a:latin typeface="微软雅黑" panose="020B0503020204020204" pitchFamily="34" charset="-122"/>
               <a:ea typeface="微软雅黑" panose="020B0503020204020204" pitchFamily="34" charset="-122"/>
             </a:rPr>
@@ -1567,7 +1546,7 @@
     </dsp:sp>
     <dsp:sp modelId="{FE6505FE-3CB9-4A7D-BC1A-87FA4F551EDE}">
       <dsp:nvSpPr>
-        <dsp:cNvPr id="6" name="椭圆 5"/>
+        <dsp:cNvPr id="0" name=""/>
         <dsp:cNvSpPr/>
       </dsp:nvSpPr>
       <dsp:spPr bwMode="white">
@@ -1584,11 +1563,13 @@
             <a:lumOff val="40000"/>
           </a:schemeClr>
         </a:solidFill>
-        <a:ln>
+        <a:ln w="12700" cap="flat" cmpd="sng" algn="ctr">
           <a:noFill/>
+          <a:prstDash val="solid"/>
+          <a:miter lim="800000"/>
         </a:ln>
         <a:effectLst>
-          <a:outerShdw blurRad="107950" dist="12700" dir="5400000" algn="ctr">
+          <a:outerShdw blurRad="107950" dist="12700" dir="5400000" algn="ctr" rotWithShape="0">
             <a:srgbClr val="000000"/>
           </a:outerShdw>
         </a:effectLst>
@@ -1608,40 +1589,14 @@
         </a:fontRef>
       </dsp:style>
       <dsp:txBody>
-        <a:bodyPr lIns="48260" tIns="48260" rIns="48260" bIns="48260" anchor="ctr"/>
-        <a:lstStyle>
-          <a:lvl1pPr algn="ctr">
-            <a:defRPr sz="3800"/>
-          </a:lvl1pPr>
-          <a:lvl2pPr marL="285750" indent="-285750" algn="ctr">
-            <a:defRPr sz="2900"/>
-          </a:lvl2pPr>
-          <a:lvl3pPr marL="571500" indent="-285750" algn="ctr">
-            <a:defRPr sz="2900"/>
-          </a:lvl3pPr>
-          <a:lvl4pPr marL="857250" indent="-285750" algn="ctr">
-            <a:defRPr sz="2900"/>
-          </a:lvl4pPr>
-          <a:lvl5pPr marL="1143000" indent="-285750" algn="ctr">
-            <a:defRPr sz="2900"/>
-          </a:lvl5pPr>
-          <a:lvl6pPr marL="1428750" indent="-285750" algn="ctr">
-            <a:defRPr sz="2900"/>
-          </a:lvl6pPr>
-          <a:lvl7pPr marL="1714500" indent="-285750" algn="ctr">
-            <a:defRPr sz="2900"/>
-          </a:lvl7pPr>
-          <a:lvl8pPr marL="2000250" indent="-285750" algn="ctr">
-            <a:defRPr sz="2900"/>
-          </a:lvl8pPr>
-          <a:lvl9pPr marL="2286000" indent="-285750" algn="ctr">
-            <a:defRPr sz="2900"/>
-          </a:lvl9pPr>
-        </a:lstStyle>
+        <a:bodyPr spcFirstLastPara="0" vert="horz" wrap="square" lIns="48260" tIns="48260" rIns="48260" bIns="48260" numCol="1" spcCol="1270" anchor="ctr" anchorCtr="0">
+          <a:noAutofit/>
+        </a:bodyPr>
+        <a:lstStyle/>
         <a:p>
-          <a:pPr lvl="0">
+          <a:pPr marL="0" lvl="0" indent="0" algn="ctr" defTabSz="1600200">
             <a:lnSpc>
-              <a:spcPct val="100000"/>
+              <a:spcPct val="90000"/>
             </a:lnSpc>
             <a:spcBef>
               <a:spcPct val="0"/>
@@ -1649,15 +1604,16 @@
             <a:spcAft>
               <a:spcPct val="35000"/>
             </a:spcAft>
+            <a:buNone/>
           </a:pPr>
           <a:r>
-            <a:rPr lang="en-US" altLang="zh-CN" dirty="0">
+            <a:rPr lang="en-US" altLang="zh-CN" sz="3600" kern="1200" dirty="0">
               <a:latin typeface="微软雅黑" panose="020B0503020204020204" pitchFamily="34" charset="-122"/>
               <a:ea typeface="微软雅黑" panose="020B0503020204020204" pitchFamily="34" charset="-122"/>
             </a:rPr>
             <a:t>I/O</a:t>
           </a:r>
-          <a:endParaRPr lang="zh-CN" altLang="en-US" dirty="0">
+          <a:endParaRPr lang="zh-CN" altLang="en-US" sz="3600" kern="1200" dirty="0">
             <a:latin typeface="微软雅黑" panose="020B0503020204020204" pitchFamily="34" charset="-122"/>
             <a:ea typeface="微软雅黑" panose="020B0503020204020204" pitchFamily="34" charset="-122"/>
           </a:endParaRPr>
@@ -1670,7 +1626,7 @@
     </dsp:sp>
     <dsp:sp modelId="{F319991C-AD4E-446E-AD15-08AF199FF89F}">
       <dsp:nvSpPr>
-        <dsp:cNvPr id="8" name="椭圆 7"/>
+        <dsp:cNvPr id="0" name=""/>
         <dsp:cNvSpPr/>
       </dsp:nvSpPr>
       <dsp:spPr bwMode="white">
@@ -1687,11 +1643,13 @@
             <a:lumOff val="40000"/>
           </a:schemeClr>
         </a:solidFill>
-        <a:ln>
+        <a:ln w="12700" cap="flat" cmpd="sng" algn="ctr">
           <a:noFill/>
+          <a:prstDash val="solid"/>
+          <a:miter lim="800000"/>
         </a:ln>
         <a:effectLst>
-          <a:outerShdw blurRad="107950" dist="12700" dir="5400000" algn="ctr">
+          <a:outerShdw blurRad="107950" dist="12700" dir="5400000" algn="ctr" rotWithShape="0">
             <a:srgbClr val="000000"/>
           </a:outerShdw>
         </a:effectLst>
@@ -1711,40 +1669,14 @@
         </a:fontRef>
       </dsp:style>
       <dsp:txBody>
-        <a:bodyPr lIns="48260" tIns="48260" rIns="48260" bIns="48260" anchor="ctr"/>
-        <a:lstStyle>
-          <a:lvl1pPr algn="ctr">
-            <a:defRPr sz="3800"/>
-          </a:lvl1pPr>
-          <a:lvl2pPr marL="285750" indent="-285750" algn="ctr">
-            <a:defRPr sz="2900"/>
-          </a:lvl2pPr>
-          <a:lvl3pPr marL="571500" indent="-285750" algn="ctr">
-            <a:defRPr sz="2900"/>
-          </a:lvl3pPr>
-          <a:lvl4pPr marL="857250" indent="-285750" algn="ctr">
-            <a:defRPr sz="2900"/>
-          </a:lvl4pPr>
-          <a:lvl5pPr marL="1143000" indent="-285750" algn="ctr">
-            <a:defRPr sz="2900"/>
-          </a:lvl5pPr>
-          <a:lvl6pPr marL="1428750" indent="-285750" algn="ctr">
-            <a:defRPr sz="2900"/>
-          </a:lvl6pPr>
-          <a:lvl7pPr marL="1714500" indent="-285750" algn="ctr">
-            <a:defRPr sz="2900"/>
-          </a:lvl7pPr>
-          <a:lvl8pPr marL="2000250" indent="-285750" algn="ctr">
-            <a:defRPr sz="2900"/>
-          </a:lvl8pPr>
-          <a:lvl9pPr marL="2286000" indent="-285750" algn="ctr">
-            <a:defRPr sz="2900"/>
-          </a:lvl9pPr>
-        </a:lstStyle>
+        <a:bodyPr spcFirstLastPara="0" vert="horz" wrap="square" lIns="48260" tIns="48260" rIns="48260" bIns="48260" numCol="1" spcCol="1270" anchor="ctr" anchorCtr="0">
+          <a:noAutofit/>
+        </a:bodyPr>
+        <a:lstStyle/>
         <a:p>
-          <a:pPr lvl="0">
+          <a:pPr marL="0" lvl="0" indent="0" algn="ctr" defTabSz="1600200">
             <a:lnSpc>
-              <a:spcPct val="100000"/>
+              <a:spcPct val="90000"/>
             </a:lnSpc>
             <a:spcBef>
               <a:spcPct val="0"/>
@@ -1752,9 +1684,10 @@
             <a:spcAft>
               <a:spcPct val="35000"/>
             </a:spcAft>
+            <a:buNone/>
           </a:pPr>
           <a:r>
-            <a:rPr lang="zh-CN" altLang="en-US" dirty="0">
+            <a:rPr lang="zh-CN" altLang="en-US" sz="3600" kern="1200" dirty="0">
               <a:latin typeface="微软雅黑" panose="020B0503020204020204" pitchFamily="34" charset="-122"/>
               <a:ea typeface="微软雅黑" panose="020B0503020204020204" pitchFamily="34" charset="-122"/>
             </a:rPr>
@@ -1772,7 +1705,7 @@
 </file>
 
 <file path=ppt/diagrams/layout1.xml><?xml version="1.0" encoding="utf-8"?>
-<dgm:layoutDef xmlns:dgm="http://schemas.openxmlformats.org/drawingml/2006/diagram" xmlns:a="http://schemas.openxmlformats.org/drawingml/2006/main" uniqueId="urn:microsoft.com/office/officeart/2005/8/layout/radial6">
+<dgm:layoutDef xmlns:dgm="http://schemas.openxmlformats.org/drawingml/2006/diagram" xmlns:a="http://schemas.openxmlformats.org/drawingml/2006/main" uniqueId="urn:microsoft.com/office/officeart/2005/8/layout/radial6#2">
   <dgm:title val=""/>
   <dgm:desc val=""/>
   <dgm:catLst>
@@ -2179,7 +2112,7 @@
 </file>
 
 <file path=ppt/diagrams/quickStyle1.xml><?xml version="1.0" encoding="utf-8"?>
-<dgm:styleDef xmlns:dgm="http://schemas.openxmlformats.org/drawingml/2006/diagram" xmlns:a="http://schemas.openxmlformats.org/drawingml/2006/main" uniqueId="urn:microsoft.com/office/officeart/2005/8/quickstyle/simple1">
+<dgm:styleDef xmlns:dgm="http://schemas.openxmlformats.org/drawingml/2006/diagram" xmlns:a="http://schemas.openxmlformats.org/drawingml/2006/main" uniqueId="urn:microsoft.com/office/officeart/2005/8/quickstyle/simple1#2">
   <dgm:title val=""/>
   <dgm:desc val=""/>
   <dgm:catLst>
@@ -2194,6 +2127,7 @@
       <a:camera prst="orthographicFront"/>
       <a:lightRig rig="threePt" dir="t"/>
     </dgm:scene3d>
+    <dgm:sp3d/>
     <dgm:txPr/>
     <dgm:style>
       <a:lnRef idx="2">
@@ -2213,6 +2147,7 @@
       <a:camera prst="orthographicFront"/>
       <a:lightRig rig="threePt" dir="t"/>
     </dgm:scene3d>
+    <dgm:sp3d/>
     <dgm:txPr/>
     <dgm:style>
       <a:lnRef idx="2">
@@ -2232,6 +2167,7 @@
       <a:camera prst="orthographicFront"/>
       <a:lightRig rig="threePt" dir="t"/>
     </dgm:scene3d>
+    <dgm:sp3d/>
     <dgm:txPr/>
     <dgm:style>
       <a:lnRef idx="2">
@@ -2251,6 +2187,7 @@
       <a:camera prst="orthographicFront"/>
       <a:lightRig rig="threePt" dir="t"/>
     </dgm:scene3d>
+    <dgm:sp3d/>
     <dgm:txPr/>
     <dgm:style>
       <a:lnRef idx="2">
@@ -2272,6 +2209,7 @@
       <a:camera prst="orthographicFront"/>
       <a:lightRig rig="threePt" dir="t"/>
     </dgm:scene3d>
+    <dgm:sp3d/>
     <dgm:txPr/>
     <dgm:style>
       <a:lnRef idx="2">
@@ -2293,6 +2231,7 @@
       <a:camera prst="orthographicFront"/>
       <a:lightRig rig="threePt" dir="t"/>
     </dgm:scene3d>
+    <dgm:sp3d/>
     <dgm:txPr/>
     <dgm:style>
       <a:lnRef idx="2">
@@ -2314,6 +2253,7 @@
       <a:camera prst="orthographicFront"/>
       <a:lightRig rig="threePt" dir="t"/>
     </dgm:scene3d>
+    <dgm:sp3d/>
     <dgm:txPr/>
     <dgm:style>
       <a:lnRef idx="2">
@@ -2335,6 +2275,7 @@
       <a:camera prst="orthographicFront"/>
       <a:lightRig rig="threePt" dir="t"/>
     </dgm:scene3d>
+    <dgm:sp3d/>
     <dgm:txPr/>
     <dgm:style>
       <a:lnRef idx="2">
@@ -2356,6 +2297,7 @@
       <a:camera prst="orthographicFront"/>
       <a:lightRig rig="threePt" dir="t"/>
     </dgm:scene3d>
+    <dgm:sp3d/>
     <dgm:txPr/>
     <dgm:style>
       <a:lnRef idx="2">
@@ -2377,6 +2319,7 @@
       <a:camera prst="orthographicFront"/>
       <a:lightRig rig="threePt" dir="t"/>
     </dgm:scene3d>
+    <dgm:sp3d/>
     <dgm:txPr/>
     <dgm:style>
       <a:lnRef idx="2">
@@ -2396,6 +2339,7 @@
       <a:camera prst="orthographicFront"/>
       <a:lightRig rig="threePt" dir="t"/>
     </dgm:scene3d>
+    <dgm:sp3d/>
     <dgm:txPr/>
     <dgm:style>
       <a:lnRef idx="2">
@@ -2415,6 +2359,7 @@
       <a:camera prst="orthographicFront"/>
       <a:lightRig rig="threePt" dir="t"/>
     </dgm:scene3d>
+    <dgm:sp3d/>
     <dgm:txPr/>
     <dgm:style>
       <a:lnRef idx="2">
@@ -2434,6 +2379,7 @@
       <a:camera prst="orthographicFront"/>
       <a:lightRig rig="threePt" dir="t"/>
     </dgm:scene3d>
+    <dgm:sp3d/>
     <dgm:txPr/>
     <dgm:style>
       <a:lnRef idx="0">
@@ -2453,6 +2399,7 @@
       <a:camera prst="orthographicFront"/>
       <a:lightRig rig="threePt" dir="t"/>
     </dgm:scene3d>
+    <dgm:sp3d/>
     <dgm:txPr/>
     <dgm:style>
       <a:lnRef idx="0">
@@ -2474,6 +2421,7 @@
       <a:camera prst="orthographicFront"/>
       <a:lightRig rig="threePt" dir="t"/>
     </dgm:scene3d>
+    <dgm:sp3d/>
     <dgm:txPr/>
     <dgm:style>
       <a:lnRef idx="2">
@@ -2493,6 +2441,7 @@
       <a:camera prst="orthographicFront"/>
       <a:lightRig rig="threePt" dir="t"/>
     </dgm:scene3d>
+    <dgm:sp3d/>
     <dgm:txPr/>
     <dgm:style>
       <a:lnRef idx="2">
@@ -2512,6 +2461,7 @@
       <a:camera prst="orthographicFront"/>
       <a:lightRig rig="threePt" dir="t"/>
     </dgm:scene3d>
+    <dgm:sp3d/>
     <dgm:txPr/>
     <dgm:style>
       <a:lnRef idx="0">
@@ -2531,6 +2481,7 @@
       <a:camera prst="orthographicFront"/>
       <a:lightRig rig="threePt" dir="t"/>
     </dgm:scene3d>
+    <dgm:sp3d/>
     <dgm:txPr/>
     <dgm:style>
       <a:lnRef idx="2">
@@ -2550,6 +2501,7 @@
       <a:camera prst="orthographicFront"/>
       <a:lightRig rig="threePt" dir="t"/>
     </dgm:scene3d>
+    <dgm:sp3d/>
     <dgm:txPr/>
     <dgm:style>
       <a:lnRef idx="2">
@@ -2569,6 +2521,7 @@
       <a:camera prst="orthographicFront"/>
       <a:lightRig rig="threePt" dir="t"/>
     </dgm:scene3d>
+    <dgm:sp3d/>
     <dgm:txPr/>
     <dgm:style>
       <a:lnRef idx="2">
@@ -2588,6 +2541,7 @@
       <a:camera prst="orthographicFront"/>
       <a:lightRig rig="threePt" dir="t"/>
     </dgm:scene3d>
+    <dgm:sp3d/>
     <dgm:txPr/>
     <dgm:style>
       <a:lnRef idx="2">
@@ -2607,6 +2561,7 @@
       <a:camera prst="orthographicFront"/>
       <a:lightRig rig="threePt" dir="t"/>
     </dgm:scene3d>
+    <dgm:sp3d/>
     <dgm:txPr/>
     <dgm:style>
       <a:lnRef idx="2">
@@ -2626,6 +2581,7 @@
       <a:camera prst="orthographicFront"/>
       <a:lightRig rig="threePt" dir="t"/>
     </dgm:scene3d>
+    <dgm:sp3d/>
     <dgm:txPr/>
     <dgm:style>
       <a:lnRef idx="2">
@@ -2645,6 +2601,7 @@
       <a:camera prst="orthographicFront"/>
       <a:lightRig rig="threePt" dir="t"/>
     </dgm:scene3d>
+    <dgm:sp3d/>
     <dgm:txPr/>
     <dgm:style>
       <a:lnRef idx="2">
@@ -2664,6 +2621,7 @@
       <a:camera prst="orthographicFront"/>
       <a:lightRig rig="threePt" dir="t"/>
     </dgm:scene3d>
+    <dgm:sp3d/>
     <dgm:txPr/>
     <dgm:style>
       <a:lnRef idx="2">
@@ -2683,6 +2641,7 @@
       <a:camera prst="orthographicFront"/>
       <a:lightRig rig="threePt" dir="t"/>
     </dgm:scene3d>
+    <dgm:sp3d/>
     <dgm:txPr/>
     <dgm:style>
       <a:lnRef idx="0">
@@ -2704,6 +2663,7 @@
       <a:camera prst="orthographicFront"/>
       <a:lightRig rig="threePt" dir="t"/>
     </dgm:scene3d>
+    <dgm:sp3d/>
     <dgm:txPr/>
     <dgm:style>
       <a:lnRef idx="2">
@@ -2725,6 +2685,7 @@
       <a:camera prst="orthographicFront"/>
       <a:lightRig rig="threePt" dir="t"/>
     </dgm:scene3d>
+    <dgm:sp3d/>
     <dgm:txPr/>
     <dgm:style>
       <a:lnRef idx="2">
@@ -2746,6 +2707,7 @@
       <a:camera prst="orthographicFront"/>
       <a:lightRig rig="threePt" dir="t"/>
     </dgm:scene3d>
+    <dgm:sp3d/>
     <dgm:txPr/>
     <dgm:style>
       <a:lnRef idx="2">
@@ -2767,6 +2729,7 @@
       <a:camera prst="orthographicFront"/>
       <a:lightRig rig="threePt" dir="t"/>
     </dgm:scene3d>
+    <dgm:sp3d/>
     <dgm:txPr/>
     <dgm:style>
       <a:lnRef idx="2">
@@ -2788,6 +2751,7 @@
       <a:camera prst="orthographicFront"/>
       <a:lightRig rig="threePt" dir="t"/>
     </dgm:scene3d>
+    <dgm:sp3d/>
     <dgm:txPr/>
     <dgm:style>
       <a:lnRef idx="2">
@@ -2809,6 +2773,7 @@
       <a:camera prst="orthographicFront"/>
       <a:lightRig rig="threePt" dir="t"/>
     </dgm:scene3d>
+    <dgm:sp3d/>
     <dgm:txPr/>
     <dgm:style>
       <a:lnRef idx="2">
@@ -2830,6 +2795,7 @@
       <a:camera prst="orthographicFront"/>
       <a:lightRig rig="threePt" dir="t"/>
     </dgm:scene3d>
+    <dgm:sp3d/>
     <dgm:txPr/>
     <dgm:style>
       <a:lnRef idx="2">
@@ -2849,6 +2815,7 @@
       <a:camera prst="orthographicFront"/>
       <a:lightRig rig="threePt" dir="t"/>
     </dgm:scene3d>
+    <dgm:sp3d/>
     <dgm:txPr/>
     <dgm:style>
       <a:lnRef idx="2">
@@ -2868,6 +2835,7 @@
       <a:camera prst="orthographicFront"/>
       <a:lightRig rig="threePt" dir="t"/>
     </dgm:scene3d>
+    <dgm:sp3d/>
     <dgm:txPr/>
     <dgm:style>
       <a:lnRef idx="2">
@@ -2887,6 +2855,7 @@
       <a:camera prst="orthographicFront"/>
       <a:lightRig rig="threePt" dir="t"/>
     </dgm:scene3d>
+    <dgm:sp3d/>
     <dgm:txPr/>
     <dgm:style>
       <a:lnRef idx="2">
@@ -2906,6 +2875,7 @@
       <a:camera prst="orthographicFront"/>
       <a:lightRig rig="threePt" dir="t"/>
     </dgm:scene3d>
+    <dgm:sp3d/>
     <dgm:txPr/>
     <dgm:style>
       <a:lnRef idx="2">
@@ -2927,6 +2897,7 @@
       <a:camera prst="orthographicFront"/>
       <a:lightRig rig="threePt" dir="t"/>
     </dgm:scene3d>
+    <dgm:sp3d/>
     <dgm:txPr/>
     <dgm:style>
       <a:lnRef idx="2">
@@ -2948,6 +2919,7 @@
       <a:camera prst="orthographicFront"/>
       <a:lightRig rig="threePt" dir="t"/>
     </dgm:scene3d>
+    <dgm:sp3d/>
     <dgm:txPr/>
     <dgm:style>
       <a:lnRef idx="2">
@@ -2969,6 +2941,7 @@
       <a:camera prst="orthographicFront"/>
       <a:lightRig rig="threePt" dir="t"/>
     </dgm:scene3d>
+    <dgm:sp3d/>
     <dgm:txPr/>
     <dgm:style>
       <a:lnRef idx="2">
@@ -2990,6 +2963,7 @@
       <a:camera prst="orthographicFront"/>
       <a:lightRig rig="threePt" dir="t"/>
     </dgm:scene3d>
+    <dgm:sp3d/>
     <dgm:txPr/>
     <dgm:style>
       <a:lnRef idx="0">
@@ -3009,6 +2983,7 @@
       <a:camera prst="orthographicFront"/>
       <a:lightRig rig="threePt" dir="t"/>
     </dgm:scene3d>
+    <dgm:sp3d/>
     <dgm:txPr/>
     <dgm:style>
       <a:lnRef idx="1">
@@ -3028,6 +3003,7 @@
       <a:camera prst="orthographicFront"/>
       <a:lightRig rig="threePt" dir="t"/>
     </dgm:scene3d>
+    <dgm:sp3d/>
     <dgm:txPr/>
     <dgm:style>
       <a:lnRef idx="0">
@@ -3049,6 +3025,7 @@
       <a:camera prst="orthographicFront"/>
       <a:lightRig rig="threePt" dir="t"/>
     </dgm:scene3d>
+    <dgm:sp3d/>
     <dgm:txPr/>
     <dgm:style>
       <a:lnRef idx="2">
@@ -3068,6 +3045,7 @@
       <a:camera prst="orthographicFront"/>
       <a:lightRig rig="threePt" dir="t"/>
     </dgm:scene3d>
+    <dgm:sp3d/>
     <dgm:txPr/>
     <dgm:style>
       <a:lnRef idx="2">
@@ -3087,6 +3065,7 @@
       <a:camera prst="orthographicFront"/>
       <a:lightRig rig="threePt" dir="t"/>
     </dgm:scene3d>
+    <dgm:sp3d/>
     <dgm:txPr/>
     <dgm:style>
       <a:lnRef idx="2">
@@ -3106,6 +3085,7 @@
       <a:camera prst="orthographicFront"/>
       <a:lightRig rig="threePt" dir="t"/>
     </dgm:scene3d>
+    <dgm:sp3d/>
     <dgm:txPr/>
     <dgm:style>
       <a:lnRef idx="1">
@@ -3125,6 +3105,7 @@
       <a:camera prst="orthographicFront"/>
       <a:lightRig rig="threePt" dir="t"/>
     </dgm:scene3d>
+    <dgm:sp3d/>
     <dgm:txPr/>
     <dgm:style>
       <a:lnRef idx="0">
@@ -3144,6 +3125,7 @@
       <a:camera prst="orthographicFront"/>
       <a:lightRig rig="threePt" dir="t"/>
     </dgm:scene3d>
+    <dgm:sp3d/>
     <dgm:txPr/>
     <dgm:style>
       <a:lnRef idx="2">
@@ -3244,7 +3226,8 @@
           </a:lstStyle>
           <a:p>
             <a:fld id="{EC39F892-DB35-42DA-8E38-304D998E7A39}" type="datetimeFigureOut">
-              <a:rPr/>
+              <a:rPr lang="zh-CN" altLang="en-US"/>
+              <a:t>2023/9/2</a:t>
             </a:fld>
             <a:endParaRPr lang="en-US"/>
           </a:p>
@@ -3311,7 +3294,6 @@
               <a:rPr lang="en-US"/>
               <a:t>Click to edit Master text styles</a:t>
             </a:r>
-            <a:endParaRPr lang="en-US"/>
           </a:p>
           <a:p>
             <a:pPr lvl="1"/>
@@ -3319,7 +3301,6 @@
               <a:rPr lang="en-US"/>
               <a:t>Second level</a:t>
             </a:r>
-            <a:endParaRPr lang="en-US"/>
           </a:p>
           <a:p>
             <a:pPr lvl="2"/>
@@ -3327,7 +3308,6 @@
               <a:rPr lang="en-US"/>
               <a:t>Third level</a:t>
             </a:r>
-            <a:endParaRPr lang="en-US"/>
           </a:p>
           <a:p>
             <a:pPr lvl="3"/>
@@ -3335,7 +3315,6 @@
               <a:rPr lang="en-US"/>
               <a:t>Fourth level</a:t>
             </a:r>
-            <a:endParaRPr lang="en-US"/>
           </a:p>
           <a:p>
             <a:pPr lvl="4"/>
@@ -3343,7 +3322,6 @@
               <a:rPr lang="en-US"/>
               <a:t>Fifth level</a:t>
             </a:r>
-            <a:endParaRPr lang="en-US"/>
           </a:p>
         </p:txBody>
       </p:sp>
@@ -3407,6 +3385,7 @@
           <a:p>
             <a:fld id="{AC4896D6-D915-4F46-B5E4-AEFF08A381D1}" type="slidenum">
               <a:rPr/>
+              <a:t>‹#›</a:t>
             </a:fld>
             <a:endParaRPr lang="en-US"/>
           </a:p>
@@ -3594,10 +3573,6 @@
               </a:rPr>
               <a:t>，通过这篇文章来简单聊一下单机图计算系统最新的进展。</a:t>
             </a:r>
-            <a:endParaRPr lang="zh-CN" altLang="en-US" dirty="0">
-              <a:ea typeface="等线" panose="02010600030101010101" charset="-122"/>
-              <a:cs typeface="Calibri" panose="020F0502020204030204"/>
-            </a:endParaRPr>
           </a:p>
         </p:txBody>
       </p:sp>
@@ -3647,6 +3622,7 @@
                 <a:ea typeface="等线" panose="02010600030101010101" charset="-122"/>
                 <a:cs typeface="+mn-cs"/>
               </a:rPr>
+              <a:t>1</a:t>
             </a:fld>
             <a:endParaRPr kumimoji="0" lang="zh-CN" altLang="en-US" sz="1200" b="0" i="0" u="none" strike="noStrike" kern="1200" cap="none" spc="0" normalizeH="0" baseline="0" noProof="0">
               <a:ln>
@@ -3738,6 +3714,7 @@
           <a:p>
             <a:fld id="{AC4896D6-D915-4F46-B5E4-AEFF08A381D1}" type="slidenum">
               <a:rPr lang="en-US" altLang="zh-CN" smtClean="0"/>
+              <a:t>10</a:t>
             </a:fld>
             <a:endParaRPr lang="zh-CN" altLang="en-US"/>
           </a:p>
@@ -3816,6 +3793,7 @@
           <a:p>
             <a:fld id="{AC4896D6-D915-4F46-B5E4-AEFF08A381D1}" type="slidenum">
               <a:rPr lang="en-US" altLang="zh-CN" smtClean="0"/>
+              <a:t>11</a:t>
             </a:fld>
             <a:endParaRPr lang="zh-CN" altLang="en-US"/>
           </a:p>
@@ -3894,6 +3872,7 @@
           <a:p>
             <a:fld id="{AC4896D6-D915-4F46-B5E4-AEFF08A381D1}" type="slidenum">
               <a:rPr lang="en-US" altLang="zh-CN" smtClean="0"/>
+              <a:t>12</a:t>
             </a:fld>
             <a:endParaRPr lang="zh-CN" altLang="en-US"/>
           </a:p>
@@ -4059,7 +4038,6 @@
               <a:rPr lang="zh-CN" altLang="en-US" dirty="0"/>
               <a:t>模型一致。</a:t>
             </a:r>
-            <a:endParaRPr lang="zh-CN" altLang="en-US" dirty="0"/>
           </a:p>
         </p:txBody>
       </p:sp>
@@ -4080,6 +4058,7 @@
           <a:p>
             <a:fld id="{AC4896D6-D915-4F46-B5E4-AEFF08A381D1}" type="slidenum">
               <a:rPr lang="en-US" altLang="zh-CN" smtClean="0"/>
+              <a:t>13</a:t>
             </a:fld>
             <a:endParaRPr lang="zh-CN" altLang="en-US"/>
           </a:p>
@@ -4169,7 +4148,6 @@
               <a:rPr lang="zh-CN" altLang="en-US" dirty="0"/>
               <a:t>条信息。</a:t>
             </a:r>
-            <a:endParaRPr lang="zh-CN" altLang="en-US" dirty="0"/>
           </a:p>
         </p:txBody>
       </p:sp>
@@ -4190,6 +4168,7 @@
           <a:p>
             <a:fld id="{AC4896D6-D915-4F46-B5E4-AEFF08A381D1}" type="slidenum">
               <a:rPr lang="en-US" altLang="zh-CN" smtClean="0"/>
+              <a:t>14</a:t>
             </a:fld>
             <a:endParaRPr lang="zh-CN" altLang="en-US"/>
           </a:p>
@@ -4269,7 +4248,6 @@
               <a:rPr lang="zh-CN" altLang="en-US" dirty="0"/>
               <a:t>条消息。</a:t>
             </a:r>
-            <a:endParaRPr lang="zh-CN" altLang="en-US" dirty="0"/>
           </a:p>
         </p:txBody>
       </p:sp>
@@ -4290,6 +4268,7 @@
           <a:p>
             <a:fld id="{AC4896D6-D915-4F46-B5E4-AEFF08A381D1}" type="slidenum">
               <a:rPr lang="en-US" altLang="zh-CN" smtClean="0"/>
+              <a:t>15</a:t>
             </a:fld>
             <a:endParaRPr lang="zh-CN" altLang="en-US"/>
           </a:p>
@@ -4396,6 +4375,7 @@
           <a:p>
             <a:fld id="{AC4896D6-D915-4F46-B5E4-AEFF08A381D1}" type="slidenum">
               <a:rPr lang="en-US" altLang="zh-CN" smtClean="0"/>
+              <a:t>16</a:t>
             </a:fld>
             <a:endParaRPr lang="zh-CN" altLang="en-US"/>
           </a:p>
@@ -4528,6 +4508,7 @@
           <a:p>
             <a:fld id="{AC4896D6-D915-4F46-B5E4-AEFF08A381D1}" type="slidenum">
               <a:rPr lang="en-US" altLang="zh-CN" smtClean="0"/>
+              <a:t>17</a:t>
             </a:fld>
             <a:endParaRPr lang="zh-CN" altLang="en-US"/>
           </a:p>
@@ -4625,7 +4606,6 @@
               <a:rPr lang="zh-CN" altLang="en-US" dirty="0"/>
               <a:t>结构，例如哈希表。这样会带来三个问题，</a:t>
             </a:r>
-            <a:endParaRPr lang="zh-CN" altLang="en-US" dirty="0"/>
           </a:p>
         </p:txBody>
       </p:sp>
@@ -4646,6 +4626,7 @@
           <a:p>
             <a:fld id="{AC4896D6-D915-4F46-B5E4-AEFF08A381D1}" type="slidenum">
               <a:rPr lang="en-US" altLang="zh-CN" smtClean="0"/>
+              <a:t>18</a:t>
             </a:fld>
             <a:endParaRPr lang="zh-CN" altLang="en-US"/>
           </a:p>
@@ -4715,7 +4696,6 @@
               <a:rPr lang="zh-CN" altLang="en-US" dirty="0"/>
               <a:t>直接采用数组的结构，给所有节点都提供了消息存储空间。此时我们可以通过下标访问对应节点的消息，因此不用开辟额外空间来存储键，</a:t>
             </a:r>
-            <a:endParaRPr lang="zh-CN" altLang="en-US" dirty="0"/>
           </a:p>
         </p:txBody>
       </p:sp>
@@ -4736,6 +4716,7 @@
           <a:p>
             <a:fld id="{AC4896D6-D915-4F46-B5E4-AEFF08A381D1}" type="slidenum">
               <a:rPr lang="en-US" altLang="zh-CN" smtClean="0"/>
+              <a:t>19</a:t>
             </a:fld>
             <a:endParaRPr lang="zh-CN" altLang="en-US"/>
           </a:p>
@@ -4797,7 +4778,6 @@
               <a:rPr lang="zh-CN" altLang="en-US" dirty="0"/>
               <a:t>我的介绍将围绕研究背景，系统设计，系统优化以及实验总结四个部分展开</a:t>
             </a:r>
-            <a:endParaRPr lang="zh-CN" altLang="en-US" dirty="0"/>
           </a:p>
         </p:txBody>
       </p:sp>
@@ -4818,6 +4798,7 @@
           <a:p>
             <a:fld id="{AC4896D6-D915-4F46-B5E4-AEFF08A381D1}" type="slidenum">
               <a:rPr lang="en-US" altLang="zh-CN" smtClean="0"/>
+              <a:t>2</a:t>
             </a:fld>
             <a:endParaRPr lang="zh-CN" altLang="en-US"/>
           </a:p>
@@ -4896,6 +4877,7 @@
           <a:p>
             <a:fld id="{AC4896D6-D915-4F46-B5E4-AEFF08A381D1}" type="slidenum">
               <a:rPr lang="en-US" altLang="zh-CN" smtClean="0"/>
+              <a:t>20</a:t>
             </a:fld>
             <a:endParaRPr lang="zh-CN" altLang="en-US"/>
           </a:p>
@@ -4974,6 +4956,7 @@
           <a:p>
             <a:fld id="{AC4896D6-D915-4F46-B5E4-AEFF08A381D1}" type="slidenum">
               <a:rPr lang="en-US" altLang="zh-CN" smtClean="0"/>
+              <a:t>23</a:t>
             </a:fld>
             <a:endParaRPr lang="zh-CN" altLang="en-US"/>
           </a:p>
@@ -5052,6 +5035,7 @@
           <a:p>
             <a:fld id="{AC4896D6-D915-4F46-B5E4-AEFF08A381D1}" type="slidenum">
               <a:rPr lang="en-US" altLang="zh-CN" smtClean="0"/>
+              <a:t>25</a:t>
             </a:fld>
             <a:endParaRPr lang="zh-CN" altLang="en-US"/>
           </a:p>
@@ -5130,6 +5114,7 @@
           <a:p>
             <a:fld id="{AC4896D6-D915-4F46-B5E4-AEFF08A381D1}" type="slidenum">
               <a:rPr lang="en-US" altLang="zh-CN" smtClean="0"/>
+              <a:t>27</a:t>
             </a:fld>
             <a:endParaRPr lang="zh-CN" altLang="en-US"/>
           </a:p>
@@ -5194,10 +5179,6 @@
               </a:rPr>
               <a:t>首先，图数据分析是一项非常重要的企业级应用。例如基于知识图谱的推理与挖掘，基于社交网络的推荐应用，以及基于蛋白质交互网络的药物研发等等。</a:t>
             </a:r>
-            <a:endParaRPr lang="zh-CN" altLang="en-US" dirty="0">
-              <a:ea typeface="等线" panose="02010600030101010101" charset="-122"/>
-              <a:cs typeface="Calibri" panose="020F0502020204030204"/>
-            </a:endParaRPr>
           </a:p>
           <a:p>
             <a:endParaRPr lang="zh-CN" altLang="en-US" dirty="0">
@@ -5213,10 +5194,6 @@
               </a:rPr>
               <a:t>企业级的图计算系统有必要考虑对大型图的可扩展性。以推特为例，推特的每月活跃用户数为3.5亿，其对应的社交网络就有3.5亿个节点，如果进一步考虑节点间的交互信息，那整个社交网络的规模是相当大的。</a:t>
             </a:r>
-            <a:endParaRPr lang="zh-CN" altLang="en-US" dirty="0">
-              <a:ea typeface="等线" panose="02010600030101010101" charset="-122"/>
-              <a:cs typeface="Calibri" panose="020F0502020204030204"/>
-            </a:endParaRPr>
           </a:p>
           <a:p>
             <a:endParaRPr lang="zh-CN" altLang="en-US" dirty="0">
@@ -5232,10 +5209,6 @@
               </a:rPr>
               <a:t>目前学术界对大型图规模的要求有10亿级别的节点，万亿级别的边，因此如何为大型图设计有效且高效的图计算系统是近十几年来的热门话题。</a:t>
             </a:r>
-            <a:endParaRPr lang="zh-CN" altLang="en-US" dirty="0">
-              <a:ea typeface="等线" panose="02010600030101010101" charset="-122"/>
-              <a:cs typeface="Calibri" panose="020F0502020204030204"/>
-            </a:endParaRPr>
           </a:p>
         </p:txBody>
       </p:sp>
@@ -5256,6 +5229,7 @@
           <a:p>
             <a:fld id="{EE634212-A9A7-4B0A-843A-3259CA589536}" type="slidenum">
               <a:rPr lang="zh-CN" altLang="en-US" smtClean="0"/>
+              <a:t>3</a:t>
             </a:fld>
             <a:endParaRPr lang="zh-CN" altLang="en-US"/>
           </a:p>
@@ -5320,10 +5294,6 @@
               </a:rPr>
               <a:t>目前主流的图计算系统可以简单的归为三类：</a:t>
             </a:r>
-            <a:endParaRPr lang="zh-CN" altLang="en-US" dirty="0">
-              <a:ea typeface="等线" panose="02010600030101010101" charset="-122"/>
-              <a:cs typeface="Calibri" panose="020F0502020204030204"/>
-            </a:endParaRPr>
           </a:p>
           <a:p>
             <a:endParaRPr lang="zh-CN" altLang="en-US" dirty="0">
@@ -5408,10 +5378,6 @@
               </a:rPr>
               <a:t>然而这类系统需要将整张图加载进内存，这对于大型图的可扩展性是比较差的。例如，考虑十亿节点，万亿边的图，假设更新消息通过图中的边传递，此时如果每条边保存1个4字节的单精度浮点数，一万亿条边就会消耗4TB的内存，大部分服务器显然是无法运行这种规模的应用的。</a:t>
             </a:r>
-            <a:endParaRPr lang="zh-CN" altLang="en-US" dirty="0">
-              <a:ea typeface="等线" panose="02010600030101010101" charset="-122"/>
-              <a:cs typeface="Calibri" panose="020F0502020204030204"/>
-            </a:endParaRPr>
           </a:p>
           <a:p>
             <a:pPr marL="171450" indent="-171450">
@@ -5445,10 +5411,6 @@
               </a:rPr>
               <a:t>。</a:t>
             </a:r>
-            <a:endParaRPr lang="zh-CN" altLang="en-US" dirty="0">
-              <a:ea typeface="等线" panose="02010600030101010101" charset="-122"/>
-              <a:cs typeface="Calibri" panose="020F0502020204030204"/>
-            </a:endParaRPr>
           </a:p>
           <a:p>
             <a:pPr marL="171450" indent="-171450">
@@ -5468,9 +5430,6 @@
               </a:rPr>
               <a:t>许多大型企业就将自己的图分析业务部署在大规模计算机集群中。例如谷歌的图计算系统就部署在1000个计算节点，包括12000个处理器以及128TB的分布式内存的集群上。</a:t>
             </a:r>
-            <a:endParaRPr lang="zh-CN" altLang="en-US" dirty="0">
-              <a:ea typeface="等线" panose="02010600030101010101" charset="-122"/>
-            </a:endParaRPr>
           </a:p>
           <a:p>
             <a:pPr marL="171450" indent="-171450">
@@ -5483,9 +5442,6 @@
               </a:rPr>
               <a:t>然而，这类系统无论是硬件成本还是分布式集群的操作以及运维成本都是十分高昂的，并且随着节点数量的增加，计算节点间的通信开销会逐渐成为系统的性能瓶颈，导致均摊到每个节点的计算效率不断下降。因此对于一些规模不大的公司，这类系统是难以负担的。</a:t>
             </a:r>
-            <a:endParaRPr lang="zh-CN" altLang="en-US" dirty="0">
-              <a:ea typeface="等线" panose="02010600030101010101" charset="-122"/>
-            </a:endParaRPr>
           </a:p>
           <a:p>
             <a:pPr marL="171450" indent="-171450">
@@ -5519,10 +5475,6 @@
               </a:rPr>
               <a:t>。</a:t>
             </a:r>
-            <a:endParaRPr lang="zh-CN" altLang="en-US" dirty="0">
-              <a:ea typeface="等线" panose="02010600030101010101" charset="-122"/>
-              <a:cs typeface="Calibri" panose="020F0502020204030204"/>
-            </a:endParaRPr>
           </a:p>
           <a:p>
             <a:pPr marL="171450" indent="-171450">
@@ -5535,9 +5487,6 @@
               </a:rPr>
               <a:t>外部存储是指将数据存储在磁盘等外部存储设备中，通过分批次读取和处理数据来完成任务。</a:t>
             </a:r>
-            <a:endParaRPr lang="zh-CN" dirty="0">
-              <a:ea typeface="等线" panose="02010600030101010101" charset="-122"/>
-            </a:endParaRPr>
           </a:p>
           <a:p>
             <a:pPr marL="171450" indent="-171450">
@@ -5558,10 +5507,6 @@
               </a:rPr>
               <a:t>分布式系统高昂的成本以及通信开销，因此是中小规模公司的首选。</a:t>
             </a:r>
-            <a:endParaRPr lang="zh-CN" altLang="en-US" dirty="0">
-              <a:ea typeface="等线" panose="02010600030101010101" charset="-122"/>
-              <a:cs typeface="Calibri" panose="020F0502020204030204"/>
-            </a:endParaRPr>
           </a:p>
           <a:p>
             <a:pPr marL="171450" indent="-171450">
@@ -5581,10 +5526,6 @@
               </a:rPr>
               <a:t>今天我们介绍的图计算系统就属于第三类：单机外部存储式图计算系统。</a:t>
             </a:r>
-            <a:endParaRPr lang="zh-CN" altLang="en-US" dirty="0">
-              <a:ea typeface="等线" panose="02010600030101010101" charset="-122"/>
-              <a:cs typeface="Calibri" panose="020F0502020204030204"/>
-            </a:endParaRPr>
           </a:p>
         </p:txBody>
       </p:sp>
@@ -5605,6 +5546,7 @@
           <a:p>
             <a:fld id="{EE634212-A9A7-4B0A-843A-3259CA589536}" type="slidenum">
               <a:rPr lang="zh-CN" altLang="en-US" smtClean="0"/>
+              <a:t>4</a:t>
             </a:fld>
             <a:endParaRPr lang="zh-CN" altLang="en-US"/>
           </a:p>
@@ -5683,6 +5625,7 @@
           <a:p>
             <a:fld id="{AC4896D6-D915-4F46-B5E4-AEFF08A381D1}" type="slidenum">
               <a:rPr lang="en-US" altLang="zh-CN" smtClean="0"/>
+              <a:t>5</a:t>
             </a:fld>
             <a:endParaRPr lang="zh-CN" altLang="en-US"/>
           </a:p>
@@ -5770,7 +5713,6 @@
               <a:rPr lang="zh-CN" altLang="en-US" dirty="0"/>
               <a:t>三个部分的设计来提高系统执行效率。</a:t>
             </a:r>
-            <a:endParaRPr lang="zh-CN" altLang="en-US" dirty="0"/>
           </a:p>
         </p:txBody>
       </p:sp>
@@ -5791,6 +5733,7 @@
           <a:p>
             <a:fld id="{AC4896D6-D915-4F46-B5E4-AEFF08A381D1}" type="slidenum">
               <a:rPr lang="en-US" altLang="zh-CN" smtClean="0"/>
+              <a:t>6</a:t>
             </a:fld>
             <a:endParaRPr lang="zh-CN" altLang="en-US"/>
           </a:p>
@@ -5891,6 +5834,7 @@
           <a:p>
             <a:fld id="{AC4896D6-D915-4F46-B5E4-AEFF08A381D1}" type="slidenum">
               <a:rPr lang="en-US" altLang="zh-CN" smtClean="0"/>
+              <a:t>7</a:t>
             </a:fld>
             <a:endParaRPr lang="zh-CN" altLang="en-US"/>
           </a:p>
@@ -5988,7 +5932,6 @@
               <a:rPr lang="zh-CN" altLang="en-US" dirty="0"/>
               <a:t>由于左上角的节点标签值最小，因此其仅需向邻居节点更新一次信息。</a:t>
             </a:r>
-            <a:endParaRPr lang="zh-CN" altLang="en-US" dirty="0"/>
           </a:p>
         </p:txBody>
       </p:sp>
@@ -6009,6 +5952,7 @@
           <a:p>
             <a:fld id="{AC4896D6-D915-4F46-B5E4-AEFF08A381D1}" type="slidenum">
               <a:rPr lang="en-US" altLang="zh-CN" smtClean="0"/>
+              <a:t>8</a:t>
             </a:fld>
             <a:endParaRPr lang="zh-CN" altLang="en-US"/>
           </a:p>
@@ -6086,7 +6030,6 @@
               <a:rPr lang="zh-CN" altLang="en-US" dirty="0"/>
               <a:t>条消息</a:t>
             </a:r>
-            <a:endParaRPr lang="zh-CN" altLang="en-US" dirty="0"/>
           </a:p>
         </p:txBody>
       </p:sp>
@@ -6107,6 +6050,7 @@
           <a:p>
             <a:fld id="{AC4896D6-D915-4F46-B5E4-AEFF08A381D1}" type="slidenum">
               <a:rPr lang="en-US" altLang="zh-CN" smtClean="0"/>
+              <a:t>9</a:t>
             </a:fld>
             <a:endParaRPr lang="zh-CN" altLang="en-US"/>
           </a:p>
@@ -6251,6 +6195,7 @@
           <a:p>
             <a:fld id="{846CE7D5-CF57-46EF-B807-FDD0502418D4}" type="datetimeFigureOut">
               <a:rPr lang="en-US" smtClean="0"/>
+              <a:t>9/2/2023</a:t>
             </a:fld>
             <a:endParaRPr lang="en-US"/>
           </a:p>
@@ -6292,6 +6237,7 @@
           <a:p>
             <a:fld id="{330EA680-D336-4FF7-8B7A-9848BB0A1C32}" type="slidenum">
               <a:rPr lang="en-US" smtClean="0"/>
+              <a:t>‹#›</a:t>
             </a:fld>
             <a:endParaRPr lang="en-US"/>
           </a:p>
@@ -6365,7 +6311,6 @@
               <a:rPr lang="en-US"/>
               <a:t>Click to edit Master text styles</a:t>
             </a:r>
-            <a:endParaRPr lang="en-US"/>
           </a:p>
           <a:p>
             <a:pPr lvl="1"/>
@@ -6373,7 +6318,6 @@
               <a:rPr lang="en-US"/>
               <a:t>Second level</a:t>
             </a:r>
-            <a:endParaRPr lang="en-US"/>
           </a:p>
           <a:p>
             <a:pPr lvl="2"/>
@@ -6381,7 +6325,6 @@
               <a:rPr lang="en-US"/>
               <a:t>Third level</a:t>
             </a:r>
-            <a:endParaRPr lang="en-US"/>
           </a:p>
           <a:p>
             <a:pPr lvl="3"/>
@@ -6389,7 +6332,6 @@
               <a:rPr lang="en-US"/>
               <a:t>Fourth level</a:t>
             </a:r>
-            <a:endParaRPr lang="en-US"/>
           </a:p>
           <a:p>
             <a:pPr lvl="4"/>
@@ -6418,6 +6360,7 @@
           <a:p>
             <a:fld id="{846CE7D5-CF57-46EF-B807-FDD0502418D4}" type="datetimeFigureOut">
               <a:rPr lang="en-US" smtClean="0"/>
+              <a:t>9/2/2023</a:t>
             </a:fld>
             <a:endParaRPr lang="en-US"/>
           </a:p>
@@ -6459,6 +6402,7 @@
           <a:p>
             <a:fld id="{330EA680-D336-4FF7-8B7A-9848BB0A1C32}" type="slidenum">
               <a:rPr lang="en-US" smtClean="0"/>
+              <a:t>‹#›</a:t>
             </a:fld>
             <a:endParaRPr lang="en-US"/>
           </a:p>
@@ -6542,7 +6486,6 @@
               <a:rPr lang="en-US"/>
               <a:t>Click to edit Master text styles</a:t>
             </a:r>
-            <a:endParaRPr lang="en-US"/>
           </a:p>
           <a:p>
             <a:pPr lvl="1"/>
@@ -6550,7 +6493,6 @@
               <a:rPr lang="en-US"/>
               <a:t>Second level</a:t>
             </a:r>
-            <a:endParaRPr lang="en-US"/>
           </a:p>
           <a:p>
             <a:pPr lvl="2"/>
@@ -6558,7 +6500,6 @@
               <a:rPr lang="en-US"/>
               <a:t>Third level</a:t>
             </a:r>
-            <a:endParaRPr lang="en-US"/>
           </a:p>
           <a:p>
             <a:pPr lvl="3"/>
@@ -6566,7 +6507,6 @@
               <a:rPr lang="en-US"/>
               <a:t>Fourth level</a:t>
             </a:r>
-            <a:endParaRPr lang="en-US"/>
           </a:p>
           <a:p>
             <a:pPr lvl="4"/>
@@ -6595,6 +6535,7 @@
           <a:p>
             <a:fld id="{846CE7D5-CF57-46EF-B807-FDD0502418D4}" type="datetimeFigureOut">
               <a:rPr lang="en-US" smtClean="0"/>
+              <a:t>9/2/2023</a:t>
             </a:fld>
             <a:endParaRPr lang="en-US"/>
           </a:p>
@@ -6636,6 +6577,7 @@
           <a:p>
             <a:fld id="{330EA680-D336-4FF7-8B7A-9848BB0A1C32}" type="slidenum">
               <a:rPr lang="en-US" smtClean="0"/>
+              <a:t>‹#›</a:t>
             </a:fld>
             <a:endParaRPr lang="en-US"/>
           </a:p>
@@ -6787,11 +6729,6 @@
               </a:rPr>
               <a:t>Southeast University</a:t>
             </a:r>
-            <a:endParaRPr lang="en-US" sz="1200">
-              <a:solidFill>
-                <a:schemeClr val="tx1"/>
-              </a:solidFill>
-            </a:endParaRPr>
           </a:p>
         </p:txBody>
       </p:sp>
@@ -6915,6 +6852,7 @@
                 </a:solidFill>
                 <a:latin typeface="+mn-lt"/>
               </a:rPr>
+              <a:t>2023/9/2</a:t>
             </a:fld>
             <a:endParaRPr lang="zh-CN" altLang="en-US" sz="1200">
               <a:solidFill>
@@ -7057,6 +6995,7 @@
           <a:p>
             <a:fld id="{72A5E12F-523A-4D75-95A2-779F57F5D9E2}" type="slidenum">
               <a:rPr lang="zh-CN" altLang="en-US" smtClean="0"/>
+              <a:t>‹#›</a:t>
             </a:fld>
             <a:endParaRPr lang="zh-CN" altLang="en-US"/>
           </a:p>
@@ -7136,7 +7075,6 @@
               <a:rPr lang="zh-CN" altLang="en-US"/>
               <a:t>单击此处编辑母版文本样式</a:t>
             </a:r>
-            <a:endParaRPr lang="zh-CN" altLang="en-US"/>
           </a:p>
         </p:txBody>
       </p:sp>
@@ -7195,6 +7133,7 @@
           <a:p>
             <a:fld id="{72A5E12F-523A-4D75-95A2-779F57F5D9E2}" type="slidenum">
               <a:rPr lang="zh-CN" altLang="en-US" smtClean="0"/>
+              <a:t>‹#›</a:t>
             </a:fld>
             <a:endParaRPr lang="zh-CN" altLang="en-US"/>
           </a:p>
@@ -7342,14 +7281,6 @@
                 </a:rPr>
                 <a:t> 感谢各位老师和同学！</a:t>
               </a:r>
-              <a:endParaRPr lang="zh-CN" altLang="en-US" sz="4800" b="1" dirty="0">
-                <a:solidFill>
-                  <a:srgbClr val="385723"/>
-                </a:solidFill>
-                <a:latin typeface="微软雅黑" panose="020B0503020204020204" pitchFamily="34" charset="-122"/>
-                <a:ea typeface="微软雅黑" panose="020B0503020204020204" pitchFamily="34" charset="-122"/>
-                <a:cs typeface="+mn-ea"/>
-              </a:endParaRPr>
             </a:p>
             <a:p>
               <a:pPr lvl="0" algn="ctr">
@@ -7366,14 +7297,6 @@
                 </a:rPr>
                 <a:t> 请大家提出宝贵意见！</a:t>
               </a:r>
-              <a:endParaRPr lang="zh-CN" altLang="en-US" sz="4800" b="1" dirty="0">
-                <a:solidFill>
-                  <a:srgbClr val="385723"/>
-                </a:solidFill>
-                <a:latin typeface="微软雅黑" panose="020B0503020204020204" pitchFamily="34" charset="-122"/>
-                <a:ea typeface="微软雅黑" panose="020B0503020204020204" pitchFamily="34" charset="-122"/>
-                <a:cs typeface="+mn-ea"/>
-              </a:endParaRPr>
             </a:p>
           </p:txBody>
         </p:sp>
@@ -7581,11 +7504,6 @@
               </a:rPr>
               <a:t>Southeast University</a:t>
             </a:r>
-            <a:endParaRPr lang="en-US" sz="1200">
-              <a:solidFill>
-                <a:schemeClr val="tx1"/>
-              </a:solidFill>
-            </a:endParaRPr>
           </a:p>
         </p:txBody>
       </p:sp>
@@ -7709,6 +7627,7 @@
                 </a:solidFill>
                 <a:latin typeface="+mn-lt"/>
               </a:rPr>
+              <a:t>2023/9/2</a:t>
             </a:fld>
             <a:endParaRPr lang="zh-CN" altLang="en-US" sz="1200">
               <a:solidFill>
@@ -7861,23 +7780,6 @@
               </a:rPr>
               <a:t>平衡色</a:t>
             </a:r>
-            <a:endParaRPr kumimoji="0" lang="zh-CN" altLang="en-US" sz="2400" b="1" i="0" u="none" strike="noStrike" kern="1200" cap="none" spc="300" normalizeH="0" baseline="0" noProof="0" dirty="0">
-              <a:ln>
-                <a:noFill/>
-              </a:ln>
-              <a:solidFill>
-                <a:schemeClr val="tx1">
-                  <a:lumMod val="75000"/>
-                  <a:lumOff val="25000"/>
-                </a:schemeClr>
-              </a:solidFill>
-              <a:effectLst/>
-              <a:uLnTx/>
-              <a:uFillTx/>
-              <a:latin typeface="微软雅黑" panose="020B0503020204020204" pitchFamily="34" charset="-122"/>
-              <a:ea typeface="微软雅黑" panose="020B0503020204020204" pitchFamily="34" charset="-122"/>
-              <a:cs typeface="+mn-cs"/>
-            </a:endParaRPr>
           </a:p>
         </p:txBody>
       </p:sp>
@@ -8049,23 +7951,6 @@
               </a:rPr>
               <a:t>同频色</a:t>
             </a:r>
-            <a:endParaRPr kumimoji="0" lang="zh-CN" altLang="en-US" sz="2400" b="1" i="0" u="none" strike="noStrike" kern="1200" cap="none" spc="300" normalizeH="0" baseline="0" noProof="0" dirty="0">
-              <a:ln>
-                <a:noFill/>
-              </a:ln>
-              <a:solidFill>
-                <a:schemeClr val="tx1">
-                  <a:lumMod val="75000"/>
-                  <a:lumOff val="25000"/>
-                </a:schemeClr>
-              </a:solidFill>
-              <a:effectLst/>
-              <a:uLnTx/>
-              <a:uFillTx/>
-              <a:latin typeface="微软雅黑" panose="020B0503020204020204" pitchFamily="34" charset="-122"/>
-              <a:ea typeface="微软雅黑" panose="020B0503020204020204" pitchFamily="34" charset="-122"/>
-              <a:cs typeface="+mn-cs"/>
-            </a:endParaRPr>
           </a:p>
         </p:txBody>
       </p:sp>
@@ -8211,23 +8096,6 @@
               </a:rPr>
               <a:t>深色</a:t>
             </a:r>
-            <a:endParaRPr kumimoji="0" lang="zh-CN" altLang="en-US" sz="2400" b="1" i="0" u="none" strike="noStrike" kern="1200" cap="none" spc="300" normalizeH="0" baseline="0" noProof="0" dirty="0">
-              <a:ln>
-                <a:noFill/>
-              </a:ln>
-              <a:solidFill>
-                <a:schemeClr val="tx1">
-                  <a:lumMod val="75000"/>
-                  <a:lumOff val="25000"/>
-                </a:schemeClr>
-              </a:solidFill>
-              <a:effectLst/>
-              <a:uLnTx/>
-              <a:uFillTx/>
-              <a:latin typeface="微软雅黑" panose="020B0503020204020204" pitchFamily="34" charset="-122"/>
-              <a:ea typeface="微软雅黑" panose="020B0503020204020204" pitchFamily="34" charset="-122"/>
-              <a:cs typeface="+mn-cs"/>
-            </a:endParaRPr>
           </a:p>
         </p:txBody>
       </p:sp>
@@ -8520,7 +8388,6 @@
               <a:rPr lang="en-US"/>
               <a:t>Click to edit Master text styles</a:t>
             </a:r>
-            <a:endParaRPr lang="en-US"/>
           </a:p>
           <a:p>
             <a:pPr lvl="1"/>
@@ -8528,7 +8395,6 @@
               <a:rPr lang="en-US"/>
               <a:t>Second level</a:t>
             </a:r>
-            <a:endParaRPr lang="en-US"/>
           </a:p>
           <a:p>
             <a:pPr lvl="2"/>
@@ -8536,7 +8402,6 @@
               <a:rPr lang="en-US"/>
               <a:t>Third level</a:t>
             </a:r>
-            <a:endParaRPr lang="en-US"/>
           </a:p>
           <a:p>
             <a:pPr lvl="3"/>
@@ -8544,7 +8409,6 @@
               <a:rPr lang="en-US"/>
               <a:t>Fourth level</a:t>
             </a:r>
-            <a:endParaRPr lang="en-US"/>
           </a:p>
           <a:p>
             <a:pPr lvl="4"/>
@@ -8573,6 +8437,7 @@
           <a:p>
             <a:fld id="{846CE7D5-CF57-46EF-B807-FDD0502418D4}" type="datetimeFigureOut">
               <a:rPr lang="en-US" smtClean="0"/>
+              <a:t>9/2/2023</a:t>
             </a:fld>
             <a:endParaRPr lang="en-US"/>
           </a:p>
@@ -8614,6 +8479,7 @@
           <a:p>
             <a:fld id="{330EA680-D336-4FF7-8B7A-9848BB0A1C32}" type="slidenum">
               <a:rPr lang="en-US" smtClean="0"/>
+              <a:t>‹#›</a:t>
             </a:fld>
             <a:endParaRPr lang="en-US"/>
           </a:p>
@@ -8792,7 +8658,6 @@
               <a:rPr lang="en-US"/>
               <a:t>Click to edit Master text styles</a:t>
             </a:r>
-            <a:endParaRPr lang="en-US"/>
           </a:p>
         </p:txBody>
       </p:sp>
@@ -8813,6 +8678,7 @@
           <a:p>
             <a:fld id="{846CE7D5-CF57-46EF-B807-FDD0502418D4}" type="datetimeFigureOut">
               <a:rPr lang="en-US" smtClean="0"/>
+              <a:t>9/2/2023</a:t>
             </a:fld>
             <a:endParaRPr lang="en-US"/>
           </a:p>
@@ -8854,6 +8720,7 @@
           <a:p>
             <a:fld id="{330EA680-D336-4FF7-8B7A-9848BB0A1C32}" type="slidenum">
               <a:rPr lang="en-US" smtClean="0"/>
+              <a:t>‹#›</a:t>
             </a:fld>
             <a:endParaRPr lang="en-US"/>
           </a:p>
@@ -8932,7 +8799,6 @@
               <a:rPr lang="en-US"/>
               <a:t>Click to edit Master text styles</a:t>
             </a:r>
-            <a:endParaRPr lang="en-US"/>
           </a:p>
           <a:p>
             <a:pPr lvl="1"/>
@@ -8940,7 +8806,6 @@
               <a:rPr lang="en-US"/>
               <a:t>Second level</a:t>
             </a:r>
-            <a:endParaRPr lang="en-US"/>
           </a:p>
           <a:p>
             <a:pPr lvl="2"/>
@@ -8948,7 +8813,6 @@
               <a:rPr lang="en-US"/>
               <a:t>Third level</a:t>
             </a:r>
-            <a:endParaRPr lang="en-US"/>
           </a:p>
           <a:p>
             <a:pPr lvl="3"/>
@@ -8956,7 +8820,6 @@
               <a:rPr lang="en-US"/>
               <a:t>Fourth level</a:t>
             </a:r>
-            <a:endParaRPr lang="en-US"/>
           </a:p>
           <a:p>
             <a:pPr lvl="4"/>
@@ -8993,7 +8856,6 @@
               <a:rPr lang="en-US"/>
               <a:t>Click to edit Master text styles</a:t>
             </a:r>
-            <a:endParaRPr lang="en-US"/>
           </a:p>
           <a:p>
             <a:pPr lvl="1"/>
@@ -9001,7 +8863,6 @@
               <a:rPr lang="en-US"/>
               <a:t>Second level</a:t>
             </a:r>
-            <a:endParaRPr lang="en-US"/>
           </a:p>
           <a:p>
             <a:pPr lvl="2"/>
@@ -9009,7 +8870,6 @@
               <a:rPr lang="en-US"/>
               <a:t>Third level</a:t>
             </a:r>
-            <a:endParaRPr lang="en-US"/>
           </a:p>
           <a:p>
             <a:pPr lvl="3"/>
@@ -9017,7 +8877,6 @@
               <a:rPr lang="en-US"/>
               <a:t>Fourth level</a:t>
             </a:r>
-            <a:endParaRPr lang="en-US"/>
           </a:p>
           <a:p>
             <a:pPr lvl="4"/>
@@ -9046,6 +8905,7 @@
           <a:p>
             <a:fld id="{846CE7D5-CF57-46EF-B807-FDD0502418D4}" type="datetimeFigureOut">
               <a:rPr lang="en-US" smtClean="0"/>
+              <a:t>9/2/2023</a:t>
             </a:fld>
             <a:endParaRPr lang="en-US"/>
           </a:p>
@@ -9087,6 +8947,7 @@
           <a:p>
             <a:fld id="{330EA680-D336-4FF7-8B7A-9848BB0A1C32}" type="slidenum">
               <a:rPr lang="en-US" smtClean="0"/>
+              <a:t>‹#›</a:t>
             </a:fld>
             <a:endParaRPr lang="en-US"/>
           </a:p>
@@ -9207,7 +9068,6 @@
               <a:rPr lang="en-US"/>
               <a:t>Click to edit Master text styles</a:t>
             </a:r>
-            <a:endParaRPr lang="en-US"/>
           </a:p>
         </p:txBody>
       </p:sp>
@@ -9236,7 +9096,6 @@
               <a:rPr lang="en-US"/>
               <a:t>Click to edit Master text styles</a:t>
             </a:r>
-            <a:endParaRPr lang="en-US"/>
           </a:p>
           <a:p>
             <a:pPr lvl="1"/>
@@ -9244,7 +9103,6 @@
               <a:rPr lang="en-US"/>
               <a:t>Second level</a:t>
             </a:r>
-            <a:endParaRPr lang="en-US"/>
           </a:p>
           <a:p>
             <a:pPr lvl="2"/>
@@ -9252,7 +9110,6 @@
               <a:rPr lang="en-US"/>
               <a:t>Third level</a:t>
             </a:r>
-            <a:endParaRPr lang="en-US"/>
           </a:p>
           <a:p>
             <a:pPr lvl="3"/>
@@ -9260,7 +9117,6 @@
               <a:rPr lang="en-US"/>
               <a:t>Fourth level</a:t>
             </a:r>
-            <a:endParaRPr lang="en-US"/>
           </a:p>
           <a:p>
             <a:pPr lvl="4"/>
@@ -9334,7 +9190,6 @@
               <a:rPr lang="en-US"/>
               <a:t>Click to edit Master text styles</a:t>
             </a:r>
-            <a:endParaRPr lang="en-US"/>
           </a:p>
         </p:txBody>
       </p:sp>
@@ -9363,7 +9218,6 @@
               <a:rPr lang="en-US"/>
               <a:t>Click to edit Master text styles</a:t>
             </a:r>
-            <a:endParaRPr lang="en-US"/>
           </a:p>
           <a:p>
             <a:pPr lvl="1"/>
@@ -9371,7 +9225,6 @@
               <a:rPr lang="en-US"/>
               <a:t>Second level</a:t>
             </a:r>
-            <a:endParaRPr lang="en-US"/>
           </a:p>
           <a:p>
             <a:pPr lvl="2"/>
@@ -9379,7 +9232,6 @@
               <a:rPr lang="en-US"/>
               <a:t>Third level</a:t>
             </a:r>
-            <a:endParaRPr lang="en-US"/>
           </a:p>
           <a:p>
             <a:pPr lvl="3"/>
@@ -9387,7 +9239,6 @@
               <a:rPr lang="en-US"/>
               <a:t>Fourth level</a:t>
             </a:r>
-            <a:endParaRPr lang="en-US"/>
           </a:p>
           <a:p>
             <a:pPr lvl="4"/>
@@ -9416,6 +9267,7 @@
           <a:p>
             <a:fld id="{846CE7D5-CF57-46EF-B807-FDD0502418D4}" type="datetimeFigureOut">
               <a:rPr lang="en-US" smtClean="0"/>
+              <a:t>9/2/2023</a:t>
             </a:fld>
             <a:endParaRPr lang="en-US"/>
           </a:p>
@@ -9457,6 +9309,7 @@
           <a:p>
             <a:fld id="{330EA680-D336-4FF7-8B7A-9848BB0A1C32}" type="slidenum">
               <a:rPr lang="en-US" smtClean="0"/>
+              <a:t>‹#›</a:t>
             </a:fld>
             <a:endParaRPr lang="en-US"/>
           </a:p>
@@ -9527,6 +9380,7 @@
           <a:p>
             <a:fld id="{846CE7D5-CF57-46EF-B807-FDD0502418D4}" type="datetimeFigureOut">
               <a:rPr lang="en-US" smtClean="0"/>
+              <a:t>9/2/2023</a:t>
             </a:fld>
             <a:endParaRPr lang="en-US"/>
           </a:p>
@@ -9568,6 +9422,7 @@
           <a:p>
             <a:fld id="{330EA680-D336-4FF7-8B7A-9848BB0A1C32}" type="slidenum">
               <a:rPr lang="en-US" smtClean="0"/>
+              <a:t>‹#›</a:t>
             </a:fld>
             <a:endParaRPr lang="en-US"/>
           </a:p>
@@ -9615,6 +9470,7 @@
           <a:p>
             <a:fld id="{846CE7D5-CF57-46EF-B807-FDD0502418D4}" type="datetimeFigureOut">
               <a:rPr lang="en-US" smtClean="0"/>
+              <a:t>9/2/2023</a:t>
             </a:fld>
             <a:endParaRPr lang="en-US"/>
           </a:p>
@@ -9656,6 +9512,7 @@
           <a:p>
             <a:fld id="{330EA680-D336-4FF7-8B7A-9848BB0A1C32}" type="slidenum">
               <a:rPr lang="en-US" smtClean="0"/>
+              <a:t>‹#›</a:t>
             </a:fld>
             <a:endParaRPr lang="en-US"/>
           </a:p>
@@ -9771,7 +9628,6 @@
               <a:rPr lang="en-US"/>
               <a:t>Click to edit Master text styles</a:t>
             </a:r>
-            <a:endParaRPr lang="en-US"/>
           </a:p>
           <a:p>
             <a:pPr lvl="1"/>
@@ -9779,7 +9635,6 @@
               <a:rPr lang="en-US"/>
               <a:t>Second level</a:t>
             </a:r>
-            <a:endParaRPr lang="en-US"/>
           </a:p>
           <a:p>
             <a:pPr lvl="2"/>
@@ -9787,7 +9642,6 @@
               <a:rPr lang="en-US"/>
               <a:t>Third level</a:t>
             </a:r>
-            <a:endParaRPr lang="en-US"/>
           </a:p>
           <a:p>
             <a:pPr lvl="3"/>
@@ -9795,7 +9649,6 @@
               <a:rPr lang="en-US"/>
               <a:t>Fourth level</a:t>
             </a:r>
-            <a:endParaRPr lang="en-US"/>
           </a:p>
           <a:p>
             <a:pPr lvl="4"/>
@@ -9869,7 +9722,6 @@
               <a:rPr lang="en-US"/>
               <a:t>Click to edit Master text styles</a:t>
             </a:r>
-            <a:endParaRPr lang="en-US"/>
           </a:p>
         </p:txBody>
       </p:sp>
@@ -9890,6 +9742,7 @@
           <a:p>
             <a:fld id="{846CE7D5-CF57-46EF-B807-FDD0502418D4}" type="datetimeFigureOut">
               <a:rPr lang="en-US" smtClean="0"/>
+              <a:t>9/2/2023</a:t>
             </a:fld>
             <a:endParaRPr lang="en-US"/>
           </a:p>
@@ -9931,6 +9784,7 @@
           <a:p>
             <a:fld id="{330EA680-D336-4FF7-8B7A-9848BB0A1C32}" type="slidenum">
               <a:rPr lang="en-US" smtClean="0"/>
+              <a:t>‹#›</a:t>
             </a:fld>
             <a:endParaRPr lang="en-US"/>
           </a:p>
@@ -10120,7 +9974,6 @@
               <a:rPr lang="en-US"/>
               <a:t>Click to edit Master text styles</a:t>
             </a:r>
-            <a:endParaRPr lang="en-US"/>
           </a:p>
         </p:txBody>
       </p:sp>
@@ -10141,6 +9994,7 @@
           <a:p>
             <a:fld id="{846CE7D5-CF57-46EF-B807-FDD0502418D4}" type="datetimeFigureOut">
               <a:rPr lang="en-US" smtClean="0"/>
+              <a:t>9/2/2023</a:t>
             </a:fld>
             <a:endParaRPr lang="en-US"/>
           </a:p>
@@ -10182,6 +10036,7 @@
           <a:p>
             <a:fld id="{330EA680-D336-4FF7-8B7A-9848BB0A1C32}" type="slidenum">
               <a:rPr lang="en-US" smtClean="0"/>
+              <a:t>‹#›</a:t>
             </a:fld>
             <a:endParaRPr lang="en-US"/>
           </a:p>
@@ -10280,7 +10135,6 @@
               <a:rPr lang="en-US"/>
               <a:t>Click to edit Master text styles</a:t>
             </a:r>
-            <a:endParaRPr lang="en-US"/>
           </a:p>
           <a:p>
             <a:pPr lvl="1"/>
@@ -10288,7 +10142,6 @@
               <a:rPr lang="en-US"/>
               <a:t>Second level</a:t>
             </a:r>
-            <a:endParaRPr lang="en-US"/>
           </a:p>
           <a:p>
             <a:pPr lvl="2"/>
@@ -10296,7 +10149,6 @@
               <a:rPr lang="en-US"/>
               <a:t>Third level</a:t>
             </a:r>
-            <a:endParaRPr lang="en-US"/>
           </a:p>
           <a:p>
             <a:pPr lvl="3"/>
@@ -10304,7 +10156,6 @@
               <a:rPr lang="en-US"/>
               <a:t>Fourth level</a:t>
             </a:r>
-            <a:endParaRPr lang="en-US"/>
           </a:p>
           <a:p>
             <a:pPr lvl="4"/>
@@ -10351,6 +10202,7 @@
           <a:p>
             <a:fld id="{846CE7D5-CF57-46EF-B807-FDD0502418D4}" type="datetimeFigureOut">
               <a:rPr lang="en-US" smtClean="0"/>
+              <a:t>9/2/2023</a:t>
             </a:fld>
             <a:endParaRPr lang="en-US"/>
           </a:p>
@@ -10428,6 +10280,7 @@
           <a:p>
             <a:fld id="{330EA680-D336-4FF7-8B7A-9848BB0A1C32}" type="slidenum">
               <a:rPr lang="en-US" smtClean="0"/>
+              <a:t>‹#›</a:t>
             </a:fld>
             <a:endParaRPr lang="en-US"/>
           </a:p>
@@ -10817,7 +10670,6 @@
               <a:rPr lang="zh-CN" altLang="en-US"/>
               <a:t>单击此处编辑母版文本样式</a:t>
             </a:r>
-            <a:endParaRPr lang="zh-CN" altLang="en-US"/>
           </a:p>
           <a:p>
             <a:pPr lvl="1"/>
@@ -10825,7 +10677,6 @@
               <a:rPr lang="zh-CN" altLang="en-US"/>
               <a:t>二级</a:t>
             </a:r>
-            <a:endParaRPr lang="zh-CN" altLang="en-US"/>
           </a:p>
           <a:p>
             <a:pPr lvl="2"/>
@@ -10833,7 +10684,6 @@
               <a:rPr lang="zh-CN" altLang="en-US"/>
               <a:t>三级</a:t>
             </a:r>
-            <a:endParaRPr lang="zh-CN" altLang="en-US"/>
           </a:p>
           <a:p>
             <a:pPr lvl="3"/>
@@ -10841,7 +10691,6 @@
               <a:rPr lang="zh-CN" altLang="en-US"/>
               <a:t>四级</a:t>
             </a:r>
-            <a:endParaRPr lang="zh-CN" altLang="en-US"/>
           </a:p>
           <a:p>
             <a:pPr lvl="4"/>
@@ -10888,6 +10737,7 @@
           <a:p>
             <a:fld id="{09ECFFD6-F58A-4D20-9F2A-46EA578AFD1E}" type="datetime1">
               <a:rPr lang="zh-CN" altLang="en-US" smtClean="0"/>
+              <a:t>2023/9/2</a:t>
             </a:fld>
             <a:endParaRPr lang="zh-CN" altLang="en-US"/>
           </a:p>
@@ -10969,6 +10819,7 @@
           <a:p>
             <a:fld id="{72A5E12F-523A-4D75-95A2-779F57F5D9E2}" type="slidenum">
               <a:rPr lang="zh-CN" altLang="en-US" smtClean="0"/>
+              <a:t>‹#›</a:t>
             </a:fld>
             <a:endParaRPr lang="zh-CN" altLang="en-US"/>
           </a:p>
@@ -11414,7 +11265,7 @@
           <p:nvPr/>
         </p:nvPicPr>
         <p:blipFill>
-          <a:blip r:embed="rId1" cstate="print">
+          <a:blip r:embed="rId3" cstate="print">
             <a:extLst>
               <a:ext uri="{28A0092B-C50C-407E-A947-70E740481C1C}">
                 <a14:useLocalDpi xmlns:a14="http://schemas.microsoft.com/office/drawing/2010/main" val="0"/>
@@ -11472,13 +11323,6 @@
               </a:rPr>
               <a:t>PVLDB-2023</a:t>
             </a:r>
-            <a:endParaRPr lang="en-US" altLang="zh-CN" sz="2000" b="1" i="1" dirty="0">
-              <a:solidFill>
-                <a:srgbClr val="6B2D0B"/>
-              </a:solidFill>
-              <a:ea typeface="微软雅黑" panose="020B0503020204020204" pitchFamily="34" charset="-122"/>
-              <a:cs typeface="Calibri" panose="020F0502020204030204"/>
-            </a:endParaRPr>
           </a:p>
           <a:p>
             <a:pPr algn="ctr">
@@ -11741,6 +11585,7 @@
           <a:p>
             <a:fld id="{72A5E12F-523A-4D75-95A2-779F57F5D9E2}" type="slidenum">
               <a:rPr lang="zh-CN" altLang="en-US" smtClean="0"/>
+              <a:t>10</a:t>
             </a:fld>
             <a:endParaRPr lang="zh-CN" altLang="en-US"/>
           </a:p>
@@ -11881,7 +11726,6 @@
               <a:rPr lang="en-US" altLang="zh-CN" dirty="0"/>
               <a:t>1</a:t>
             </a:r>
-            <a:endParaRPr lang="en-US" altLang="zh-CN" dirty="0"/>
           </a:p>
         </p:txBody>
       </p:sp>
@@ -12043,7 +11887,6 @@
               <a:rPr lang="en-US" altLang="zh-CN" dirty="0"/>
               <a:t>1</a:t>
             </a:r>
-            <a:endParaRPr lang="en-US" altLang="zh-CN" dirty="0"/>
           </a:p>
         </p:txBody>
       </p:sp>
@@ -12193,7 +12036,6 @@
               <a:rPr lang="en-US" altLang="zh-CN" dirty="0"/>
               <a:t>5</a:t>
             </a:r>
-            <a:endParaRPr lang="en-US" altLang="zh-CN" dirty="0"/>
           </a:p>
         </p:txBody>
       </p:sp>
@@ -12299,7 +12141,6 @@
               <a:rPr lang="en-US" altLang="zh-CN" dirty="0"/>
               <a:t>1</a:t>
             </a:r>
-            <a:endParaRPr lang="en-US" altLang="zh-CN" dirty="0"/>
           </a:p>
         </p:txBody>
       </p:sp>
@@ -12355,7 +12196,6 @@
               <a:rPr lang="en-US" altLang="zh-CN" dirty="0"/>
               <a:t>1</a:t>
             </a:r>
-            <a:endParaRPr lang="en-US" altLang="zh-CN" dirty="0"/>
           </a:p>
         </p:txBody>
       </p:sp>
@@ -12405,7 +12245,6 @@
               <a:rPr lang="en-US" altLang="zh-CN" dirty="0"/>
               <a:t>1</a:t>
             </a:r>
-            <a:endParaRPr lang="en-US" altLang="zh-CN" dirty="0"/>
           </a:p>
         </p:txBody>
       </p:sp>
@@ -12461,7 +12300,6 @@
               <a:rPr lang="en-US" altLang="zh-CN" dirty="0"/>
               <a:t>1</a:t>
             </a:r>
-            <a:endParaRPr lang="en-US" altLang="zh-CN" dirty="0"/>
           </a:p>
         </p:txBody>
       </p:sp>
@@ -12511,7 +12349,6 @@
               <a:rPr lang="en-US" altLang="zh-CN" dirty="0"/>
               <a:t>1</a:t>
             </a:r>
-            <a:endParaRPr lang="en-US" altLang="zh-CN" dirty="0"/>
           </a:p>
         </p:txBody>
       </p:sp>
@@ -12561,7 +12398,6 @@
               <a:rPr lang="en-US" altLang="zh-CN" dirty="0"/>
               <a:t>5</a:t>
             </a:r>
-            <a:endParaRPr lang="en-US" altLang="zh-CN" dirty="0"/>
           </a:p>
         </p:txBody>
       </p:sp>
@@ -13440,8 +13276,8 @@
           </a:fontRef>
         </p:style>
       </p:cxnSp>
-      <mc:AlternateContent xmlns:mc="http://schemas.openxmlformats.org/markup-compatibility/2006">
-        <mc:Choice xmlns:a14="http://schemas.microsoft.com/office/drawing/2010/main" Requires="a14">
+      <mc:AlternateContent xmlns:mc="http://schemas.openxmlformats.org/markup-compatibility/2006" xmlns:a14="http://schemas.microsoft.com/office/drawing/2010/main">
+        <mc:Choice Requires="a14">
           <p:sp>
             <p:nvSpPr>
               <p:cNvPr id="26" name="矩形 25"/>
@@ -13497,9 +13333,6 @@
                   </a:rPr>
                   <a:t>Super-step 3</a:t>
                 </a:r>
-                <a:endParaRPr lang="en-US" altLang="zh-CN" sz="2400" b="0" dirty="0">
-                  <a:latin typeface="Cambria Math" panose="02040503050406030204" pitchFamily="18" charset="0"/>
-                </a:endParaRPr>
               </a:p>
               <a:p>
                 <a:pPr algn="ctr"/>
@@ -13539,7 +13372,7 @@
             </p:txBody>
           </p:sp>
         </mc:Choice>
-        <mc:Fallback>
+        <mc:Fallback xmlns="">
           <p:sp>
             <p:nvSpPr>
               <p:cNvPr id="26" name="矩形 25"/>
@@ -13557,7 +13390,7 @@
                 <a:avLst/>
               </a:prstGeom>
               <a:blipFill rotWithShape="1">
-                <a:blip r:embed="rId1"/>
+                <a:blip r:embed="rId4"/>
                 <a:stretch>
                   <a:fillRect l="-671" t="-1822" r="-2833" b="-7873"/>
                 </a:stretch>
@@ -13610,7 +13443,7 @@
           <p:cNvCxnSpPr/>
           <p:nvPr>
             <p:custDataLst>
-              <p:tags r:id="rId2"/>
+              <p:tags r:id="rId1"/>
             </p:custDataLst>
           </p:nvPr>
         </p:nvCxnSpPr>
@@ -13686,6 +13519,7 @@
           <a:p>
             <a:fld id="{72A5E12F-523A-4D75-95A2-779F57F5D9E2}" type="slidenum">
               <a:rPr lang="zh-CN" altLang="en-US" smtClean="0"/>
+              <a:t>11</a:t>
             </a:fld>
             <a:endParaRPr lang="zh-CN" altLang="en-US"/>
           </a:p>
@@ -13826,7 +13660,6 @@
               <a:rPr lang="en-US" altLang="zh-CN" dirty="0"/>
               <a:t>1</a:t>
             </a:r>
-            <a:endParaRPr lang="en-US" altLang="zh-CN" dirty="0"/>
           </a:p>
         </p:txBody>
       </p:sp>
@@ -13994,7 +13827,6 @@
               <a:rPr lang="en-US" altLang="zh-CN" dirty="0"/>
               <a:t>1</a:t>
             </a:r>
-            <a:endParaRPr lang="en-US" altLang="zh-CN" dirty="0"/>
           </a:p>
         </p:txBody>
       </p:sp>
@@ -14150,7 +13982,6 @@
               <a:rPr lang="en-US" altLang="zh-CN" dirty="0"/>
               <a:t>2</a:t>
             </a:r>
-            <a:endParaRPr lang="en-US" altLang="zh-CN" dirty="0"/>
           </a:p>
         </p:txBody>
       </p:sp>
@@ -14262,7 +14093,6 @@
               <a:rPr lang="en-US" altLang="zh-CN" dirty="0"/>
               <a:t>1</a:t>
             </a:r>
-            <a:endParaRPr lang="en-US" altLang="zh-CN" dirty="0"/>
           </a:p>
         </p:txBody>
       </p:sp>
@@ -14318,7 +14148,6 @@
               <a:rPr lang="en-US" altLang="zh-CN" dirty="0"/>
               <a:t>1</a:t>
             </a:r>
-            <a:endParaRPr lang="en-US" altLang="zh-CN" dirty="0"/>
           </a:p>
         </p:txBody>
       </p:sp>
@@ -14374,7 +14203,6 @@
               <a:rPr lang="en-US" altLang="zh-CN" dirty="0"/>
               <a:t>1</a:t>
             </a:r>
-            <a:endParaRPr lang="en-US" altLang="zh-CN" dirty="0"/>
           </a:p>
         </p:txBody>
       </p:sp>
@@ -14430,7 +14258,6 @@
               <a:rPr lang="en-US" altLang="zh-CN" dirty="0"/>
               <a:t>1</a:t>
             </a:r>
-            <a:endParaRPr lang="en-US" altLang="zh-CN" dirty="0"/>
           </a:p>
         </p:txBody>
       </p:sp>
@@ -14486,7 +14313,6 @@
               <a:rPr lang="en-US" altLang="zh-CN" dirty="0"/>
               <a:t>1</a:t>
             </a:r>
-            <a:endParaRPr lang="en-US" altLang="zh-CN" dirty="0"/>
           </a:p>
         </p:txBody>
       </p:sp>
@@ -14536,7 +14362,6 @@
               <a:rPr lang="en-US" altLang="zh-CN" dirty="0"/>
               <a:t>2</a:t>
             </a:r>
-            <a:endParaRPr lang="en-US" altLang="zh-CN" dirty="0"/>
           </a:p>
         </p:txBody>
       </p:sp>
@@ -15222,8 +15047,8 @@
           </a:fontRef>
         </p:style>
       </p:cxnSp>
-      <mc:AlternateContent xmlns:mc="http://schemas.openxmlformats.org/markup-compatibility/2006">
-        <mc:Choice xmlns:a14="http://schemas.microsoft.com/office/drawing/2010/main" Requires="a14">
+      <mc:AlternateContent xmlns:mc="http://schemas.openxmlformats.org/markup-compatibility/2006" xmlns:a14="http://schemas.microsoft.com/office/drawing/2010/main">
+        <mc:Choice Requires="a14">
           <p:sp>
             <p:nvSpPr>
               <p:cNvPr id="26" name="矩形 25"/>
@@ -15279,9 +15104,6 @@
                   </a:rPr>
                   <a:t>Super-step 4</a:t>
                 </a:r>
-                <a:endParaRPr lang="en-US" altLang="zh-CN" sz="2400" b="0" dirty="0">
-                  <a:latin typeface="Cambria Math" panose="02040503050406030204" pitchFamily="18" charset="0"/>
-                </a:endParaRPr>
               </a:p>
               <a:p>
                 <a:pPr algn="ctr"/>
@@ -15321,7 +15143,7 @@
             </p:txBody>
           </p:sp>
         </mc:Choice>
-        <mc:Fallback>
+        <mc:Fallback xmlns="">
           <p:sp>
             <p:nvSpPr>
               <p:cNvPr id="26" name="矩形 25"/>
@@ -15339,7 +15161,7 @@
                 <a:avLst/>
               </a:prstGeom>
               <a:blipFill rotWithShape="1">
-                <a:blip r:embed="rId1"/>
+                <a:blip r:embed="rId3"/>
                 <a:stretch>
                   <a:fillRect l="-671" t="-1822" r="-2833" b="-7873"/>
                 </a:stretch>
@@ -15428,6 +15250,7 @@
           <a:p>
             <a:fld id="{72A5E12F-523A-4D75-95A2-779F57F5D9E2}" type="slidenum">
               <a:rPr lang="zh-CN" altLang="en-US" smtClean="0"/>
+              <a:t>12</a:t>
             </a:fld>
             <a:endParaRPr lang="zh-CN" altLang="en-US"/>
           </a:p>
@@ -15568,7 +15391,6 @@
               <a:rPr lang="en-US" altLang="zh-CN" dirty="0"/>
               <a:t>1</a:t>
             </a:r>
-            <a:endParaRPr lang="en-US" altLang="zh-CN" dirty="0"/>
           </a:p>
         </p:txBody>
       </p:sp>
@@ -15736,7 +15558,6 @@
               <a:rPr lang="en-US" altLang="zh-CN" dirty="0"/>
               <a:t>1</a:t>
             </a:r>
-            <a:endParaRPr lang="en-US" altLang="zh-CN" dirty="0"/>
           </a:p>
         </p:txBody>
       </p:sp>
@@ -15898,7 +15719,6 @@
               <a:rPr lang="en-US" altLang="zh-CN" dirty="0"/>
               <a:t>1</a:t>
             </a:r>
-            <a:endParaRPr lang="en-US" altLang="zh-CN" dirty="0"/>
           </a:p>
         </p:txBody>
       </p:sp>
@@ -16010,7 +15830,6 @@
               <a:rPr lang="en-US" altLang="zh-CN" dirty="0"/>
               <a:t>1</a:t>
             </a:r>
-            <a:endParaRPr lang="en-US" altLang="zh-CN" dirty="0"/>
           </a:p>
         </p:txBody>
       </p:sp>
@@ -16066,7 +15885,6 @@
               <a:rPr lang="en-US" altLang="zh-CN" dirty="0"/>
               <a:t>1</a:t>
             </a:r>
-            <a:endParaRPr lang="en-US" altLang="zh-CN" dirty="0"/>
           </a:p>
         </p:txBody>
       </p:sp>
@@ -16122,7 +15940,6 @@
               <a:rPr lang="en-US" altLang="zh-CN" dirty="0"/>
               <a:t>1</a:t>
             </a:r>
-            <a:endParaRPr lang="en-US" altLang="zh-CN" dirty="0"/>
           </a:p>
         </p:txBody>
       </p:sp>
@@ -16178,7 +15995,6 @@
               <a:rPr lang="en-US" altLang="zh-CN" dirty="0"/>
               <a:t>1</a:t>
             </a:r>
-            <a:endParaRPr lang="en-US" altLang="zh-CN" dirty="0"/>
           </a:p>
         </p:txBody>
       </p:sp>
@@ -16234,7 +16050,6 @@
               <a:rPr lang="en-US" altLang="zh-CN" dirty="0"/>
               <a:t>1</a:t>
             </a:r>
-            <a:endParaRPr lang="en-US" altLang="zh-CN" dirty="0"/>
           </a:p>
         </p:txBody>
       </p:sp>
@@ -16284,7 +16099,6 @@
               <a:rPr lang="en-US" altLang="zh-CN" dirty="0"/>
               <a:t>1</a:t>
             </a:r>
-            <a:endParaRPr lang="en-US" altLang="zh-CN" dirty="0"/>
           </a:p>
         </p:txBody>
       </p:sp>
@@ -16894,8 +16708,8 @@
           </a:fontRef>
         </p:style>
       </p:cxnSp>
-      <mc:AlternateContent xmlns:mc="http://schemas.openxmlformats.org/markup-compatibility/2006">
-        <mc:Choice xmlns:a14="http://schemas.microsoft.com/office/drawing/2010/main" Requires="a14">
+      <mc:AlternateContent xmlns:mc="http://schemas.openxmlformats.org/markup-compatibility/2006" xmlns:a14="http://schemas.microsoft.com/office/drawing/2010/main">
+        <mc:Choice Requires="a14">
           <p:sp>
             <p:nvSpPr>
               <p:cNvPr id="26" name="矩形 25"/>
@@ -16951,9 +16765,6 @@
                   </a:rPr>
                   <a:t>Super-step 5</a:t>
                 </a:r>
-                <a:endParaRPr lang="en-US" altLang="zh-CN" sz="2400" b="0" dirty="0">
-                  <a:latin typeface="Cambria Math" panose="02040503050406030204" pitchFamily="18" charset="0"/>
-                </a:endParaRPr>
               </a:p>
               <a:p>
                 <a:pPr algn="ctr"/>
@@ -16993,7 +16804,7 @@
             </p:txBody>
           </p:sp>
         </mc:Choice>
-        <mc:Fallback>
+        <mc:Fallback xmlns="">
           <p:sp>
             <p:nvSpPr>
               <p:cNvPr id="26" name="矩形 25"/>
@@ -17011,7 +16822,7 @@
                 <a:avLst/>
               </a:prstGeom>
               <a:blipFill rotWithShape="1">
-                <a:blip r:embed="rId1"/>
+                <a:blip r:embed="rId3"/>
                 <a:stretch>
                   <a:fillRect l="-671" t="-1822" r="-2833" b="-7873"/>
                 </a:stretch>
@@ -17100,6 +16911,7 @@
           <a:p>
             <a:fld id="{72A5E12F-523A-4D75-95A2-779F57F5D9E2}" type="slidenum">
               <a:rPr lang="zh-CN" altLang="en-US" smtClean="0"/>
+              <a:t>13</a:t>
             </a:fld>
             <a:endParaRPr lang="zh-CN" altLang="en-US"/>
           </a:p>
@@ -17242,7 +17054,6 @@
               <a:rPr lang="en-US" altLang="zh-CN" dirty="0"/>
               <a:t>2</a:t>
             </a:r>
-            <a:endParaRPr lang="en-US" altLang="zh-CN" dirty="0"/>
           </a:p>
         </p:txBody>
       </p:sp>
@@ -17406,7 +17217,6 @@
               <a:rPr lang="en-US" altLang="zh-CN" dirty="0"/>
               <a:t>6</a:t>
             </a:r>
-            <a:endParaRPr lang="en-US" altLang="zh-CN" dirty="0"/>
           </a:p>
         </p:txBody>
       </p:sp>
@@ -17570,7 +17380,6 @@
               <a:rPr lang="en-US" altLang="zh-CN" dirty="0"/>
               <a:t>9</a:t>
             </a:r>
-            <a:endParaRPr lang="en-US" altLang="zh-CN" dirty="0"/>
           </a:p>
         </p:txBody>
       </p:sp>
@@ -17677,7 +17486,6 @@
               <a:rPr lang="en-US" altLang="zh-CN" dirty="0"/>
               <a:t>12</a:t>
             </a:r>
-            <a:endParaRPr lang="en-US" altLang="zh-CN" dirty="0"/>
           </a:p>
         </p:txBody>
       </p:sp>
@@ -17734,7 +17542,6 @@
               <a:rPr lang="en-US" altLang="zh-CN" dirty="0"/>
               <a:t>11</a:t>
             </a:r>
-            <a:endParaRPr lang="en-US" altLang="zh-CN" dirty="0"/>
           </a:p>
         </p:txBody>
       </p:sp>
@@ -17784,7 +17591,6 @@
               <a:rPr lang="en-US" altLang="zh-CN" dirty="0"/>
               <a:t>15</a:t>
             </a:r>
-            <a:endParaRPr lang="en-US" altLang="zh-CN" dirty="0"/>
           </a:p>
         </p:txBody>
       </p:sp>
@@ -17841,7 +17647,6 @@
               <a:rPr lang="en-US" altLang="zh-CN" dirty="0"/>
               <a:t>13</a:t>
             </a:r>
-            <a:endParaRPr lang="en-US" altLang="zh-CN" dirty="0"/>
           </a:p>
         </p:txBody>
       </p:sp>
@@ -17891,7 +17696,6 @@
               <a:rPr lang="en-US" altLang="zh-CN" dirty="0"/>
               <a:t>14</a:t>
             </a:r>
-            <a:endParaRPr lang="en-US" altLang="zh-CN" dirty="0"/>
           </a:p>
         </p:txBody>
       </p:sp>
@@ -17941,7 +17745,6 @@
               <a:rPr lang="en-US" altLang="zh-CN" dirty="0"/>
               <a:t>10</a:t>
             </a:r>
-            <a:endParaRPr lang="en-US" altLang="zh-CN" dirty="0"/>
           </a:p>
         </p:txBody>
       </p:sp>
@@ -19227,8 +19030,8 @@
           </a:fontRef>
         </p:style>
       </p:cxnSp>
-      <mc:AlternateContent xmlns:mc="http://schemas.openxmlformats.org/markup-compatibility/2006">
-        <mc:Choice xmlns:a14="http://schemas.microsoft.com/office/drawing/2010/main" Requires="a14">
+      <mc:AlternateContent xmlns:mc="http://schemas.openxmlformats.org/markup-compatibility/2006" xmlns:a14="http://schemas.microsoft.com/office/drawing/2010/main">
+        <mc:Choice Requires="a14">
           <p:sp>
             <p:nvSpPr>
               <p:cNvPr id="47" name="文本框 46"/>
@@ -19251,6 +19054,7 @@
               </a:bodyPr>
               <a:lstStyle/>
               <a:p>
+                <a:pPr/>
                 <a14:m>
                   <m:oMathPara xmlns:m="http://schemas.openxmlformats.org/officeDocument/2006/math">
                     <m:oMathParaPr>
@@ -19305,6 +19109,7 @@
                 </a:endParaRPr>
               </a:p>
               <a:p>
+                <a:pPr/>
                 <a14:m>
                   <m:oMathPara xmlns:m="http://schemas.openxmlformats.org/officeDocument/2006/math">
                     <m:oMathParaPr>
@@ -19324,31 +19129,7 @@
                         <a:rPr lang="en-US" altLang="zh-CN" sz="2400" b="0" i="1" smtClean="0">
                           <a:latin typeface="Cambria Math" panose="02040503050406030204" pitchFamily="18" charset="0"/>
                         </a:rPr>
-                        <m:t>{</m:t>
-                      </m:r>
-                      <m:r>
-                        <a:rPr lang="en-US" altLang="zh-CN" sz="2400" b="0" i="1" smtClean="0">
-                          <a:latin typeface="Cambria Math" panose="02040503050406030204" pitchFamily="18" charset="0"/>
-                        </a:rPr>
-                        <m:t>1</m:t>
-                      </m:r>
-                      <m:r>
-                        <a:rPr lang="en-US" altLang="zh-CN" sz="2400" b="0" i="1" smtClean="0">
-                          <a:latin typeface="Cambria Math" panose="02040503050406030204" pitchFamily="18" charset="0"/>
-                        </a:rPr>
-                        <m:t>,</m:t>
-                      </m:r>
-                      <m:r>
-                        <a:rPr lang="en-US" altLang="zh-CN" sz="2400" b="0" i="1" smtClean="0">
-                          <a:latin typeface="Cambria Math" panose="02040503050406030204" pitchFamily="18" charset="0"/>
-                        </a:rPr>
-                        <m:t>4</m:t>
-                      </m:r>
-                      <m:r>
-                        <a:rPr lang="en-US" altLang="zh-CN" sz="2400" b="0" i="1" smtClean="0">
-                          <a:latin typeface="Cambria Math" panose="02040503050406030204" pitchFamily="18" charset="0"/>
-                        </a:rPr>
-                        <m:t>}</m:t>
+                        <m:t>{1,4}</m:t>
                       </m:r>
                     </m:oMath>
                   </m:oMathPara>
@@ -19358,7 +19139,7 @@
             </p:txBody>
           </p:sp>
         </mc:Choice>
-        <mc:Fallback>
+        <mc:Fallback xmlns="">
           <p:sp>
             <p:nvSpPr>
               <p:cNvPr id="47" name="文本框 46"/>
@@ -19376,7 +19157,7 @@
                 <a:avLst/>
               </a:prstGeom>
               <a:blipFill rotWithShape="1">
-                <a:blip r:embed="rId1"/>
+                <a:blip r:embed="rId3"/>
                 <a:stretch>
                   <a:fillRect l="-15" t="-70" r="-2501" b="3"/>
                 </a:stretch>
@@ -19489,8 +19270,8 @@
           </a:p>
         </p:txBody>
       </p:sp>
-      <mc:AlternateContent xmlns:mc="http://schemas.openxmlformats.org/markup-compatibility/2006">
-        <mc:Choice xmlns:a14="http://schemas.microsoft.com/office/drawing/2010/main" Requires="a14">
+      <mc:AlternateContent xmlns:mc="http://schemas.openxmlformats.org/markup-compatibility/2006" xmlns:a14="http://schemas.microsoft.com/office/drawing/2010/main">
+        <mc:Choice Requires="a14">
           <p:sp>
             <p:nvSpPr>
               <p:cNvPr id="53" name="文本框 52"/>
@@ -19513,6 +19294,7 @@
               </a:bodyPr>
               <a:lstStyle/>
               <a:p>
+                <a:pPr/>
                 <a14:m>
                   <m:oMathPara xmlns:m="http://schemas.openxmlformats.org/officeDocument/2006/math">
                     <m:oMathParaPr>
@@ -19567,6 +19349,7 @@
                 </a:endParaRPr>
               </a:p>
               <a:p>
+                <a:pPr/>
                 <a14:m>
                   <m:oMathPara xmlns:m="http://schemas.openxmlformats.org/officeDocument/2006/math">
                     <m:oMathParaPr>
@@ -19586,43 +19369,7 @@
                         <a:rPr lang="en-US" altLang="zh-CN" sz="2400" b="0" i="1" smtClean="0">
                           <a:latin typeface="Cambria Math" panose="02040503050406030204" pitchFamily="18" charset="0"/>
                         </a:rPr>
-                        <m:t>{</m:t>
-                      </m:r>
-                      <m:r>
-                        <a:rPr lang="en-US" altLang="zh-CN" sz="2400" b="0" i="1" smtClean="0">
-                          <a:latin typeface="Cambria Math" panose="02040503050406030204" pitchFamily="18" charset="0"/>
-                        </a:rPr>
-                        <m:t>5</m:t>
-                      </m:r>
-                      <m:r>
-                        <a:rPr lang="en-US" altLang="zh-CN" sz="2400" b="0" i="1" smtClean="0">
-                          <a:latin typeface="Cambria Math" panose="02040503050406030204" pitchFamily="18" charset="0"/>
-                        </a:rPr>
-                        <m:t>,</m:t>
-                      </m:r>
-                      <m:r>
-                        <a:rPr lang="en-US" altLang="zh-CN" sz="2400" b="0" i="1" smtClean="0">
-                          <a:latin typeface="Cambria Math" panose="02040503050406030204" pitchFamily="18" charset="0"/>
-                        </a:rPr>
-                        <m:t>6</m:t>
-                      </m:r>
-                      <m:r>
-                        <a:rPr lang="en-US" altLang="zh-CN" sz="2400" b="0" i="1" smtClean="0">
-                          <a:latin typeface="Cambria Math" panose="02040503050406030204" pitchFamily="18" charset="0"/>
-                        </a:rPr>
-                        <m:t>,</m:t>
-                      </m:r>
-                      <m:r>
-                        <a:rPr lang="en-US" altLang="zh-CN" sz="2400" b="0" i="1" smtClean="0">
-                          <a:latin typeface="Cambria Math" panose="02040503050406030204" pitchFamily="18" charset="0"/>
-                        </a:rPr>
-                        <m:t>7</m:t>
-                      </m:r>
-                      <m:r>
-                        <a:rPr lang="en-US" altLang="zh-CN" sz="2400" b="0" i="1" smtClean="0">
-                          <a:latin typeface="Cambria Math" panose="02040503050406030204" pitchFamily="18" charset="0"/>
-                        </a:rPr>
-                        <m:t>}</m:t>
+                        <m:t>{5,6,7}</m:t>
                       </m:r>
                     </m:oMath>
                   </m:oMathPara>
@@ -19632,7 +19379,7 @@
             </p:txBody>
           </p:sp>
         </mc:Choice>
-        <mc:Fallback>
+        <mc:Fallback xmlns="">
           <p:sp>
             <p:nvSpPr>
               <p:cNvPr id="53" name="文本框 52"/>
@@ -19650,7 +19397,7 @@
                 <a:avLst/>
               </a:prstGeom>
               <a:blipFill rotWithShape="1">
-                <a:blip r:embed="rId2"/>
+                <a:blip r:embed="rId4"/>
                 <a:stretch>
                   <a:fillRect l="-7" t="-31" r="29" b="46"/>
                 </a:stretch>
@@ -19864,10 +19611,6 @@
               </a:rPr>
               <a:t>边界节点</a:t>
             </a:r>
-            <a:endParaRPr lang="zh-CN" altLang="en-US" sz="2400" dirty="0">
-              <a:latin typeface="微软雅黑" panose="020B0503020204020204" pitchFamily="34" charset="-122"/>
-              <a:ea typeface="微软雅黑" panose="020B0503020204020204" pitchFamily="34" charset="-122"/>
-            </a:endParaRPr>
           </a:p>
         </p:txBody>
       </p:sp>
@@ -19900,10 +19643,6 @@
               </a:rPr>
               <a:t>内部节点</a:t>
             </a:r>
-            <a:endParaRPr lang="zh-CN" altLang="en-US" sz="2400" dirty="0">
-              <a:latin typeface="微软雅黑" panose="020B0503020204020204" pitchFamily="34" charset="-122"/>
-              <a:ea typeface="微软雅黑" panose="020B0503020204020204" pitchFamily="34" charset="-122"/>
-            </a:endParaRPr>
           </a:p>
         </p:txBody>
       </p:sp>
@@ -19936,10 +19675,6 @@
               </a:rPr>
               <a:t>跨区消息</a:t>
             </a:r>
-            <a:endParaRPr lang="zh-CN" altLang="en-US" sz="2400" dirty="0">
-              <a:latin typeface="微软雅黑" panose="020B0503020204020204" pitchFamily="34" charset="-122"/>
-              <a:ea typeface="微软雅黑" panose="020B0503020204020204" pitchFamily="34" charset="-122"/>
-            </a:endParaRPr>
           </a:p>
         </p:txBody>
       </p:sp>
@@ -19972,10 +19707,6 @@
               </a:rPr>
               <a:t>内部消息</a:t>
             </a:r>
-            <a:endParaRPr lang="zh-CN" altLang="en-US" sz="2400" dirty="0">
-              <a:latin typeface="微软雅黑" panose="020B0503020204020204" pitchFamily="34" charset="-122"/>
-              <a:ea typeface="微软雅黑" panose="020B0503020204020204" pitchFamily="34" charset="-122"/>
-            </a:endParaRPr>
           </a:p>
         </p:txBody>
       </p:sp>
@@ -20115,6 +19846,7 @@
           <a:p>
             <a:fld id="{72A5E12F-523A-4D75-95A2-779F57F5D9E2}" type="slidenum">
               <a:rPr lang="zh-CN" altLang="en-US" smtClean="0"/>
+              <a:t>14</a:t>
             </a:fld>
             <a:endParaRPr lang="zh-CN" altLang="en-US"/>
           </a:p>
@@ -20256,7 +19988,6 @@
               <a:rPr lang="en-US" altLang="zh-CN" dirty="0"/>
               <a:t>1</a:t>
             </a:r>
-            <a:endParaRPr lang="en-US" altLang="zh-CN" dirty="0"/>
           </a:p>
         </p:txBody>
       </p:sp>
@@ -20419,7 +20150,6 @@
               <a:rPr lang="en-US" altLang="zh-CN" dirty="0"/>
               <a:t>5</a:t>
             </a:r>
-            <a:endParaRPr lang="en-US" altLang="zh-CN" dirty="0"/>
           </a:p>
         </p:txBody>
       </p:sp>
@@ -20582,7 +20312,6 @@
               <a:rPr lang="en-US" altLang="zh-CN" dirty="0"/>
               <a:t>8</a:t>
             </a:r>
-            <a:endParaRPr lang="en-US" altLang="zh-CN" dirty="0"/>
           </a:p>
         </p:txBody>
       </p:sp>
@@ -20688,7 +20417,6 @@
               <a:rPr lang="en-US" altLang="zh-CN" dirty="0"/>
               <a:t>4</a:t>
             </a:r>
-            <a:endParaRPr lang="en-US" altLang="zh-CN" dirty="0"/>
           </a:p>
         </p:txBody>
       </p:sp>
@@ -20745,7 +20473,6 @@
               <a:rPr lang="en-US" altLang="zh-CN" dirty="0"/>
               <a:t>4</a:t>
             </a:r>
-            <a:endParaRPr lang="en-US" altLang="zh-CN" dirty="0"/>
           </a:p>
         </p:txBody>
       </p:sp>
@@ -20795,7 +20522,6 @@
               <a:rPr lang="en-US" altLang="zh-CN" dirty="0"/>
               <a:t>13</a:t>
             </a:r>
-            <a:endParaRPr lang="en-US" altLang="zh-CN" dirty="0"/>
           </a:p>
         </p:txBody>
       </p:sp>
@@ -20851,7 +20577,6 @@
               <a:rPr lang="en-US" altLang="zh-CN" dirty="0"/>
               <a:t>13</a:t>
             </a:r>
-            <a:endParaRPr lang="en-US" altLang="zh-CN" dirty="0"/>
           </a:p>
         </p:txBody>
       </p:sp>
@@ -20901,7 +20626,6 @@
               <a:rPr lang="en-US" altLang="zh-CN" dirty="0"/>
               <a:t>13</a:t>
             </a:r>
-            <a:endParaRPr lang="en-US" altLang="zh-CN" dirty="0"/>
           </a:p>
         </p:txBody>
       </p:sp>
@@ -20951,7 +20675,6 @@
               <a:rPr lang="en-US" altLang="zh-CN" dirty="0"/>
               <a:t>8</a:t>
             </a:r>
-            <a:endParaRPr lang="en-US" altLang="zh-CN" dirty="0"/>
           </a:p>
         </p:txBody>
       </p:sp>
@@ -22237,8 +21960,8 @@
           </a:fontRef>
         </p:style>
       </p:cxnSp>
-      <mc:AlternateContent xmlns:mc="http://schemas.openxmlformats.org/markup-compatibility/2006">
-        <mc:Choice xmlns:a14="http://schemas.microsoft.com/office/drawing/2010/main" Requires="a14">
+      <mc:AlternateContent xmlns:mc="http://schemas.openxmlformats.org/markup-compatibility/2006" xmlns:a14="http://schemas.microsoft.com/office/drawing/2010/main">
+        <mc:Choice Requires="a14">
           <p:sp>
             <p:nvSpPr>
               <p:cNvPr id="99" name="矩形 98"/>
@@ -22354,7 +22077,7 @@
             </p:txBody>
           </p:sp>
         </mc:Choice>
-        <mc:Fallback>
+        <mc:Fallback xmlns="">
           <p:sp>
             <p:nvSpPr>
               <p:cNvPr id="99" name="矩形 98"/>
@@ -22372,7 +22095,7 @@
                 <a:avLst/>
               </a:prstGeom>
               <a:blipFill rotWithShape="1">
-                <a:blip r:embed="rId1"/>
+                <a:blip r:embed="rId3"/>
                 <a:stretch>
                   <a:fillRect l="-509" t="-1801" r="-2151" b="-7893"/>
                 </a:stretch>
@@ -22461,6 +22184,7 @@
           <a:p>
             <a:fld id="{72A5E12F-523A-4D75-95A2-779F57F5D9E2}" type="slidenum">
               <a:rPr lang="zh-CN" altLang="en-US" smtClean="0"/>
+              <a:t>15</a:t>
             </a:fld>
             <a:endParaRPr lang="zh-CN" altLang="en-US"/>
           </a:p>
@@ -22493,8 +22217,8 @@
           </a:p>
         </p:txBody>
       </p:sp>
-      <mc:AlternateContent xmlns:mc="http://schemas.openxmlformats.org/markup-compatibility/2006">
-        <mc:Choice xmlns:a14="http://schemas.microsoft.com/office/drawing/2010/main" Requires="a14">
+      <mc:AlternateContent xmlns:mc="http://schemas.openxmlformats.org/markup-compatibility/2006" xmlns:a14="http://schemas.microsoft.com/office/drawing/2010/main">
+        <mc:Choice Requires="a14">
           <p:sp>
             <p:nvSpPr>
               <p:cNvPr id="12" name="矩形 11"/>
@@ -22610,7 +22334,7 @@
             </p:txBody>
           </p:sp>
         </mc:Choice>
-        <mc:Fallback>
+        <mc:Fallback xmlns="">
           <p:sp>
             <p:nvSpPr>
               <p:cNvPr id="12" name="矩形 11"/>
@@ -22628,7 +22352,7 @@
                 <a:avLst/>
               </a:prstGeom>
               <a:blipFill rotWithShape="1">
-                <a:blip r:embed="rId1"/>
+                <a:blip r:embed="rId3"/>
                 <a:stretch>
                   <a:fillRect l="-509" t="-1801" r="-2151" b="-7893"/>
                 </a:stretch>
@@ -22783,7 +22507,6 @@
               <a:rPr lang="en-US" altLang="zh-CN" dirty="0"/>
               <a:t>1</a:t>
             </a:r>
-            <a:endParaRPr lang="en-US" altLang="zh-CN" dirty="0"/>
           </a:p>
         </p:txBody>
       </p:sp>
@@ -22945,7 +22668,6 @@
               <a:rPr lang="en-US" altLang="zh-CN" dirty="0"/>
               <a:t>1</a:t>
             </a:r>
-            <a:endParaRPr lang="en-US" altLang="zh-CN" dirty="0"/>
           </a:p>
         </p:txBody>
       </p:sp>
@@ -23108,7 +22830,6 @@
               <a:rPr lang="en-US" altLang="zh-CN" dirty="0"/>
               <a:t>5</a:t>
             </a:r>
-            <a:endParaRPr lang="en-US" altLang="zh-CN" dirty="0"/>
           </a:p>
         </p:txBody>
       </p:sp>
@@ -23214,7 +22935,6 @@
               <a:rPr lang="en-US" altLang="zh-CN" dirty="0"/>
               <a:t>1</a:t>
             </a:r>
-            <a:endParaRPr lang="en-US" altLang="zh-CN" dirty="0"/>
           </a:p>
         </p:txBody>
       </p:sp>
@@ -23271,7 +22991,6 @@
               <a:rPr lang="en-US" altLang="zh-CN" dirty="0"/>
               <a:t>1</a:t>
             </a:r>
-            <a:endParaRPr lang="en-US" altLang="zh-CN" dirty="0"/>
           </a:p>
         </p:txBody>
       </p:sp>
@@ -23321,7 +23040,6 @@
               <a:rPr lang="en-US" altLang="zh-CN" dirty="0"/>
               <a:t>4</a:t>
             </a:r>
-            <a:endParaRPr lang="en-US" altLang="zh-CN" dirty="0"/>
           </a:p>
         </p:txBody>
       </p:sp>
@@ -23377,7 +23095,6 @@
               <a:rPr lang="en-US" altLang="zh-CN" dirty="0"/>
               <a:t>4</a:t>
             </a:r>
-            <a:endParaRPr lang="en-US" altLang="zh-CN" dirty="0"/>
           </a:p>
         </p:txBody>
       </p:sp>
@@ -23427,7 +23144,6 @@
               <a:rPr lang="en-US" altLang="zh-CN" dirty="0"/>
               <a:t>4</a:t>
             </a:r>
-            <a:endParaRPr lang="en-US" altLang="zh-CN" dirty="0"/>
           </a:p>
         </p:txBody>
       </p:sp>
@@ -23477,7 +23193,6 @@
               <a:rPr lang="en-US" altLang="zh-CN" dirty="0"/>
               <a:t>5</a:t>
             </a:r>
-            <a:endParaRPr lang="en-US" altLang="zh-CN" dirty="0"/>
           </a:p>
         </p:txBody>
       </p:sp>
@@ -24637,6 +24352,7 @@
           <a:p>
             <a:fld id="{72A5E12F-523A-4D75-95A2-779F57F5D9E2}" type="slidenum">
               <a:rPr lang="zh-CN" altLang="en-US" smtClean="0"/>
+              <a:t>16</a:t>
             </a:fld>
             <a:endParaRPr lang="zh-CN" altLang="en-US"/>
           </a:p>
@@ -24669,8 +24385,8 @@
           </a:p>
         </p:txBody>
       </p:sp>
-      <mc:AlternateContent xmlns:mc="http://schemas.openxmlformats.org/markup-compatibility/2006">
-        <mc:Choice xmlns:a14="http://schemas.microsoft.com/office/drawing/2010/main" Requires="a14">
+      <mc:AlternateContent xmlns:mc="http://schemas.openxmlformats.org/markup-compatibility/2006" xmlns:a14="http://schemas.microsoft.com/office/drawing/2010/main">
+        <mc:Choice Requires="a14">
           <p:sp>
             <p:nvSpPr>
               <p:cNvPr id="12" name="矩形 11"/>
@@ -24786,7 +24502,7 @@
             </p:txBody>
           </p:sp>
         </mc:Choice>
-        <mc:Fallback>
+        <mc:Fallback xmlns="">
           <p:sp>
             <p:nvSpPr>
               <p:cNvPr id="12" name="矩形 11"/>
@@ -24804,7 +24520,7 @@
                 <a:avLst/>
               </a:prstGeom>
               <a:blipFill rotWithShape="1">
-                <a:blip r:embed="rId1"/>
+                <a:blip r:embed="rId3"/>
                 <a:stretch>
                   <a:fillRect l="-509" t="-1801" r="-2151" b="-7893"/>
                 </a:stretch>
@@ -24959,7 +24675,6 @@
               <a:rPr lang="en-US" altLang="zh-CN" dirty="0"/>
               <a:t>1</a:t>
             </a:r>
-            <a:endParaRPr lang="en-US" altLang="zh-CN" dirty="0"/>
           </a:p>
         </p:txBody>
       </p:sp>
@@ -25120,7 +24835,6 @@
               <a:rPr lang="en-US" altLang="zh-CN" dirty="0"/>
               <a:t>1</a:t>
             </a:r>
-            <a:endParaRPr lang="en-US" altLang="zh-CN" dirty="0"/>
           </a:p>
         </p:txBody>
       </p:sp>
@@ -25282,7 +24996,6 @@
               <a:rPr lang="en-US" altLang="zh-CN" dirty="0"/>
               <a:t>1</a:t>
             </a:r>
-            <a:endParaRPr lang="en-US" altLang="zh-CN" dirty="0"/>
           </a:p>
         </p:txBody>
       </p:sp>
@@ -25387,7 +25100,6 @@
               <a:rPr lang="en-US" altLang="zh-CN" dirty="0"/>
               <a:t>1</a:t>
             </a:r>
-            <a:endParaRPr lang="en-US" altLang="zh-CN" dirty="0"/>
           </a:p>
         </p:txBody>
       </p:sp>
@@ -25443,7 +25155,6 @@
               <a:rPr lang="en-US" altLang="zh-CN" dirty="0"/>
               <a:t>1</a:t>
             </a:r>
-            <a:endParaRPr lang="en-US" altLang="zh-CN" dirty="0"/>
           </a:p>
         </p:txBody>
       </p:sp>
@@ -25493,7 +25204,6 @@
               <a:rPr lang="en-US" altLang="zh-CN" dirty="0"/>
               <a:t>1</a:t>
             </a:r>
-            <a:endParaRPr lang="en-US" altLang="zh-CN" dirty="0"/>
           </a:p>
         </p:txBody>
       </p:sp>
@@ -25549,7 +25259,6 @@
               <a:rPr lang="en-US" altLang="zh-CN" dirty="0"/>
               <a:t>1</a:t>
             </a:r>
-            <a:endParaRPr lang="en-US" altLang="zh-CN" dirty="0"/>
           </a:p>
         </p:txBody>
       </p:sp>
@@ -25599,7 +25308,6 @@
               <a:rPr lang="en-US" altLang="zh-CN" dirty="0"/>
               <a:t>1</a:t>
             </a:r>
-            <a:endParaRPr lang="en-US" altLang="zh-CN" dirty="0"/>
           </a:p>
         </p:txBody>
       </p:sp>
@@ -25649,7 +25357,6 @@
               <a:rPr lang="en-US" altLang="zh-CN" dirty="0"/>
               <a:t>1</a:t>
             </a:r>
-            <a:endParaRPr lang="en-US" altLang="zh-CN" dirty="0"/>
           </a:p>
         </p:txBody>
       </p:sp>
@@ -26481,6 +26188,7 @@
           <a:p>
             <a:fld id="{72A5E12F-523A-4D75-95A2-779F57F5D9E2}" type="slidenum">
               <a:rPr lang="zh-CN" altLang="en-US" smtClean="0"/>
+              <a:t>17</a:t>
             </a:fld>
             <a:endParaRPr lang="zh-CN" altLang="en-US"/>
           </a:p>
@@ -26505,7 +26213,6 @@
               <a:rPr lang="zh-CN" altLang="en-US" dirty="0"/>
               <a:t>混合并行模型</a:t>
             </a:r>
-            <a:endParaRPr lang="zh-CN" altLang="en-US" dirty="0"/>
           </a:p>
         </p:txBody>
       </p:sp>
@@ -28508,6 +28215,7 @@
           <a:p>
             <a:fld id="{72A5E12F-523A-4D75-95A2-779F57F5D9E2}" type="slidenum">
               <a:rPr lang="zh-CN" altLang="en-US" smtClean="0"/>
+              <a:t>18</a:t>
             </a:fld>
             <a:endParaRPr lang="zh-CN" altLang="en-US"/>
           </a:p>
@@ -28532,7 +28240,6 @@
               <a:rPr lang="zh-CN" altLang="en-US" dirty="0"/>
               <a:t>消息同步：基于哈希表的实现</a:t>
             </a:r>
-            <a:endParaRPr lang="zh-CN" altLang="en-US" dirty="0"/>
           </a:p>
         </p:txBody>
       </p:sp>
@@ -28589,7 +28296,6 @@
               <a:rPr lang="en-US" altLang="zh-CN" dirty="0"/>
               <a:t>2</a:t>
             </a:r>
-            <a:endParaRPr lang="en-US" altLang="zh-CN" dirty="0"/>
           </a:p>
         </p:txBody>
       </p:sp>
@@ -28736,7 +28442,6 @@
               <a:rPr lang="en-US" altLang="zh-CN" dirty="0"/>
               <a:t>1</a:t>
             </a:r>
-            <a:endParaRPr lang="en-US" altLang="zh-CN" dirty="0"/>
           </a:p>
         </p:txBody>
       </p:sp>
@@ -28906,8 +28611,8 @@
           </a:fontRef>
         </p:style>
       </p:cxnSp>
-      <mc:AlternateContent xmlns:mc="http://schemas.openxmlformats.org/markup-compatibility/2006">
-        <mc:Choice xmlns:a14="http://schemas.microsoft.com/office/drawing/2010/main" Requires="a14">
+      <mc:AlternateContent xmlns:mc="http://schemas.openxmlformats.org/markup-compatibility/2006" xmlns:a14="http://schemas.microsoft.com/office/drawing/2010/main">
+        <mc:Choice Requires="a14">
           <p:sp>
             <p:nvSpPr>
               <p:cNvPr id="39" name="文本框 38"/>
@@ -28930,6 +28635,7 @@
               </a:bodyPr>
               <a:lstStyle/>
               <a:p>
+                <a:pPr/>
                 <a14:m>
                   <m:oMathPara xmlns:m="http://schemas.openxmlformats.org/officeDocument/2006/math">
                     <m:oMathParaPr>
@@ -28966,25 +28672,7 @@
                               </a:solidFill>
                               <a:latin typeface="Cambria Math" panose="02040503050406030204" pitchFamily="18" charset="0"/>
                             </a:rPr>
-                            <m:t>2</m:t>
-                          </m:r>
-                          <m:r>
-                            <a:rPr lang="en-US" altLang="zh-CN" sz="1800" b="0" i="1" smtClean="0">
-                              <a:solidFill>
-                                <a:srgbClr val="FF0000"/>
-                              </a:solidFill>
-                              <a:latin typeface="Cambria Math" panose="02040503050406030204" pitchFamily="18" charset="0"/>
-                            </a:rPr>
-                            <m:t>,</m:t>
-                          </m:r>
-                          <m:r>
-                            <a:rPr lang="en-US" altLang="zh-CN" sz="1800" b="0" i="1" smtClean="0">
-                              <a:solidFill>
-                                <a:srgbClr val="FF0000"/>
-                              </a:solidFill>
-                              <a:latin typeface="Cambria Math" panose="02040503050406030204" pitchFamily="18" charset="0"/>
-                            </a:rPr>
-                            <m:t>1</m:t>
+                            <m:t>2,1</m:t>
                           </m:r>
                         </m:sub>
                       </m:sSub>
@@ -28996,7 +28684,7 @@
             </p:txBody>
           </p:sp>
         </mc:Choice>
-        <mc:Fallback>
+        <mc:Fallback xmlns="">
           <p:sp>
             <p:nvSpPr>
               <p:cNvPr id="39" name="文本框 38"/>
@@ -29014,7 +28702,7 @@
                 <a:avLst/>
               </a:prstGeom>
               <a:blipFill rotWithShape="1">
-                <a:blip r:embed="rId1"/>
+                <a:blip r:embed="rId3"/>
                 <a:stretch>
                   <a:fillRect l="-40" t="-113" r="25" b="82"/>
                 </a:stretch>
@@ -29035,8 +28723,8 @@
           </p:sp>
         </mc:Fallback>
       </mc:AlternateContent>
-      <mc:AlternateContent xmlns:mc="http://schemas.openxmlformats.org/markup-compatibility/2006">
-        <mc:Choice xmlns:a14="http://schemas.microsoft.com/office/drawing/2010/main" Requires="a14">
+      <mc:AlternateContent xmlns:mc="http://schemas.openxmlformats.org/markup-compatibility/2006" xmlns:a14="http://schemas.microsoft.com/office/drawing/2010/main">
+        <mc:Choice Requires="a14">
           <p:sp>
             <p:nvSpPr>
               <p:cNvPr id="40" name="文本框 39"/>
@@ -29059,6 +28747,7 @@
               </a:bodyPr>
               <a:lstStyle/>
               <a:p>
+                <a:pPr/>
                 <a14:m>
                   <m:oMathPara xmlns:m="http://schemas.openxmlformats.org/officeDocument/2006/math">
                     <m:oMathParaPr>
@@ -29095,25 +28784,7 @@
                               </a:solidFill>
                               <a:latin typeface="Cambria Math" panose="02040503050406030204" pitchFamily="18" charset="0"/>
                             </a:rPr>
-                            <m:t>3</m:t>
-                          </m:r>
-                          <m:r>
-                            <a:rPr lang="en-US" altLang="zh-CN" sz="1800" b="0" i="1" smtClean="0">
-                              <a:solidFill>
-                                <a:srgbClr val="FF0000"/>
-                              </a:solidFill>
-                              <a:latin typeface="Cambria Math" panose="02040503050406030204" pitchFamily="18" charset="0"/>
-                            </a:rPr>
-                            <m:t>,</m:t>
-                          </m:r>
-                          <m:r>
-                            <a:rPr lang="en-US" altLang="zh-CN" sz="1800" b="0" i="1" smtClean="0">
-                              <a:solidFill>
-                                <a:srgbClr val="FF0000"/>
-                              </a:solidFill>
-                              <a:latin typeface="Cambria Math" panose="02040503050406030204" pitchFamily="18" charset="0"/>
-                            </a:rPr>
-                            <m:t>1</m:t>
+                            <m:t>3,1</m:t>
                           </m:r>
                         </m:sub>
                       </m:sSub>
@@ -29125,7 +28796,7 @@
             </p:txBody>
           </p:sp>
         </mc:Choice>
-        <mc:Fallback>
+        <mc:Fallback xmlns="">
           <p:sp>
             <p:nvSpPr>
               <p:cNvPr id="40" name="文本框 39"/>
@@ -29143,7 +28814,7 @@
                 <a:avLst/>
               </a:prstGeom>
               <a:blipFill rotWithShape="1">
-                <a:blip r:embed="rId2"/>
+                <a:blip r:embed="rId4"/>
                 <a:stretch>
                   <a:fillRect l="-40" t="-69" r="25" b="37"/>
                 </a:stretch>
@@ -29408,8 +29079,8 @@
           </a:p>
         </p:txBody>
       </p:sp>
-      <mc:AlternateContent xmlns:mc="http://schemas.openxmlformats.org/markup-compatibility/2006">
-        <mc:Choice xmlns:a14="http://schemas.microsoft.com/office/drawing/2010/main" Requires="a14">
+      <mc:AlternateContent xmlns:mc="http://schemas.openxmlformats.org/markup-compatibility/2006" xmlns:a14="http://schemas.microsoft.com/office/drawing/2010/main">
+        <mc:Choice Requires="a14">
           <p:sp>
             <p:nvSpPr>
               <p:cNvPr id="51" name="矩形: 圆角 50"/>
@@ -29482,25 +29153,7 @@
                               </a:solidFill>
                               <a:latin typeface="Cambria Math" panose="02040503050406030204" pitchFamily="18" charset="0"/>
                             </a:rPr>
-                            <m:t>3</m:t>
-                          </m:r>
-                          <m:r>
-                            <a:rPr lang="en-US" altLang="zh-CN" sz="2000" b="0" i="1" smtClean="0">
-                              <a:solidFill>
-                                <a:schemeClr val="bg1"/>
-                              </a:solidFill>
-                              <a:latin typeface="Cambria Math" panose="02040503050406030204" pitchFamily="18" charset="0"/>
-                            </a:rPr>
-                            <m:t>,</m:t>
-                          </m:r>
-                          <m:r>
-                            <a:rPr lang="en-US" altLang="zh-CN" sz="2000" b="0" i="1" smtClean="0">
-                              <a:solidFill>
-                                <a:schemeClr val="bg1"/>
-                              </a:solidFill>
-                              <a:latin typeface="Cambria Math" panose="02040503050406030204" pitchFamily="18" charset="0"/>
-                            </a:rPr>
-                            <m:t>0</m:t>
+                            <m:t>3,0</m:t>
                           </m:r>
                         </m:sub>
                       </m:sSub>
@@ -29512,7 +29165,7 @@
             </p:txBody>
           </p:sp>
         </mc:Choice>
-        <mc:Fallback>
+        <mc:Fallback xmlns="">
           <p:sp>
             <p:nvSpPr>
               <p:cNvPr id="51" name="矩形: 圆角 50"/>
@@ -29530,7 +29183,7 @@
                 <a:avLst/>
               </a:prstGeom>
               <a:blipFill rotWithShape="1">
-                <a:blip r:embed="rId3"/>
+                <a:blip r:embed="rId5"/>
                 <a:stretch>
                   <a:fillRect l="-740" t="-1437" r="-690" b="-1310"/>
                 </a:stretch>
@@ -29604,8 +29257,8 @@
           </a:fontRef>
         </p:style>
       </p:cxnSp>
-      <mc:AlternateContent xmlns:mc="http://schemas.openxmlformats.org/markup-compatibility/2006">
-        <mc:Choice xmlns:a14="http://schemas.microsoft.com/office/drawing/2010/main" Requires="a14">
+      <mc:AlternateContent xmlns:mc="http://schemas.openxmlformats.org/markup-compatibility/2006" xmlns:a14="http://schemas.microsoft.com/office/drawing/2010/main">
+        <mc:Choice Requires="a14">
           <p:sp>
             <p:nvSpPr>
               <p:cNvPr id="83" name="文本框 82"/>
@@ -29628,6 +29281,7 @@
               </a:bodyPr>
               <a:lstStyle/>
               <a:p>
+                <a:pPr/>
                 <a14:m>
                   <m:oMathPara xmlns:m="http://schemas.openxmlformats.org/officeDocument/2006/math">
                     <m:oMathParaPr>
@@ -29664,25 +29318,7 @@
                               </a:solidFill>
                               <a:latin typeface="Cambria Math" panose="02040503050406030204" pitchFamily="18" charset="0"/>
                             </a:rPr>
-                            <m:t>3</m:t>
-                          </m:r>
-                          <m:r>
-                            <a:rPr lang="en-US" altLang="zh-CN" sz="1800" b="0" i="1" smtClean="0">
-                              <a:solidFill>
-                                <a:srgbClr val="FF0000"/>
-                              </a:solidFill>
-                              <a:latin typeface="Cambria Math" panose="02040503050406030204" pitchFamily="18" charset="0"/>
-                            </a:rPr>
-                            <m:t>,</m:t>
-                          </m:r>
-                          <m:r>
-                            <a:rPr lang="en-US" altLang="zh-CN" sz="1800" b="0" i="1" smtClean="0">
-                              <a:solidFill>
-                                <a:srgbClr val="FF0000"/>
-                              </a:solidFill>
-                              <a:latin typeface="Cambria Math" panose="02040503050406030204" pitchFamily="18" charset="0"/>
-                            </a:rPr>
-                            <m:t>0</m:t>
+                            <m:t>3,0</m:t>
                           </m:r>
                         </m:sub>
                       </m:sSub>
@@ -29694,7 +29330,7 @@
             </p:txBody>
           </p:sp>
         </mc:Choice>
-        <mc:Fallback>
+        <mc:Fallback xmlns="">
           <p:sp>
             <p:nvSpPr>
               <p:cNvPr id="83" name="文本框 82"/>
@@ -29712,7 +29348,7 @@
                 <a:avLst/>
               </a:prstGeom>
               <a:blipFill rotWithShape="1">
-                <a:blip r:embed="rId4"/>
+                <a:blip r:embed="rId6"/>
                 <a:stretch>
                   <a:fillRect l="-25" t="-166" r="11" b="134"/>
                 </a:stretch>
@@ -29770,8 +29406,8 @@
           </a:fontRef>
         </p:style>
       </p:cxnSp>
-      <mc:AlternateContent xmlns:mc="http://schemas.openxmlformats.org/markup-compatibility/2006">
-        <mc:Choice xmlns:a14="http://schemas.microsoft.com/office/drawing/2010/main" Requires="a14">
+      <mc:AlternateContent xmlns:mc="http://schemas.openxmlformats.org/markup-compatibility/2006" xmlns:a14="http://schemas.microsoft.com/office/drawing/2010/main">
+        <mc:Choice Requires="a14">
           <p:sp>
             <p:nvSpPr>
               <p:cNvPr id="87" name="矩形: 圆角 86"/>
@@ -29844,25 +29480,7 @@
                               </a:solidFill>
                               <a:latin typeface="Cambria Math" panose="02040503050406030204" pitchFamily="18" charset="0"/>
                             </a:rPr>
-                            <m:t>2</m:t>
-                          </m:r>
-                          <m:r>
-                            <a:rPr lang="en-US" altLang="zh-CN" sz="2000" b="0" i="1" smtClean="0">
-                              <a:solidFill>
-                                <a:schemeClr val="bg1"/>
-                              </a:solidFill>
-                              <a:latin typeface="Cambria Math" panose="02040503050406030204" pitchFamily="18" charset="0"/>
-                            </a:rPr>
-                            <m:t>,</m:t>
-                          </m:r>
-                          <m:r>
-                            <a:rPr lang="en-US" altLang="zh-CN" sz="2000" b="0" i="1" smtClean="0">
-                              <a:solidFill>
-                                <a:schemeClr val="bg1"/>
-                              </a:solidFill>
-                              <a:latin typeface="Cambria Math" panose="02040503050406030204" pitchFamily="18" charset="0"/>
-                            </a:rPr>
-                            <m:t>1</m:t>
+                            <m:t>2,1</m:t>
                           </m:r>
                         </m:sub>
                       </m:sSub>
@@ -29874,7 +29492,7 @@
             </p:txBody>
           </p:sp>
         </mc:Choice>
-        <mc:Fallback>
+        <mc:Fallback xmlns="">
           <p:sp>
             <p:nvSpPr>
               <p:cNvPr id="87" name="矩形: 圆角 86"/>
@@ -29892,7 +29510,7 @@
                 <a:avLst/>
               </a:prstGeom>
               <a:blipFill rotWithShape="1">
-                <a:blip r:embed="rId5"/>
+                <a:blip r:embed="rId7"/>
                 <a:stretch>
                   <a:fillRect l="-757" t="-1419" r="-719" b="-1328"/>
                 </a:stretch>
@@ -29929,8 +29547,8 @@
           </p:sp>
         </mc:Fallback>
       </mc:AlternateContent>
-      <mc:AlternateContent xmlns:mc="http://schemas.openxmlformats.org/markup-compatibility/2006">
-        <mc:Choice xmlns:a14="http://schemas.microsoft.com/office/drawing/2010/main" Requires="a14">
+      <mc:AlternateContent xmlns:mc="http://schemas.openxmlformats.org/markup-compatibility/2006" xmlns:a14="http://schemas.microsoft.com/office/drawing/2010/main">
+        <mc:Choice Requires="a14">
           <p:sp>
             <p:nvSpPr>
               <p:cNvPr id="88" name="矩形: 圆角 87"/>
@@ -30003,25 +29621,7 @@
                               </a:solidFill>
                               <a:latin typeface="Cambria Math" panose="02040503050406030204" pitchFamily="18" charset="0"/>
                             </a:rPr>
-                            <m:t>3</m:t>
-                          </m:r>
-                          <m:r>
-                            <a:rPr lang="en-US" altLang="zh-CN" sz="2000" b="0" i="1" smtClean="0">
-                              <a:solidFill>
-                                <a:schemeClr val="bg1"/>
-                              </a:solidFill>
-                              <a:latin typeface="Cambria Math" panose="02040503050406030204" pitchFamily="18" charset="0"/>
-                            </a:rPr>
-                            <m:t>,</m:t>
-                          </m:r>
-                          <m:r>
-                            <a:rPr lang="en-US" altLang="zh-CN" sz="2000" b="0" i="1" smtClean="0">
-                              <a:solidFill>
-                                <a:schemeClr val="bg1"/>
-                              </a:solidFill>
-                              <a:latin typeface="Cambria Math" panose="02040503050406030204" pitchFamily="18" charset="0"/>
-                            </a:rPr>
-                            <m:t>1</m:t>
+                            <m:t>3,1</m:t>
                           </m:r>
                         </m:sub>
                       </m:sSub>
@@ -30033,7 +29633,7 @@
             </p:txBody>
           </p:sp>
         </mc:Choice>
-        <mc:Fallback>
+        <mc:Fallback xmlns="">
           <p:sp>
             <p:nvSpPr>
               <p:cNvPr id="88" name="矩形: 圆角 87"/>
@@ -30051,7 +29651,7 @@
                 <a:avLst/>
               </a:prstGeom>
               <a:blipFill rotWithShape="1">
-                <a:blip r:embed="rId6"/>
+                <a:blip r:embed="rId8"/>
                 <a:stretch>
                   <a:fillRect l="-757" t="-1412" r="-719" b="-1335"/>
                 </a:stretch>
@@ -30595,6 +30195,7 @@
           <a:p>
             <a:fld id="{72A5E12F-523A-4D75-95A2-779F57F5D9E2}" type="slidenum">
               <a:rPr lang="zh-CN" altLang="en-US" smtClean="0"/>
+              <a:t>19</a:t>
             </a:fld>
             <a:endParaRPr lang="zh-CN" altLang="en-US"/>
           </a:p>
@@ -30619,7 +30220,6 @@
               <a:rPr lang="zh-CN" altLang="en-US" dirty="0"/>
               <a:t>消息同步：基于数组的实现</a:t>
             </a:r>
-            <a:endParaRPr lang="zh-CN" altLang="en-US" dirty="0"/>
           </a:p>
         </p:txBody>
       </p:sp>
@@ -30702,8 +30302,8 @@
           </a:p>
         </p:txBody>
       </p:sp>
-      <mc:AlternateContent xmlns:mc="http://schemas.openxmlformats.org/markup-compatibility/2006">
-        <mc:Choice xmlns:a14="http://schemas.microsoft.com/office/drawing/2010/main" Requires="a14">
+      <mc:AlternateContent xmlns:mc="http://schemas.openxmlformats.org/markup-compatibility/2006" xmlns:a14="http://schemas.microsoft.com/office/drawing/2010/main">
+        <mc:Choice Requires="a14">
           <p:sp>
             <p:nvSpPr>
               <p:cNvPr id="19" name="矩形: 圆角 18"/>
@@ -30776,25 +30376,7 @@
                               </a:solidFill>
                               <a:latin typeface="Cambria Math" panose="02040503050406030204" pitchFamily="18" charset="0"/>
                             </a:rPr>
-                            <m:t>3</m:t>
-                          </m:r>
-                          <m:r>
-                            <a:rPr lang="en-US" altLang="zh-CN" sz="2000" b="0" i="1" smtClean="0">
-                              <a:solidFill>
-                                <a:schemeClr val="bg1"/>
-                              </a:solidFill>
-                              <a:latin typeface="Cambria Math" panose="02040503050406030204" pitchFamily="18" charset="0"/>
-                            </a:rPr>
-                            <m:t>,</m:t>
-                          </m:r>
-                          <m:r>
-                            <a:rPr lang="en-US" altLang="zh-CN" sz="2000" b="0" i="1" smtClean="0">
-                              <a:solidFill>
-                                <a:schemeClr val="bg1"/>
-                              </a:solidFill>
-                              <a:latin typeface="Cambria Math" panose="02040503050406030204" pitchFamily="18" charset="0"/>
-                            </a:rPr>
-                            <m:t>0</m:t>
+                            <m:t>3,0</m:t>
                           </m:r>
                         </m:sub>
                       </m:sSub>
@@ -30806,7 +30388,7 @@
             </p:txBody>
           </p:sp>
         </mc:Choice>
-        <mc:Fallback>
+        <mc:Fallback xmlns="">
           <p:sp>
             <p:nvSpPr>
               <p:cNvPr id="19" name="矩形: 圆角 18"/>
@@ -30824,7 +30406,7 @@
                 <a:avLst/>
               </a:prstGeom>
               <a:blipFill rotWithShape="1">
-                <a:blip r:embed="rId1"/>
+                <a:blip r:embed="rId3"/>
                 <a:stretch>
                   <a:fillRect l="-237" t="-1276" r="-219" b="-1098"/>
                 </a:stretch>
@@ -30861,8 +30443,8 @@
           </p:sp>
         </mc:Fallback>
       </mc:AlternateContent>
-      <mc:AlternateContent xmlns:mc="http://schemas.openxmlformats.org/markup-compatibility/2006">
-        <mc:Choice xmlns:a14="http://schemas.microsoft.com/office/drawing/2010/main" Requires="a14">
+      <mc:AlternateContent xmlns:mc="http://schemas.openxmlformats.org/markup-compatibility/2006" xmlns:a14="http://schemas.microsoft.com/office/drawing/2010/main">
+        <mc:Choice Requires="a14">
           <p:sp>
             <p:nvSpPr>
               <p:cNvPr id="20" name="矩形: 圆角 19"/>
@@ -30948,25 +30530,7 @@
                             </a:solidFill>
                             <a:latin typeface="Cambria Math" panose="02040503050406030204" pitchFamily="18" charset="0"/>
                           </a:rPr>
-                          <m:t>2</m:t>
-                        </m:r>
-                        <m:r>
-                          <a:rPr lang="en-US" altLang="zh-CN" sz="2000" b="0" i="1" smtClean="0">
-                            <a:solidFill>
-                              <a:schemeClr val="bg1"/>
-                            </a:solidFill>
-                            <a:latin typeface="Cambria Math" panose="02040503050406030204" pitchFamily="18" charset="0"/>
-                          </a:rPr>
-                          <m:t>,</m:t>
-                        </m:r>
-                        <m:r>
-                          <a:rPr lang="en-US" altLang="zh-CN" sz="2000" b="0" i="1" smtClean="0">
-                            <a:solidFill>
-                              <a:schemeClr val="bg1"/>
-                            </a:solidFill>
-                            <a:latin typeface="Cambria Math" panose="02040503050406030204" pitchFamily="18" charset="0"/>
-                          </a:rPr>
-                          <m:t>1</m:t>
+                          <m:t>2,1</m:t>
                         </m:r>
                       </m:sub>
                     </m:sSub>
@@ -31018,16 +30582,7 @@
                             </a:solidFill>
                             <a:latin typeface="Cambria Math" panose="02040503050406030204" pitchFamily="18" charset="0"/>
                           </a:rPr>
-                          <m:t>,</m:t>
-                        </m:r>
-                        <m:r>
-                          <a:rPr lang="en-US" altLang="zh-CN" sz="2000" i="1">
-                            <a:solidFill>
-                              <a:schemeClr val="bg1"/>
-                            </a:solidFill>
-                            <a:latin typeface="Cambria Math" panose="02040503050406030204" pitchFamily="18" charset="0"/>
-                          </a:rPr>
-                          <m:t>1</m:t>
+                          <m:t>,1</m:t>
                         </m:r>
                       </m:sub>
                     </m:sSub>
@@ -31047,7 +30602,7 @@
             </p:txBody>
           </p:sp>
         </mc:Choice>
-        <mc:Fallback>
+        <mc:Fallback xmlns="">
           <p:sp>
             <p:nvSpPr>
               <p:cNvPr id="20" name="矩形: 圆角 19"/>
@@ -31065,7 +30620,7 @@
                 <a:avLst/>
               </a:prstGeom>
               <a:blipFill rotWithShape="1">
-                <a:blip r:embed="rId2"/>
+                <a:blip r:embed="rId4"/>
                 <a:stretch>
                   <a:fillRect l="-229" t="-1203" r="-205" b="-1170"/>
                 </a:stretch>
@@ -31154,8 +30709,8 @@
           </a:p>
         </p:txBody>
       </p:sp>
-      <mc:AlternateContent xmlns:mc="http://schemas.openxmlformats.org/markup-compatibility/2006">
-        <mc:Choice xmlns:a14="http://schemas.microsoft.com/office/drawing/2010/main" Requires="a14">
+      <mc:AlternateContent xmlns:mc="http://schemas.openxmlformats.org/markup-compatibility/2006" xmlns:a14="http://schemas.microsoft.com/office/drawing/2010/main">
+        <mc:Choice Requires="a14">
           <p:sp>
             <p:nvSpPr>
               <p:cNvPr id="28" name="文本框 27"/>
@@ -31178,6 +30733,7 @@
               </a:bodyPr>
               <a:lstStyle/>
               <a:p>
+                <a:pPr/>
                 <a14:m>
                   <m:oMathPara xmlns:m="http://schemas.openxmlformats.org/officeDocument/2006/math">
                     <m:oMathParaPr>
@@ -31230,7 +30786,7 @@
             </p:txBody>
           </p:sp>
         </mc:Choice>
-        <mc:Fallback>
+        <mc:Fallback xmlns="">
           <p:sp>
             <p:nvSpPr>
               <p:cNvPr id="28" name="文本框 27"/>
@@ -31248,7 +30804,7 @@
                 <a:avLst/>
               </a:prstGeom>
               <a:blipFill rotWithShape="1">
-                <a:blip r:embed="rId3"/>
+                <a:blip r:embed="rId5"/>
                 <a:stretch>
                   <a:fillRect l="-61" t="-74" r="4" b="9"/>
                 </a:stretch>
@@ -31269,8 +30825,8 @@
           </p:sp>
         </mc:Fallback>
       </mc:AlternateContent>
-      <mc:AlternateContent xmlns:mc="http://schemas.openxmlformats.org/markup-compatibility/2006">
-        <mc:Choice xmlns:a14="http://schemas.microsoft.com/office/drawing/2010/main" Requires="a14">
+      <mc:AlternateContent xmlns:mc="http://schemas.openxmlformats.org/markup-compatibility/2006" xmlns:a14="http://schemas.microsoft.com/office/drawing/2010/main">
+        <mc:Choice Requires="a14">
           <p:sp>
             <p:nvSpPr>
               <p:cNvPr id="29" name="文本框 28"/>
@@ -31293,6 +30849,7 @@
               </a:bodyPr>
               <a:lstStyle/>
               <a:p>
+                <a:pPr/>
                 <a14:m>
                   <m:oMathPara xmlns:m="http://schemas.openxmlformats.org/officeDocument/2006/math">
                     <m:oMathParaPr>
@@ -31345,7 +30902,7 @@
             </p:txBody>
           </p:sp>
         </mc:Choice>
-        <mc:Fallback>
+        <mc:Fallback xmlns="">
           <p:sp>
             <p:nvSpPr>
               <p:cNvPr id="29" name="文本框 28"/>
@@ -31363,7 +30920,7 @@
                 <a:avLst/>
               </a:prstGeom>
               <a:blipFill rotWithShape="1">
-                <a:blip r:embed="rId4"/>
+                <a:blip r:embed="rId6"/>
                 <a:stretch>
                   <a:fillRect l="-114" t="-80" r="57" b="15"/>
                 </a:stretch>
@@ -31384,8 +30941,8 @@
           </p:sp>
         </mc:Fallback>
       </mc:AlternateContent>
-      <mc:AlternateContent xmlns:mc="http://schemas.openxmlformats.org/markup-compatibility/2006">
-        <mc:Choice xmlns:a14="http://schemas.microsoft.com/office/drawing/2010/main" Requires="a14">
+      <mc:AlternateContent xmlns:mc="http://schemas.openxmlformats.org/markup-compatibility/2006" xmlns:a14="http://schemas.microsoft.com/office/drawing/2010/main">
+        <mc:Choice Requires="a14">
           <p:sp>
             <p:nvSpPr>
               <p:cNvPr id="30" name="文本框 29"/>
@@ -31408,6 +30965,7 @@
               </a:bodyPr>
               <a:lstStyle/>
               <a:p>
+                <a:pPr/>
                 <a14:m>
                   <m:oMathPara xmlns:m="http://schemas.openxmlformats.org/officeDocument/2006/math">
                     <m:oMathParaPr>
@@ -31460,7 +31018,7 @@
             </p:txBody>
           </p:sp>
         </mc:Choice>
-        <mc:Fallback>
+        <mc:Fallback xmlns="">
           <p:sp>
             <p:nvSpPr>
               <p:cNvPr id="30" name="文本框 29"/>
@@ -31478,7 +31036,7 @@
                 <a:avLst/>
               </a:prstGeom>
               <a:blipFill rotWithShape="1">
-                <a:blip r:embed="rId5"/>
+                <a:blip r:embed="rId7"/>
                 <a:stretch>
                   <a:fillRect l="-114" t="-127" r="57" b="63"/>
                 </a:stretch>
@@ -31499,8 +31057,8 @@
           </p:sp>
         </mc:Fallback>
       </mc:AlternateContent>
-      <mc:AlternateContent xmlns:mc="http://schemas.openxmlformats.org/markup-compatibility/2006">
-        <mc:Choice xmlns:a14="http://schemas.microsoft.com/office/drawing/2010/main" Requires="a14">
+      <mc:AlternateContent xmlns:mc="http://schemas.openxmlformats.org/markup-compatibility/2006" xmlns:a14="http://schemas.microsoft.com/office/drawing/2010/main">
+        <mc:Choice Requires="a14">
           <p:sp>
             <p:nvSpPr>
               <p:cNvPr id="31" name="文本框 30"/>
@@ -31523,6 +31081,7 @@
               </a:bodyPr>
               <a:lstStyle/>
               <a:p>
+                <a:pPr/>
                 <a14:m>
                   <m:oMathPara xmlns:m="http://schemas.openxmlformats.org/officeDocument/2006/math">
                     <m:oMathParaPr>
@@ -31575,7 +31134,7 @@
             </p:txBody>
           </p:sp>
         </mc:Choice>
-        <mc:Fallback>
+        <mc:Fallback xmlns="">
           <p:sp>
             <p:nvSpPr>
               <p:cNvPr id="31" name="文本框 30"/>
@@ -31593,7 +31152,7 @@
                 <a:avLst/>
               </a:prstGeom>
               <a:blipFill rotWithShape="1">
-                <a:blip r:embed="rId6"/>
+                <a:blip r:embed="rId8"/>
                 <a:stretch>
                   <a:fillRect l="-114" t="-28" r="57" b="135"/>
                 </a:stretch>
@@ -31917,7 +31476,6 @@
               <a:rPr lang="en-US" altLang="zh-CN" dirty="0"/>
               <a:t>2</a:t>
             </a:r>
-            <a:endParaRPr lang="en-US" altLang="zh-CN" dirty="0"/>
           </a:p>
         </p:txBody>
       </p:sp>
@@ -32064,7 +31622,6 @@
               <a:rPr lang="en-US" altLang="zh-CN" dirty="0"/>
               <a:t>1</a:t>
             </a:r>
-            <a:endParaRPr lang="en-US" altLang="zh-CN" dirty="0"/>
           </a:p>
         </p:txBody>
       </p:sp>
@@ -32234,8 +31791,8 @@
           </a:fontRef>
         </p:style>
       </p:cxnSp>
-      <mc:AlternateContent xmlns:mc="http://schemas.openxmlformats.org/markup-compatibility/2006">
-        <mc:Choice xmlns:a14="http://schemas.microsoft.com/office/drawing/2010/main" Requires="a14">
+      <mc:AlternateContent xmlns:mc="http://schemas.openxmlformats.org/markup-compatibility/2006" xmlns:a14="http://schemas.microsoft.com/office/drawing/2010/main">
+        <mc:Choice Requires="a14">
           <p:sp>
             <p:nvSpPr>
               <p:cNvPr id="57" name="文本框 56"/>
@@ -32258,6 +31815,7 @@
               </a:bodyPr>
               <a:lstStyle/>
               <a:p>
+                <a:pPr/>
                 <a14:m>
                   <m:oMathPara xmlns:m="http://schemas.openxmlformats.org/officeDocument/2006/math">
                     <m:oMathParaPr>
@@ -32294,25 +31852,7 @@
                               </a:solidFill>
                               <a:latin typeface="Cambria Math" panose="02040503050406030204" pitchFamily="18" charset="0"/>
                             </a:rPr>
-                            <m:t>2</m:t>
-                          </m:r>
-                          <m:r>
-                            <a:rPr lang="en-US" altLang="zh-CN" sz="1800" b="0" i="1" smtClean="0">
-                              <a:solidFill>
-                                <a:srgbClr val="FF0000"/>
-                              </a:solidFill>
-                              <a:latin typeface="Cambria Math" panose="02040503050406030204" pitchFamily="18" charset="0"/>
-                            </a:rPr>
-                            <m:t>,</m:t>
-                          </m:r>
-                          <m:r>
-                            <a:rPr lang="en-US" altLang="zh-CN" sz="1800" b="0" i="1" smtClean="0">
-                              <a:solidFill>
-                                <a:srgbClr val="FF0000"/>
-                              </a:solidFill>
-                              <a:latin typeface="Cambria Math" panose="02040503050406030204" pitchFamily="18" charset="0"/>
-                            </a:rPr>
-                            <m:t>1</m:t>
+                            <m:t>2,1</m:t>
                           </m:r>
                         </m:sub>
                       </m:sSub>
@@ -32324,7 +31864,7 @@
             </p:txBody>
           </p:sp>
         </mc:Choice>
-        <mc:Fallback>
+        <mc:Fallback xmlns="">
           <p:sp>
             <p:nvSpPr>
               <p:cNvPr id="57" name="文本框 56"/>
@@ -32342,7 +31882,7 @@
                 <a:avLst/>
               </a:prstGeom>
               <a:blipFill rotWithShape="1">
-                <a:blip r:embed="rId7"/>
+                <a:blip r:embed="rId9"/>
                 <a:stretch>
                   <a:fillRect l="-40" t="-113" r="25" b="82"/>
                 </a:stretch>
@@ -32363,8 +31903,8 @@
           </p:sp>
         </mc:Fallback>
       </mc:AlternateContent>
-      <mc:AlternateContent xmlns:mc="http://schemas.openxmlformats.org/markup-compatibility/2006">
-        <mc:Choice xmlns:a14="http://schemas.microsoft.com/office/drawing/2010/main" Requires="a14">
+      <mc:AlternateContent xmlns:mc="http://schemas.openxmlformats.org/markup-compatibility/2006" xmlns:a14="http://schemas.microsoft.com/office/drawing/2010/main">
+        <mc:Choice Requires="a14">
           <p:sp>
             <p:nvSpPr>
               <p:cNvPr id="58" name="文本框 57"/>
@@ -32387,6 +31927,7 @@
               </a:bodyPr>
               <a:lstStyle/>
               <a:p>
+                <a:pPr/>
                 <a14:m>
                   <m:oMathPara xmlns:m="http://schemas.openxmlformats.org/officeDocument/2006/math">
                     <m:oMathParaPr>
@@ -32423,25 +31964,7 @@
                               </a:solidFill>
                               <a:latin typeface="Cambria Math" panose="02040503050406030204" pitchFamily="18" charset="0"/>
                             </a:rPr>
-                            <m:t>3</m:t>
-                          </m:r>
-                          <m:r>
-                            <a:rPr lang="en-US" altLang="zh-CN" sz="1800" b="0" i="1" smtClean="0">
-                              <a:solidFill>
-                                <a:srgbClr val="FF0000"/>
-                              </a:solidFill>
-                              <a:latin typeface="Cambria Math" panose="02040503050406030204" pitchFamily="18" charset="0"/>
-                            </a:rPr>
-                            <m:t>,</m:t>
-                          </m:r>
-                          <m:r>
-                            <a:rPr lang="en-US" altLang="zh-CN" sz="1800" b="0" i="1" smtClean="0">
-                              <a:solidFill>
-                                <a:srgbClr val="FF0000"/>
-                              </a:solidFill>
-                              <a:latin typeface="Cambria Math" panose="02040503050406030204" pitchFamily="18" charset="0"/>
-                            </a:rPr>
-                            <m:t>1</m:t>
+                            <m:t>3,1</m:t>
                           </m:r>
                         </m:sub>
                       </m:sSub>
@@ -32453,7 +31976,7 @@
             </p:txBody>
           </p:sp>
         </mc:Choice>
-        <mc:Fallback>
+        <mc:Fallback xmlns="">
           <p:sp>
             <p:nvSpPr>
               <p:cNvPr id="58" name="文本框 57"/>
@@ -32471,7 +31994,7 @@
                 <a:avLst/>
               </a:prstGeom>
               <a:blipFill rotWithShape="1">
-                <a:blip r:embed="rId8"/>
+                <a:blip r:embed="rId10"/>
                 <a:stretch>
                   <a:fillRect l="-40" t="-69" r="25" b="37"/>
                 </a:stretch>
@@ -32529,8 +32052,8 @@
           </a:fontRef>
         </p:style>
       </p:cxnSp>
-      <mc:AlternateContent xmlns:mc="http://schemas.openxmlformats.org/markup-compatibility/2006">
-        <mc:Choice xmlns:a14="http://schemas.microsoft.com/office/drawing/2010/main" Requires="a14">
+      <mc:AlternateContent xmlns:mc="http://schemas.openxmlformats.org/markup-compatibility/2006" xmlns:a14="http://schemas.microsoft.com/office/drawing/2010/main">
+        <mc:Choice Requires="a14">
           <p:sp>
             <p:nvSpPr>
               <p:cNvPr id="60" name="文本框 59"/>
@@ -32553,6 +32076,7 @@
               </a:bodyPr>
               <a:lstStyle/>
               <a:p>
+                <a:pPr/>
                 <a14:m>
                   <m:oMathPara xmlns:m="http://schemas.openxmlformats.org/officeDocument/2006/math">
                     <m:oMathParaPr>
@@ -32589,25 +32113,7 @@
                               </a:solidFill>
                               <a:latin typeface="Cambria Math" panose="02040503050406030204" pitchFamily="18" charset="0"/>
                             </a:rPr>
-                            <m:t>3</m:t>
-                          </m:r>
-                          <m:r>
-                            <a:rPr lang="en-US" altLang="zh-CN" sz="1800" b="0" i="1" smtClean="0">
-                              <a:solidFill>
-                                <a:srgbClr val="FF0000"/>
-                              </a:solidFill>
-                              <a:latin typeface="Cambria Math" panose="02040503050406030204" pitchFamily="18" charset="0"/>
-                            </a:rPr>
-                            <m:t>,</m:t>
-                          </m:r>
-                          <m:r>
-                            <a:rPr lang="en-US" altLang="zh-CN" sz="1800" b="0" i="1" smtClean="0">
-                              <a:solidFill>
-                                <a:srgbClr val="FF0000"/>
-                              </a:solidFill>
-                              <a:latin typeface="Cambria Math" panose="02040503050406030204" pitchFamily="18" charset="0"/>
-                            </a:rPr>
-                            <m:t>0</m:t>
+                            <m:t>3,0</m:t>
                           </m:r>
                         </m:sub>
                       </m:sSub>
@@ -32619,7 +32125,7 @@
             </p:txBody>
           </p:sp>
         </mc:Choice>
-        <mc:Fallback>
+        <mc:Fallback xmlns="">
           <p:sp>
             <p:nvSpPr>
               <p:cNvPr id="60" name="文本框 59"/>
@@ -32637,7 +32143,7 @@
                 <a:avLst/>
               </a:prstGeom>
               <a:blipFill rotWithShape="1">
-                <a:blip r:embed="rId9"/>
+                <a:blip r:embed="rId11"/>
                 <a:stretch>
                   <a:fillRect l="-25" t="-166" r="11" b="134"/>
                 </a:stretch>
@@ -32826,7 +32332,9 @@
                   <a:noAutofit/>
                 </a:bodyPr>
                 <a:lstStyle/>
-                <a:p/>
+                <a:p>
+                  <a:endParaRPr/>
+                </a:p>
               </p:txBody>
             </p:sp>
             <p:sp>
@@ -32891,7 +32399,9 @@
                   <a:noAutofit/>
                 </a:bodyPr>
                 <a:lstStyle/>
-                <a:p/>
+                <a:p>
+                  <a:endParaRPr/>
+                </a:p>
               </p:txBody>
             </p:sp>
           </p:grpSp>
@@ -32973,7 +32483,9 @@
                   <a:noAutofit/>
                 </a:bodyPr>
                 <a:lstStyle/>
-                <a:p/>
+                <a:p>
+                  <a:endParaRPr/>
+                </a:p>
               </p:txBody>
             </p:sp>
             <p:sp>
@@ -33038,7 +32550,9 @@
                   <a:noAutofit/>
                 </a:bodyPr>
                 <a:lstStyle/>
-                <a:p/>
+                <a:p>
+                  <a:endParaRPr/>
+                </a:p>
               </p:txBody>
             </p:sp>
           </p:grpSp>
@@ -33110,14 +32624,6 @@
                   </a:rPr>
                   <a:t>景</a:t>
                 </a:r>
-                <a:endParaRPr lang="zh-CN" altLang="en-US" sz="2800" b="1">
-                  <a:solidFill>
-                    <a:srgbClr val="384331"/>
-                  </a:solidFill>
-                  <a:latin typeface="微软雅黑" panose="020B0503020204020204" pitchFamily="34" charset="-122"/>
-                  <a:ea typeface="微软雅黑" panose="020B0503020204020204" pitchFamily="34" charset="-122"/>
-                  <a:cs typeface="+mn-ea"/>
-                </a:endParaRPr>
               </a:p>
             </p:txBody>
           </p:sp>
@@ -34429,7 +33935,6 @@
               <a:rPr lang="zh-CN" altLang="en-US"/>
               <a:t>提纲</a:t>
             </a:r>
-            <a:endParaRPr lang="zh-CN" altLang="en-US"/>
           </a:p>
         </p:txBody>
       </p:sp>
@@ -34475,6 +33980,7 @@
           <a:p>
             <a:fld id="{72A5E12F-523A-4D75-95A2-779F57F5D9E2}" type="slidenum">
               <a:rPr lang="zh-CN" altLang="en-US" smtClean="0"/>
+              <a:t>20</a:t>
             </a:fld>
             <a:endParaRPr lang="zh-CN" altLang="en-US"/>
           </a:p>
@@ -34503,7 +34009,6 @@
               <a:rPr lang="zh-CN" altLang="en-US" dirty="0"/>
               <a:t>设计：流水线架构</a:t>
             </a:r>
-            <a:endParaRPr lang="zh-CN" altLang="en-US" dirty="0"/>
           </a:p>
         </p:txBody>
       </p:sp>
@@ -34516,7 +34021,7 @@
           <p:nvPr/>
         </p:nvPicPr>
         <p:blipFill>
-          <a:blip r:embed="rId1"/>
+          <a:blip r:embed="rId3"/>
           <a:stretch>
             <a:fillRect/>
           </a:stretch>
@@ -34698,10 +34203,6 @@
               </a:rPr>
               <a:t>1</a:t>
             </a:r>
-            <a:endParaRPr lang="en-US" altLang="zh-CN" dirty="0">
-              <a:latin typeface="微软雅黑" panose="020B0503020204020204" pitchFamily="34" charset="-122"/>
-              <a:ea typeface="微软雅黑" panose="020B0503020204020204" pitchFamily="34" charset="-122"/>
-            </a:endParaRPr>
           </a:p>
         </p:txBody>
       </p:sp>
@@ -34764,10 +34265,6 @@
               </a:rPr>
               <a:t>1</a:t>
             </a:r>
-            <a:endParaRPr lang="en-US" altLang="zh-CN" dirty="0">
-              <a:latin typeface="微软雅黑" panose="020B0503020204020204" pitchFamily="34" charset="-122"/>
-              <a:ea typeface="微软雅黑" panose="020B0503020204020204" pitchFamily="34" charset="-122"/>
-            </a:endParaRPr>
           </a:p>
         </p:txBody>
       </p:sp>
@@ -34829,10 +34326,6 @@
               </a:rPr>
               <a:t>1</a:t>
             </a:r>
-            <a:endParaRPr lang="en-US" altLang="zh-CN" dirty="0">
-              <a:latin typeface="微软雅黑" panose="020B0503020204020204" pitchFamily="34" charset="-122"/>
-              <a:ea typeface="微软雅黑" panose="020B0503020204020204" pitchFamily="34" charset="-122"/>
-            </a:endParaRPr>
           </a:p>
         </p:txBody>
       </p:sp>
@@ -34892,10 +34385,6 @@
               </a:rPr>
               <a:t>2</a:t>
             </a:r>
-            <a:endParaRPr lang="en-US" altLang="zh-CN" dirty="0">
-              <a:latin typeface="微软雅黑" panose="020B0503020204020204" pitchFamily="34" charset="-122"/>
-              <a:ea typeface="微软雅黑" panose="020B0503020204020204" pitchFamily="34" charset="-122"/>
-            </a:endParaRPr>
           </a:p>
         </p:txBody>
       </p:sp>
@@ -34955,10 +34444,6 @@
               </a:rPr>
               <a:t>3</a:t>
             </a:r>
-            <a:endParaRPr lang="en-US" altLang="zh-CN" dirty="0">
-              <a:latin typeface="微软雅黑" panose="020B0503020204020204" pitchFamily="34" charset="-122"/>
-              <a:ea typeface="微软雅黑" panose="020B0503020204020204" pitchFamily="34" charset="-122"/>
-            </a:endParaRPr>
           </a:p>
         </p:txBody>
       </p:sp>
@@ -35021,10 +34506,6 @@
               </a:rPr>
               <a:t>1</a:t>
             </a:r>
-            <a:endParaRPr lang="en-US" altLang="zh-CN" dirty="0">
-              <a:latin typeface="微软雅黑" panose="020B0503020204020204" pitchFamily="34" charset="-122"/>
-              <a:ea typeface="微软雅黑" panose="020B0503020204020204" pitchFamily="34" charset="-122"/>
-            </a:endParaRPr>
           </a:p>
         </p:txBody>
       </p:sp>
@@ -35087,10 +34568,6 @@
               </a:rPr>
               <a:t>2</a:t>
             </a:r>
-            <a:endParaRPr lang="en-US" altLang="zh-CN" dirty="0">
-              <a:latin typeface="微软雅黑" panose="020B0503020204020204" pitchFamily="34" charset="-122"/>
-              <a:ea typeface="微软雅黑" panose="020B0503020204020204" pitchFamily="34" charset="-122"/>
-            </a:endParaRPr>
           </a:p>
         </p:txBody>
       </p:sp>
@@ -35153,10 +34630,6 @@
               </a:rPr>
               <a:t>2</a:t>
             </a:r>
-            <a:endParaRPr lang="en-US" altLang="zh-CN" dirty="0">
-              <a:latin typeface="微软雅黑" panose="020B0503020204020204" pitchFamily="34" charset="-122"/>
-              <a:ea typeface="微软雅黑" panose="020B0503020204020204" pitchFamily="34" charset="-122"/>
-            </a:endParaRPr>
           </a:p>
         </p:txBody>
       </p:sp>
@@ -35219,10 +34692,6 @@
               </a:rPr>
               <a:t>3</a:t>
             </a:r>
-            <a:endParaRPr lang="en-US" altLang="zh-CN" dirty="0">
-              <a:latin typeface="微软雅黑" panose="020B0503020204020204" pitchFamily="34" charset="-122"/>
-              <a:ea typeface="微软雅黑" panose="020B0503020204020204" pitchFamily="34" charset="-122"/>
-            </a:endParaRPr>
           </a:p>
         </p:txBody>
       </p:sp>
@@ -35285,10 +34754,6 @@
               </a:rPr>
               <a:t>3</a:t>
             </a:r>
-            <a:endParaRPr lang="en-US" altLang="zh-CN" dirty="0">
-              <a:latin typeface="微软雅黑" panose="020B0503020204020204" pitchFamily="34" charset="-122"/>
-              <a:ea typeface="微软雅黑" panose="020B0503020204020204" pitchFamily="34" charset="-122"/>
-            </a:endParaRPr>
           </a:p>
         </p:txBody>
       </p:sp>
@@ -35348,10 +34813,6 @@
               </a:rPr>
               <a:t>4</a:t>
             </a:r>
-            <a:endParaRPr lang="en-US" altLang="zh-CN" dirty="0">
-              <a:latin typeface="微软雅黑" panose="020B0503020204020204" pitchFamily="34" charset="-122"/>
-              <a:ea typeface="微软雅黑" panose="020B0503020204020204" pitchFamily="34" charset="-122"/>
-            </a:endParaRPr>
           </a:p>
         </p:txBody>
       </p:sp>
@@ -35413,10 +34874,6 @@
               </a:rPr>
               <a:t>2</a:t>
             </a:r>
-            <a:endParaRPr lang="en-US" altLang="zh-CN" dirty="0">
-              <a:latin typeface="微软雅黑" panose="020B0503020204020204" pitchFamily="34" charset="-122"/>
-              <a:ea typeface="微软雅黑" panose="020B0503020204020204" pitchFamily="34" charset="-122"/>
-            </a:endParaRPr>
           </a:p>
         </p:txBody>
       </p:sp>
@@ -35479,10 +34936,6 @@
               </a:rPr>
               <a:t>4</a:t>
             </a:r>
-            <a:endParaRPr lang="en-US" altLang="zh-CN" dirty="0">
-              <a:latin typeface="微软雅黑" panose="020B0503020204020204" pitchFamily="34" charset="-122"/>
-              <a:ea typeface="微软雅黑" panose="020B0503020204020204" pitchFamily="34" charset="-122"/>
-            </a:endParaRPr>
           </a:p>
         </p:txBody>
       </p:sp>
@@ -35544,10 +34997,6 @@
               </a:rPr>
               <a:t>3</a:t>
             </a:r>
-            <a:endParaRPr lang="en-US" altLang="zh-CN" dirty="0">
-              <a:latin typeface="微软雅黑" panose="020B0503020204020204" pitchFamily="34" charset="-122"/>
-              <a:ea typeface="微软雅黑" panose="020B0503020204020204" pitchFamily="34" charset="-122"/>
-            </a:endParaRPr>
           </a:p>
         </p:txBody>
       </p:sp>
@@ -35607,10 +35056,6 @@
               </a:rPr>
               <a:t>5</a:t>
             </a:r>
-            <a:endParaRPr lang="en-US" altLang="zh-CN" dirty="0">
-              <a:latin typeface="微软雅黑" panose="020B0503020204020204" pitchFamily="34" charset="-122"/>
-              <a:ea typeface="微软雅黑" panose="020B0503020204020204" pitchFamily="34" charset="-122"/>
-            </a:endParaRPr>
           </a:p>
         </p:txBody>
       </p:sp>
@@ -36152,17 +35597,6 @@
                   </a:rPr>
                   <a:t>景</a:t>
                 </a:r>
-                <a:endParaRPr lang="zh-CN" altLang="en-US" sz="2800" b="1">
-                  <a:solidFill>
-                    <a:schemeClr val="tx1">
-                      <a:lumMod val="50000"/>
-                      <a:lumOff val="50000"/>
-                    </a:schemeClr>
-                  </a:solidFill>
-                  <a:latin typeface="微软雅黑" panose="020B0503020204020204" pitchFamily="34" charset="-122"/>
-                  <a:ea typeface="微软雅黑" panose="020B0503020204020204" pitchFamily="34" charset="-122"/>
-                  <a:cs typeface="+mn-ea"/>
-                </a:endParaRPr>
               </a:p>
             </p:txBody>
           </p:sp>
@@ -37117,7 +36551,9 @@
                   <a:noAutofit/>
                 </a:bodyPr>
                 <a:lstStyle/>
-                <a:p/>
+                <a:p>
+                  <a:endParaRPr/>
+                </a:p>
               </p:txBody>
             </p:sp>
             <p:sp>
@@ -37182,7 +36618,9 @@
                   <a:noAutofit/>
                 </a:bodyPr>
                 <a:lstStyle/>
-                <a:p/>
+                <a:p>
+                  <a:endParaRPr/>
+                </a:p>
               </p:txBody>
             </p:sp>
           </p:grpSp>
@@ -37264,7 +36702,9 @@
                   <a:noAutofit/>
                 </a:bodyPr>
                 <a:lstStyle/>
-                <a:p/>
+                <a:p>
+                  <a:endParaRPr/>
+                </a:p>
               </p:txBody>
             </p:sp>
             <p:sp>
@@ -37329,7 +36769,9 @@
                   <a:noAutofit/>
                 </a:bodyPr>
                 <a:lstStyle/>
-                <a:p/>
+                <a:p>
+                  <a:endParaRPr/>
+                </a:p>
               </p:txBody>
             </p:sp>
           </p:grpSp>
@@ -37422,7 +36864,6 @@
               <a:rPr lang="zh-CN" altLang="en-US"/>
               <a:t>提纲</a:t>
             </a:r>
-            <a:endParaRPr lang="zh-CN" altLang="en-US"/>
           </a:p>
         </p:txBody>
       </p:sp>
@@ -37468,6 +36909,7 @@
           <a:p>
             <a:fld id="{72A5E12F-523A-4D75-95A2-779F57F5D9E2}" type="slidenum">
               <a:rPr lang="zh-CN" altLang="en-US" smtClean="0"/>
+              <a:t>22</a:t>
             </a:fld>
             <a:endParaRPr lang="zh-CN" altLang="en-US"/>
           </a:p>
@@ -37492,7 +36934,6 @@
               <a:rPr lang="zh-CN" altLang="en-US" dirty="0"/>
               <a:t>资源调度优化</a:t>
             </a:r>
-            <a:endParaRPr lang="zh-CN" altLang="en-US" dirty="0"/>
           </a:p>
         </p:txBody>
       </p:sp>
@@ -37552,10 +36993,6 @@
               </a:rPr>
               <a:t>t-2</a:t>
             </a:r>
-            <a:endParaRPr lang="en-US" altLang="zh-CN" sz="2000" dirty="0">
-              <a:latin typeface="微软雅黑" panose="020B0503020204020204" pitchFamily="34" charset="-122"/>
-              <a:ea typeface="微软雅黑" panose="020B0503020204020204" pitchFamily="34" charset="-122"/>
-            </a:endParaRPr>
           </a:p>
         </p:txBody>
       </p:sp>
@@ -37649,10 +37086,6 @@
               </a:rPr>
               <a:t>t-1</a:t>
             </a:r>
-            <a:endParaRPr lang="en-US" altLang="zh-CN" sz="2000" dirty="0">
-              <a:latin typeface="微软雅黑" panose="020B0503020204020204" pitchFamily="34" charset="-122"/>
-              <a:ea typeface="微软雅黑" panose="020B0503020204020204" pitchFamily="34" charset="-122"/>
-            </a:endParaRPr>
           </a:p>
         </p:txBody>
       </p:sp>
@@ -37714,10 +37147,6 @@
               </a:rPr>
               <a:t>t</a:t>
             </a:r>
-            <a:endParaRPr lang="en-US" altLang="zh-CN" sz="2000" dirty="0">
-              <a:latin typeface="微软雅黑" panose="020B0503020204020204" pitchFamily="34" charset="-122"/>
-              <a:ea typeface="微软雅黑" panose="020B0503020204020204" pitchFamily="34" charset="-122"/>
-            </a:endParaRPr>
           </a:p>
         </p:txBody>
       </p:sp>
@@ -37779,10 +37208,6 @@
               </a:rPr>
               <a:t>t+1</a:t>
             </a:r>
-            <a:endParaRPr lang="en-US" altLang="zh-CN" sz="2000" dirty="0">
-              <a:latin typeface="微软雅黑" panose="020B0503020204020204" pitchFamily="34" charset="-122"/>
-              <a:ea typeface="微软雅黑" panose="020B0503020204020204" pitchFamily="34" charset="-122"/>
-            </a:endParaRPr>
           </a:p>
         </p:txBody>
       </p:sp>
@@ -38057,7 +37482,7 @@
           <p:nvPr/>
         </p:nvPicPr>
         <p:blipFill>
-          <a:blip r:embed="rId1" cstate="print">
+          <a:blip r:embed="rId2" cstate="print">
             <a:extLst>
               <a:ext uri="{28A0092B-C50C-407E-A947-70E740481C1C}">
                 <a14:useLocalDpi xmlns:a14="http://schemas.microsoft.com/office/drawing/2010/main" val="0"/>
@@ -38134,10 +37559,6 @@
               </a:rPr>
               <a:t>Activated</a:t>
             </a:r>
-            <a:endParaRPr lang="en-US" altLang="zh-CN" sz="2000" dirty="0">
-              <a:latin typeface="微软雅黑" panose="020B0503020204020204" pitchFamily="34" charset="-122"/>
-              <a:ea typeface="微软雅黑" panose="020B0503020204020204" pitchFamily="34" charset="-122"/>
-            </a:endParaRPr>
           </a:p>
         </p:txBody>
       </p:sp>
@@ -38199,10 +37620,6 @@
               </a:rPr>
               <a:t>Pending</a:t>
             </a:r>
-            <a:endParaRPr lang="en-US" altLang="zh-CN" sz="2000" dirty="0">
-              <a:latin typeface="微软雅黑" panose="020B0503020204020204" pitchFamily="34" charset="-122"/>
-              <a:ea typeface="微软雅黑" panose="020B0503020204020204" pitchFamily="34" charset="-122"/>
-            </a:endParaRPr>
           </a:p>
         </p:txBody>
       </p:sp>
@@ -38253,10 +37670,6 @@
               </a:rPr>
               <a:t>以提升处理效率？</a:t>
             </a:r>
-            <a:endParaRPr lang="zh-CN" altLang="en-US" sz="2800" b="1" dirty="0">
-              <a:latin typeface="微软雅黑" panose="020B0503020204020204" pitchFamily="34" charset="-122"/>
-              <a:ea typeface="微软雅黑" panose="020B0503020204020204" pitchFamily="34" charset="-122"/>
-            </a:endParaRPr>
           </a:p>
         </p:txBody>
       </p:sp>
@@ -38302,6 +37715,7 @@
           <a:p>
             <a:fld id="{72A5E12F-523A-4D75-95A2-779F57F5D9E2}" type="slidenum">
               <a:rPr lang="zh-CN" altLang="en-US" smtClean="0"/>
+              <a:t>23</a:t>
             </a:fld>
             <a:endParaRPr lang="zh-CN" altLang="en-US"/>
           </a:p>
@@ -38334,7 +37748,6 @@
               <a:rPr lang="zh-CN" altLang="en-US" dirty="0"/>
               <a:t>问题定义</a:t>
             </a:r>
-            <a:endParaRPr lang="zh-CN" altLang="en-US" dirty="0"/>
           </a:p>
         </p:txBody>
       </p:sp>
@@ -38470,8 +37883,8 @@
           </a:p>
         </p:txBody>
       </p:sp>
-      <mc:AlternateContent xmlns:mc="http://schemas.openxmlformats.org/markup-compatibility/2006">
-        <mc:Choice xmlns:a14="http://schemas.microsoft.com/office/drawing/2010/main" Requires="a14">
+      <mc:AlternateContent xmlns:mc="http://schemas.openxmlformats.org/markup-compatibility/2006" xmlns:a14="http://schemas.microsoft.com/office/drawing/2010/main">
+        <mc:Choice Requires="a14">
           <p:sp>
             <p:nvSpPr>
               <p:cNvPr id="11" name="文本框 10"/>
@@ -38494,6 +37907,7 @@
               </a:bodyPr>
               <a:lstStyle/>
               <a:p>
+                <a:pPr/>
                 <a14:m>
                   <m:oMathPara xmlns:m="http://schemas.openxmlformats.org/officeDocument/2006/math">
                     <m:oMathParaPr>
@@ -38615,21 +38029,7 @@
                                       <a:latin typeface="Cambria Math" panose="02040503050406030204" pitchFamily="18" charset="0"/>
                                       <a:ea typeface="Cambria Math" panose="02040503050406030204" pitchFamily="18" charset="0"/>
                                     </a:rPr>
-                                    <m:t>∈[</m:t>
-                                  </m:r>
-                                  <m:r>
-                                    <a:rPr lang="en-US" altLang="zh-CN" sz="2800" b="0" i="1" smtClean="0">
-                                      <a:latin typeface="Cambria Math" panose="02040503050406030204" pitchFamily="18" charset="0"/>
-                                      <a:ea typeface="Cambria Math" panose="02040503050406030204" pitchFamily="18" charset="0"/>
-                                    </a:rPr>
-                                    <m:t>0</m:t>
-                                  </m:r>
-                                  <m:r>
-                                    <a:rPr lang="en-US" altLang="zh-CN" sz="2800" b="0" i="1" smtClean="0">
-                                      <a:latin typeface="Cambria Math" panose="02040503050406030204" pitchFamily="18" charset="0"/>
-                                      <a:ea typeface="Cambria Math" panose="02040503050406030204" pitchFamily="18" charset="0"/>
-                                    </a:rPr>
-                                    <m:t>,</m:t>
+                                    <m:t>∈[0,</m:t>
                                   </m:r>
                                   <m:r>
                                     <a:rPr lang="en-US" altLang="zh-CN" sz="2800" b="0" i="1" smtClean="0">
@@ -38792,6 +38192,7 @@
                 <a:endParaRPr lang="en-US" altLang="zh-CN" sz="2400" dirty="0"/>
               </a:p>
               <a:p>
+                <a:pPr/>
                 <a14:m>
                   <m:oMathPara xmlns:m="http://schemas.openxmlformats.org/officeDocument/2006/math">
                     <m:oMathParaPr>
@@ -39038,13 +38439,7 @@
                             <a:rPr lang="en-US" altLang="zh-CN" sz="2400" b="0" i="1" smtClean="0">
                               <a:latin typeface="Cambria Math" panose="02040503050406030204" pitchFamily="18" charset="0"/>
                             </a:rPr>
-                            <m:t>0</m:t>
-                          </m:r>
-                          <m:r>
-                            <a:rPr lang="en-US" altLang="zh-CN" sz="2400" b="0" i="1" smtClean="0">
-                              <a:latin typeface="Cambria Math" panose="02040503050406030204" pitchFamily="18" charset="0"/>
-                            </a:rPr>
-                            <m:t>,</m:t>
+                            <m:t>0,</m:t>
                           </m:r>
                           <m:r>
                             <a:rPr lang="en-US" altLang="zh-CN" sz="2400" b="0" i="1" smtClean="0">
@@ -39142,7 +38537,7 @@
             </p:txBody>
           </p:sp>
         </mc:Choice>
-        <mc:Fallback>
+        <mc:Fallback xmlns="">
           <p:sp>
             <p:nvSpPr>
               <p:cNvPr id="11" name="文本框 10"/>
@@ -39160,7 +38555,7 @@
                 <a:avLst/>
               </a:prstGeom>
               <a:blipFill rotWithShape="1">
-                <a:blip r:embed="rId1"/>
+                <a:blip r:embed="rId3"/>
                 <a:stretch>
                   <a:fillRect l="-5" t="-24" r="1" b="33"/>
                 </a:stretch>
@@ -39181,8 +38576,8 @@
           </p:sp>
         </mc:Fallback>
       </mc:AlternateContent>
-      <mc:AlternateContent xmlns:mc="http://schemas.openxmlformats.org/markup-compatibility/2006">
-        <mc:Choice xmlns:a14="http://schemas.microsoft.com/office/drawing/2010/main" Requires="a14">
+      <mc:AlternateContent xmlns:mc="http://schemas.openxmlformats.org/markup-compatibility/2006" xmlns:a14="http://schemas.microsoft.com/office/drawing/2010/main">
+        <mc:Choice Requires="a14">
           <p:sp>
             <p:nvSpPr>
               <p:cNvPr id="12" name="文本框 11"/>
@@ -39304,17 +38699,7 @@
                             <a:latin typeface="Cambria Math" panose="02040503050406030204" pitchFamily="18" charset="0"/>
                             <a:ea typeface="微软雅黑" panose="020B0503020204020204" pitchFamily="34" charset="-122"/>
                           </a:rPr>
-                          <m:t>−</m:t>
-                        </m:r>
-                        <m:r>
-                          <a:rPr lang="en-US" altLang="zh-CN" sz="2400" b="0" i="1" smtClean="0">
-                            <a:solidFill>
-                              <a:srgbClr val="FF0000"/>
-                            </a:solidFill>
-                            <a:latin typeface="Cambria Math" panose="02040503050406030204" pitchFamily="18" charset="0"/>
-                            <a:ea typeface="微软雅黑" panose="020B0503020204020204" pitchFamily="34" charset="-122"/>
-                          </a:rPr>
-                          <m:t>1</m:t>
+                          <m:t>−1</m:t>
                         </m:r>
                       </m:sub>
                     </m:sSub>
@@ -39510,7 +38895,7 @@
             </p:txBody>
           </p:sp>
         </mc:Choice>
-        <mc:Fallback>
+        <mc:Fallback xmlns="">
           <p:sp>
             <p:nvSpPr>
               <p:cNvPr id="12" name="文本框 11"/>
@@ -39528,7 +38913,7 @@
                 <a:avLst/>
               </a:prstGeom>
               <a:blipFill rotWithShape="1">
-                <a:blip r:embed="rId2"/>
+                <a:blip r:embed="rId4"/>
                 <a:stretch>
                   <a:fillRect t="-8" r="4" b="12"/>
                 </a:stretch>
@@ -39549,8 +38934,8 @@
           </p:sp>
         </mc:Fallback>
       </mc:AlternateContent>
-      <mc:AlternateContent xmlns:mc="http://schemas.openxmlformats.org/markup-compatibility/2006">
-        <mc:Choice xmlns:a14="http://schemas.microsoft.com/office/drawing/2010/main" Requires="a14">
+      <mc:AlternateContent xmlns:mc="http://schemas.openxmlformats.org/markup-compatibility/2006" xmlns:a14="http://schemas.microsoft.com/office/drawing/2010/main">
+        <mc:Choice Requires="a14">
           <p:sp>
             <p:nvSpPr>
               <p:cNvPr id="13" name="文本框 12"/>
@@ -39718,15 +39103,11 @@
                   </a:rPr>
                   <a:t>是子图线程数序列</a:t>
                 </a:r>
-                <a:endParaRPr lang="zh-CN" altLang="en-US" sz="2400" dirty="0">
-                  <a:latin typeface="微软雅黑" panose="020B0503020204020204" pitchFamily="34" charset="-122"/>
-                  <a:ea typeface="微软雅黑" panose="020B0503020204020204" pitchFamily="34" charset="-122"/>
-                </a:endParaRPr>
               </a:p>
             </p:txBody>
           </p:sp>
         </mc:Choice>
-        <mc:Fallback>
+        <mc:Fallback xmlns="">
           <p:sp>
             <p:nvSpPr>
               <p:cNvPr id="13" name="文本框 12"/>
@@ -39744,7 +39125,7 @@
                 <a:avLst/>
               </a:prstGeom>
               <a:blipFill rotWithShape="1">
-                <a:blip r:embed="rId3"/>
+                <a:blip r:embed="rId5"/>
                 <a:stretch>
                   <a:fillRect t="-15" r="4" b="-131"/>
                 </a:stretch>
@@ -39885,10 +39266,6 @@
               </a:rPr>
               <a:t>）</a:t>
             </a:r>
-            <a:endParaRPr lang="zh-CN" altLang="en-US" sz="2400" dirty="0">
-              <a:latin typeface="微软雅黑" panose="020B0503020204020204" pitchFamily="34" charset="-122"/>
-              <a:ea typeface="微软雅黑" panose="020B0503020204020204" pitchFamily="34" charset="-122"/>
-            </a:endParaRPr>
           </a:p>
         </p:txBody>
       </p:sp>
@@ -39934,6 +39311,7 @@
           <a:p>
             <a:fld id="{72A5E12F-523A-4D75-95A2-779F57F5D9E2}" type="slidenum">
               <a:rPr lang="zh-CN" altLang="en-US" smtClean="0"/>
+              <a:t>24</a:t>
             </a:fld>
             <a:endParaRPr lang="zh-CN" altLang="en-US"/>
           </a:p>
@@ -39958,7 +39336,6 @@
               <a:rPr lang="zh-CN" altLang="en-US" dirty="0"/>
               <a:t>资源调度优化：启发式策略</a:t>
             </a:r>
-            <a:endParaRPr lang="zh-CN" altLang="en-US" dirty="0"/>
           </a:p>
         </p:txBody>
       </p:sp>
@@ -40290,10 +39667,6 @@
               </a:rPr>
               <a:t>1</a:t>
             </a:r>
-            <a:endParaRPr lang="en-US" altLang="zh-CN" dirty="0">
-              <a:latin typeface="微软雅黑" panose="020B0503020204020204" pitchFamily="34" charset="-122"/>
-              <a:ea typeface="微软雅黑" panose="020B0503020204020204" pitchFamily="34" charset="-122"/>
-            </a:endParaRPr>
           </a:p>
         </p:txBody>
       </p:sp>
@@ -40355,10 +39728,6 @@
               </a:rPr>
               <a:t>1</a:t>
             </a:r>
-            <a:endParaRPr lang="en-US" altLang="zh-CN" dirty="0">
-              <a:latin typeface="微软雅黑" panose="020B0503020204020204" pitchFamily="34" charset="-122"/>
-              <a:ea typeface="微软雅黑" panose="020B0503020204020204" pitchFamily="34" charset="-122"/>
-            </a:endParaRPr>
           </a:p>
         </p:txBody>
       </p:sp>
@@ -40421,10 +39790,6 @@
               </a:rPr>
               <a:t>2</a:t>
             </a:r>
-            <a:endParaRPr lang="en-US" altLang="zh-CN" dirty="0">
-              <a:latin typeface="微软雅黑" panose="020B0503020204020204" pitchFamily="34" charset="-122"/>
-              <a:ea typeface="微软雅黑" panose="020B0503020204020204" pitchFamily="34" charset="-122"/>
-            </a:endParaRPr>
           </a:p>
         </p:txBody>
       </p:sp>
@@ -40487,10 +39852,6 @@
               </a:rPr>
               <a:t>3</a:t>
             </a:r>
-            <a:endParaRPr lang="en-US" altLang="zh-CN" dirty="0">
-              <a:latin typeface="微软雅黑" panose="020B0503020204020204" pitchFamily="34" charset="-122"/>
-              <a:ea typeface="微软雅黑" panose="020B0503020204020204" pitchFamily="34" charset="-122"/>
-            </a:endParaRPr>
           </a:p>
         </p:txBody>
       </p:sp>
@@ -40553,10 +39914,6 @@
               </a:rPr>
               <a:t>3</a:t>
             </a:r>
-            <a:endParaRPr lang="en-US" altLang="zh-CN" dirty="0">
-              <a:latin typeface="微软雅黑" panose="020B0503020204020204" pitchFamily="34" charset="-122"/>
-              <a:ea typeface="微软雅黑" panose="020B0503020204020204" pitchFamily="34" charset="-122"/>
-            </a:endParaRPr>
           </a:p>
         </p:txBody>
       </p:sp>
@@ -40650,10 +40007,6 @@
               </a:rPr>
               <a:t>1</a:t>
             </a:r>
-            <a:endParaRPr lang="en-US" altLang="zh-CN" dirty="0">
-              <a:latin typeface="微软雅黑" panose="020B0503020204020204" pitchFamily="34" charset="-122"/>
-              <a:ea typeface="微软雅黑" panose="020B0503020204020204" pitchFamily="34" charset="-122"/>
-            </a:endParaRPr>
           </a:p>
         </p:txBody>
       </p:sp>
@@ -40713,10 +40066,6 @@
               </a:rPr>
               <a:t>1</a:t>
             </a:r>
-            <a:endParaRPr lang="en-US" altLang="zh-CN" dirty="0">
-              <a:latin typeface="微软雅黑" panose="020B0503020204020204" pitchFamily="34" charset="-122"/>
-              <a:ea typeface="微软雅黑" panose="020B0503020204020204" pitchFamily="34" charset="-122"/>
-            </a:endParaRPr>
           </a:p>
         </p:txBody>
       </p:sp>
@@ -40776,10 +40125,6 @@
               </a:rPr>
               <a:t>2</a:t>
             </a:r>
-            <a:endParaRPr lang="en-US" altLang="zh-CN" dirty="0">
-              <a:latin typeface="微软雅黑" panose="020B0503020204020204" pitchFamily="34" charset="-122"/>
-              <a:ea typeface="微软雅黑" panose="020B0503020204020204" pitchFamily="34" charset="-122"/>
-            </a:endParaRPr>
           </a:p>
         </p:txBody>
       </p:sp>
@@ -40839,10 +40184,6 @@
               </a:rPr>
               <a:t>2</a:t>
             </a:r>
-            <a:endParaRPr lang="en-US" altLang="zh-CN" dirty="0">
-              <a:latin typeface="微软雅黑" panose="020B0503020204020204" pitchFamily="34" charset="-122"/>
-              <a:ea typeface="微软雅黑" panose="020B0503020204020204" pitchFamily="34" charset="-122"/>
-            </a:endParaRPr>
           </a:p>
         </p:txBody>
       </p:sp>
@@ -40904,10 +40245,6 @@
               </a:rPr>
               <a:t>1</a:t>
             </a:r>
-            <a:endParaRPr lang="en-US" altLang="zh-CN" dirty="0">
-              <a:latin typeface="微软雅黑" panose="020B0503020204020204" pitchFamily="34" charset="-122"/>
-              <a:ea typeface="微软雅黑" panose="020B0503020204020204" pitchFamily="34" charset="-122"/>
-            </a:endParaRPr>
           </a:p>
         </p:txBody>
       </p:sp>
@@ -40967,10 +40304,6 @@
               </a:rPr>
               <a:t>3</a:t>
             </a:r>
-            <a:endParaRPr lang="en-US" altLang="zh-CN" dirty="0">
-              <a:latin typeface="微软雅黑" panose="020B0503020204020204" pitchFamily="34" charset="-122"/>
-              <a:ea typeface="微软雅黑" panose="020B0503020204020204" pitchFamily="34" charset="-122"/>
-            </a:endParaRPr>
           </a:p>
         </p:txBody>
       </p:sp>
@@ -41030,10 +40363,6 @@
               </a:rPr>
               <a:t>3</a:t>
             </a:r>
-            <a:endParaRPr lang="en-US" altLang="zh-CN" dirty="0">
-              <a:latin typeface="微软雅黑" panose="020B0503020204020204" pitchFamily="34" charset="-122"/>
-              <a:ea typeface="微软雅黑" panose="020B0503020204020204" pitchFamily="34" charset="-122"/>
-            </a:endParaRPr>
           </a:p>
         </p:txBody>
       </p:sp>
@@ -41095,10 +40424,6 @@
               </a:rPr>
               <a:t>2</a:t>
             </a:r>
-            <a:endParaRPr lang="en-US" altLang="zh-CN" dirty="0">
-              <a:latin typeface="微软雅黑" panose="020B0503020204020204" pitchFamily="34" charset="-122"/>
-              <a:ea typeface="微软雅黑" panose="020B0503020204020204" pitchFamily="34" charset="-122"/>
-            </a:endParaRPr>
           </a:p>
         </p:txBody>
       </p:sp>
@@ -41160,10 +40485,6 @@
               </a:rPr>
               <a:t>2</a:t>
             </a:r>
-            <a:endParaRPr lang="en-US" altLang="zh-CN" dirty="0">
-              <a:latin typeface="微软雅黑" panose="020B0503020204020204" pitchFamily="34" charset="-122"/>
-              <a:ea typeface="微软雅黑" panose="020B0503020204020204" pitchFamily="34" charset="-122"/>
-            </a:endParaRPr>
           </a:p>
         </p:txBody>
       </p:sp>
@@ -41223,10 +40544,6 @@
               </a:rPr>
               <a:t>4</a:t>
             </a:r>
-            <a:endParaRPr lang="en-US" altLang="zh-CN" dirty="0">
-              <a:latin typeface="微软雅黑" panose="020B0503020204020204" pitchFamily="34" charset="-122"/>
-              <a:ea typeface="微软雅黑" panose="020B0503020204020204" pitchFamily="34" charset="-122"/>
-            </a:endParaRPr>
           </a:p>
         </p:txBody>
       </p:sp>
@@ -41286,10 +40603,6 @@
               </a:rPr>
               <a:t>4</a:t>
             </a:r>
-            <a:endParaRPr lang="en-US" altLang="zh-CN" dirty="0">
-              <a:latin typeface="微软雅黑" panose="020B0503020204020204" pitchFamily="34" charset="-122"/>
-              <a:ea typeface="微软雅黑" panose="020B0503020204020204" pitchFamily="34" charset="-122"/>
-            </a:endParaRPr>
           </a:p>
         </p:txBody>
       </p:sp>
@@ -41352,10 +40665,6 @@
               </a:rPr>
               <a:t>4</a:t>
             </a:r>
-            <a:endParaRPr lang="en-US" altLang="zh-CN" dirty="0">
-              <a:latin typeface="微软雅黑" panose="020B0503020204020204" pitchFamily="34" charset="-122"/>
-              <a:ea typeface="微软雅黑" panose="020B0503020204020204" pitchFamily="34" charset="-122"/>
-            </a:endParaRPr>
           </a:p>
         </p:txBody>
       </p:sp>
@@ -41418,10 +40727,6 @@
               </a:rPr>
               <a:t>4</a:t>
             </a:r>
-            <a:endParaRPr lang="en-US" altLang="zh-CN" dirty="0">
-              <a:latin typeface="微软雅黑" panose="020B0503020204020204" pitchFamily="34" charset="-122"/>
-              <a:ea typeface="微软雅黑" panose="020B0503020204020204" pitchFamily="34" charset="-122"/>
-            </a:endParaRPr>
           </a:p>
         </p:txBody>
       </p:sp>
@@ -41518,10 +40823,6 @@
               </a:rPr>
               <a:t>5</a:t>
             </a:r>
-            <a:endParaRPr lang="en-US" altLang="zh-CN" dirty="0">
-              <a:latin typeface="微软雅黑" panose="020B0503020204020204" pitchFamily="34" charset="-122"/>
-              <a:ea typeface="微软雅黑" panose="020B0503020204020204" pitchFamily="34" charset="-122"/>
-            </a:endParaRPr>
           </a:p>
         </p:txBody>
       </p:sp>
@@ -41581,10 +40882,6 @@
               </a:rPr>
               <a:t>5</a:t>
             </a:r>
-            <a:endParaRPr lang="en-US" altLang="zh-CN" dirty="0">
-              <a:latin typeface="微软雅黑" panose="020B0503020204020204" pitchFamily="34" charset="-122"/>
-              <a:ea typeface="微软雅黑" panose="020B0503020204020204" pitchFamily="34" charset="-122"/>
-            </a:endParaRPr>
           </a:p>
         </p:txBody>
       </p:sp>
@@ -41646,10 +40943,6 @@
               </a:rPr>
               <a:t>3</a:t>
             </a:r>
-            <a:endParaRPr lang="en-US" altLang="zh-CN" dirty="0">
-              <a:latin typeface="微软雅黑" panose="020B0503020204020204" pitchFamily="34" charset="-122"/>
-              <a:ea typeface="微软雅黑" panose="020B0503020204020204" pitchFamily="34" charset="-122"/>
-            </a:endParaRPr>
           </a:p>
         </p:txBody>
       </p:sp>
@@ -41711,10 +41004,6 @@
               </a:rPr>
               <a:t>3</a:t>
             </a:r>
-            <a:endParaRPr lang="en-US" altLang="zh-CN" dirty="0">
-              <a:latin typeface="微软雅黑" panose="020B0503020204020204" pitchFamily="34" charset="-122"/>
-              <a:ea typeface="微软雅黑" panose="020B0503020204020204" pitchFamily="34" charset="-122"/>
-            </a:endParaRPr>
           </a:p>
         </p:txBody>
       </p:sp>
@@ -41755,8 +41044,8 @@
           </a:p>
         </p:txBody>
       </p:sp>
-      <mc:AlternateContent xmlns:mc="http://schemas.openxmlformats.org/markup-compatibility/2006">
-        <mc:Choice xmlns:a14="http://schemas.microsoft.com/office/drawing/2010/main" Requires="a14">
+      <mc:AlternateContent xmlns:mc="http://schemas.openxmlformats.org/markup-compatibility/2006" xmlns:a14="http://schemas.microsoft.com/office/drawing/2010/main">
+        <mc:Choice Requires="a14">
           <p:sp>
             <p:nvSpPr>
               <p:cNvPr id="47" name="文本框 46"/>
@@ -41779,6 +41068,7 @@
               </a:bodyPr>
               <a:lstStyle/>
               <a:p>
+                <a:pPr/>
                 <a14:m>
                   <m:oMathPara xmlns:m="http://schemas.openxmlformats.org/officeDocument/2006/math">
                     <m:oMathParaPr>
@@ -41787,6 +41077,7 @@
                     <m:oMath xmlns:m="http://schemas.openxmlformats.org/officeDocument/2006/math">
                       <m:acc>
                         <m:accPr>
+                          <m:chr m:val="̂"/>
                           <m:ctrlPr>
                             <a:rPr lang="en-US" altLang="zh-CN" sz="2400" b="0" i="1" smtClean="0">
                               <a:latin typeface="Cambria Math" panose="02040503050406030204" pitchFamily="18" charset="0"/>
@@ -41908,7 +41199,7 @@
             </p:txBody>
           </p:sp>
         </mc:Choice>
-        <mc:Fallback>
+        <mc:Fallback xmlns="">
           <p:sp>
             <p:nvSpPr>
               <p:cNvPr id="47" name="文本框 46"/>
@@ -41926,7 +41217,7 @@
                 <a:avLst/>
               </a:prstGeom>
               <a:blipFill rotWithShape="1">
-                <a:blip r:embed="rId1"/>
+                <a:blip r:embed="rId2"/>
                 <a:stretch>
                   <a:fillRect l="-26" t="-16" r="29" b="65"/>
                 </a:stretch>
@@ -41947,8 +41238,8 @@
           </p:sp>
         </mc:Fallback>
       </mc:AlternateContent>
-      <mc:AlternateContent xmlns:mc="http://schemas.openxmlformats.org/markup-compatibility/2006">
-        <mc:Choice xmlns:a14="http://schemas.microsoft.com/office/drawing/2010/main" Requires="a14">
+      <mc:AlternateContent xmlns:mc="http://schemas.openxmlformats.org/markup-compatibility/2006" xmlns:a14="http://schemas.microsoft.com/office/drawing/2010/main">
+        <mc:Choice Requires="a14">
           <p:sp>
             <p:nvSpPr>
               <p:cNvPr id="48" name="文本框 47"/>
@@ -41971,6 +41262,7 @@
               </a:bodyPr>
               <a:lstStyle/>
               <a:p>
+                <a:pPr/>
                 <a14:m>
                   <m:oMathPara xmlns:m="http://schemas.openxmlformats.org/officeDocument/2006/math">
                     <m:oMathParaPr>
@@ -42226,13 +41518,7 @@
                             <a:rPr lang="en-US" altLang="zh-CN" sz="2400" b="0" i="1" smtClean="0">
                               <a:latin typeface="Cambria Math" panose="02040503050406030204" pitchFamily="18" charset="0"/>
                             </a:rPr>
-                            <m:t>+</m:t>
-                          </m:r>
-                          <m:r>
-                            <a:rPr lang="en-US" altLang="zh-CN" sz="2400" b="0" i="1" smtClean="0">
-                              <a:latin typeface="Cambria Math" panose="02040503050406030204" pitchFamily="18" charset="0"/>
-                            </a:rPr>
-                            <m:t>1</m:t>
+                            <m:t>+1</m:t>
                           </m:r>
                           <m:r>
                             <a:rPr lang="en-US" altLang="zh-CN" sz="2400" i="1">
@@ -42256,7 +41542,7 @@
             </p:txBody>
           </p:sp>
         </mc:Choice>
-        <mc:Fallback>
+        <mc:Fallback xmlns="">
           <p:sp>
             <p:nvSpPr>
               <p:cNvPr id="48" name="文本框 47"/>
@@ -42274,7 +41560,7 @@
                 <a:avLst/>
               </a:prstGeom>
               <a:blipFill rotWithShape="1">
-                <a:blip r:embed="rId2"/>
+                <a:blip r:embed="rId3"/>
                 <a:stretch>
                   <a:fillRect l="-7" t="-3" r="-606" b="38"/>
                 </a:stretch>
@@ -42295,8 +41581,8 @@
           </p:sp>
         </mc:Fallback>
       </mc:AlternateContent>
-      <mc:AlternateContent xmlns:mc="http://schemas.openxmlformats.org/markup-compatibility/2006">
-        <mc:Choice xmlns:a14="http://schemas.microsoft.com/office/drawing/2010/main" Requires="a14">
+      <mc:AlternateContent xmlns:mc="http://schemas.openxmlformats.org/markup-compatibility/2006" xmlns:a14="http://schemas.microsoft.com/office/drawing/2010/main">
+        <mc:Choice Requires="a14">
           <p:sp>
             <p:nvSpPr>
               <p:cNvPr id="49" name="文本框 48"/>
@@ -42319,6 +41605,7 @@
               </a:bodyPr>
               <a:lstStyle/>
               <a:p>
+                <a:pPr/>
                 <a14:m>
                   <m:oMathPara xmlns:m="http://schemas.openxmlformats.org/officeDocument/2006/math">
                     <m:oMathParaPr>
@@ -42446,6 +41733,7 @@
                               </m:r>
                               <m:acc>
                                 <m:accPr>
+                                  <m:chr m:val="̂"/>
                                   <m:ctrlPr>
                                     <a:rPr lang="en-US" altLang="zh-CN" sz="2400" i="1">
                                       <a:latin typeface="Cambria Math" panose="02040503050406030204" pitchFamily="18" charset="0"/>
@@ -42492,6 +41780,7 @@
                       </m:r>
                       <m:acc>
                         <m:accPr>
+                          <m:chr m:val="̂"/>
                           <m:ctrlPr>
                             <a:rPr lang="en-US" altLang="zh-CN" sz="2400" i="1">
                               <a:latin typeface="Cambria Math" panose="02040503050406030204" pitchFamily="18" charset="0"/>
@@ -42552,7 +41841,7 @@
             </p:txBody>
           </p:sp>
         </mc:Choice>
-        <mc:Fallback>
+        <mc:Fallback xmlns="">
           <p:sp>
             <p:nvSpPr>
               <p:cNvPr id="49" name="文本框 48"/>
@@ -42570,7 +41859,7 @@
                 <a:avLst/>
               </a:prstGeom>
               <a:blipFill rotWithShape="1">
-                <a:blip r:embed="rId3"/>
+                <a:blip r:embed="rId4"/>
                 <a:stretch>
                   <a:fillRect l="-9" t="-36" r="8" b="71"/>
                 </a:stretch>
@@ -42633,6 +41922,7 @@
           <a:p>
             <a:fld id="{72A5E12F-523A-4D75-95A2-779F57F5D9E2}" type="slidenum">
               <a:rPr lang="zh-CN" altLang="en-US" smtClean="0"/>
+              <a:t>25</a:t>
             </a:fld>
             <a:endParaRPr lang="zh-CN" altLang="en-US"/>
           </a:p>
@@ -42657,7 +41947,6 @@
               <a:rPr lang="zh-CN" altLang="en-US" dirty="0"/>
               <a:t>执行流程优化</a:t>
             </a:r>
-            <a:endParaRPr lang="zh-CN" altLang="en-US" dirty="0"/>
           </a:p>
         </p:txBody>
       </p:sp>
@@ -42670,7 +41959,7 @@
           <p:nvPr/>
         </p:nvPicPr>
         <p:blipFill>
-          <a:blip r:embed="rId1"/>
+          <a:blip r:embed="rId3"/>
           <a:stretch>
             <a:fillRect/>
           </a:stretch>
@@ -43341,17 +42630,6 @@
                   </a:rPr>
                   <a:t>景</a:t>
                 </a:r>
-                <a:endParaRPr lang="zh-CN" altLang="en-US" sz="2800" b="1">
-                  <a:solidFill>
-                    <a:schemeClr val="tx1">
-                      <a:lumMod val="50000"/>
-                      <a:lumOff val="50000"/>
-                    </a:schemeClr>
-                  </a:solidFill>
-                  <a:latin typeface="微软雅黑" panose="020B0503020204020204" pitchFamily="34" charset="-122"/>
-                  <a:ea typeface="微软雅黑" panose="020B0503020204020204" pitchFamily="34" charset="-122"/>
-                  <a:cs typeface="+mn-ea"/>
-                </a:endParaRPr>
               </a:p>
             </p:txBody>
           </p:sp>
@@ -43448,7 +42726,9 @@
                   <a:noAutofit/>
                 </a:bodyPr>
                 <a:lstStyle/>
-                <a:p/>
+                <a:p>
+                  <a:endParaRPr/>
+                </a:p>
               </p:txBody>
             </p:sp>
             <p:sp>
@@ -43513,7 +42793,9 @@
                   <a:noAutofit/>
                 </a:bodyPr>
                 <a:lstStyle/>
-                <a:p/>
+                <a:p>
+                  <a:endParaRPr/>
+                </a:p>
               </p:txBody>
             </p:sp>
           </p:grpSp>
@@ -43595,7 +42877,9 @@
                   <a:noAutofit/>
                 </a:bodyPr>
                 <a:lstStyle/>
-                <a:p/>
+                <a:p>
+                  <a:endParaRPr/>
+                </a:p>
               </p:txBody>
             </p:sp>
             <p:sp>
@@ -43660,7 +42944,9 @@
                   <a:noAutofit/>
                 </a:bodyPr>
                 <a:lstStyle/>
-                <a:p/>
+                <a:p>
+                  <a:endParaRPr/>
+                </a:p>
               </p:txBody>
             </p:sp>
           </p:grpSp>
@@ -43721,14 +43007,6 @@
                   </a:rPr>
                   <a:t>实验总结</a:t>
                 </a:r>
-                <a:endParaRPr lang="zh-CN" altLang="en-US" sz="2800" b="1" spc="800">
-                  <a:solidFill>
-                    <a:srgbClr val="384331"/>
-                  </a:solidFill>
-                  <a:latin typeface="微软雅黑" panose="020B0503020204020204" pitchFamily="34" charset="-122"/>
-                  <a:ea typeface="微软雅黑" panose="020B0503020204020204" pitchFamily="34" charset="-122"/>
-                  <a:cs typeface="+mn-ea"/>
-                </a:endParaRPr>
               </a:p>
             </p:txBody>
           </p:sp>
@@ -44576,17 +43854,6 @@
                   </a:rPr>
                   <a:t>系统优化</a:t>
                 </a:r>
-                <a:endParaRPr lang="zh-CN" altLang="en-US" sz="2800" b="1" spc="800">
-                  <a:solidFill>
-                    <a:schemeClr val="tx1">
-                      <a:lumMod val="50000"/>
-                      <a:lumOff val="50000"/>
-                    </a:schemeClr>
-                  </a:solidFill>
-                  <a:latin typeface="微软雅黑" panose="020B0503020204020204" pitchFamily="34" charset="-122"/>
-                  <a:ea typeface="微软雅黑" panose="020B0503020204020204" pitchFamily="34" charset="-122"/>
-                  <a:cs typeface="+mn-ea"/>
-                </a:endParaRPr>
               </a:p>
             </p:txBody>
           </p:sp>
@@ -44611,7 +43878,6 @@
               <a:rPr lang="zh-CN" altLang="en-US"/>
               <a:t>提纲</a:t>
             </a:r>
-            <a:endParaRPr lang="zh-CN" altLang="en-US"/>
           </a:p>
         </p:txBody>
       </p:sp>
@@ -44657,6 +43923,7 @@
           <a:p>
             <a:fld id="{72A5E12F-523A-4D75-95A2-779F57F5D9E2}" type="slidenum">
               <a:rPr lang="zh-CN" altLang="en-US" smtClean="0"/>
+              <a:t>27</a:t>
             </a:fld>
             <a:endParaRPr lang="zh-CN" altLang="en-US"/>
           </a:p>
@@ -44811,10 +44078,6 @@
               </a:rPr>
               <a:t> (USENIX-ATC-2015)</a:t>
             </a:r>
-            <a:endParaRPr lang="en-US" altLang="zh-CN" sz="2400" dirty="0">
-              <a:latin typeface="微软雅黑" panose="020B0503020204020204" pitchFamily="34" charset="-122"/>
-              <a:ea typeface="微软雅黑" panose="020B0503020204020204" pitchFamily="34" charset="-122"/>
-            </a:endParaRPr>
           </a:p>
           <a:p>
             <a:pPr marL="800100" lvl="1" indent="-342900">
@@ -44838,10 +44101,6 @@
               </a:rPr>
               <a:t> (OSDI-2012)</a:t>
             </a:r>
-            <a:endParaRPr lang="en-US" altLang="zh-CN" sz="2400" dirty="0">
-              <a:latin typeface="微软雅黑" panose="020B0503020204020204" pitchFamily="34" charset="-122"/>
-              <a:ea typeface="微软雅黑" panose="020B0503020204020204" pitchFamily="34" charset="-122"/>
-            </a:endParaRPr>
           </a:p>
           <a:p>
             <a:pPr marL="800100" lvl="1" indent="-342900">
@@ -44865,10 +44124,6 @@
               </a:rPr>
               <a:t> (SOSP-2013)</a:t>
             </a:r>
-            <a:endParaRPr lang="en-US" altLang="zh-CN" sz="2400" dirty="0">
-              <a:latin typeface="微软雅黑" panose="020B0503020204020204" pitchFamily="34" charset="-122"/>
-              <a:ea typeface="微软雅黑" panose="020B0503020204020204" pitchFamily="34" charset="-122"/>
-            </a:endParaRPr>
           </a:p>
           <a:p>
             <a:pPr lvl="1"/>
@@ -44888,7 +44143,7 @@
           <p:nvPr/>
         </p:nvPicPr>
         <p:blipFill>
-          <a:blip r:embed="rId1"/>
+          <a:blip r:embed="rId3"/>
           <a:stretch>
             <a:fillRect/>
           </a:stretch>
@@ -44959,10 +44214,6 @@
               </a:rPr>
               <a:t>In memory</a:t>
             </a:r>
-            <a:endParaRPr lang="en-US" altLang="zh-CN" sz="2000" dirty="0">
-              <a:latin typeface="微软雅黑" panose="020B0503020204020204" pitchFamily="34" charset="-122"/>
-              <a:ea typeface="微软雅黑" panose="020B0503020204020204" pitchFamily="34" charset="-122"/>
-            </a:endParaRPr>
           </a:p>
         </p:txBody>
       </p:sp>
@@ -45022,10 +44273,6 @@
               </a:rPr>
               <a:t>Out-of-core</a:t>
             </a:r>
-            <a:endParaRPr lang="en-US" altLang="zh-CN" sz="2000" dirty="0">
-              <a:latin typeface="微软雅黑" panose="020B0503020204020204" pitchFamily="34" charset="-122"/>
-              <a:ea typeface="微软雅黑" panose="020B0503020204020204" pitchFamily="34" charset="-122"/>
-            </a:endParaRPr>
           </a:p>
         </p:txBody>
       </p:sp>
@@ -45071,6 +44318,7 @@
           <a:p>
             <a:fld id="{72A5E12F-523A-4D75-95A2-779F57F5D9E2}" type="slidenum">
               <a:rPr lang="zh-CN" altLang="en-US" smtClean="0"/>
+              <a:t>28</a:t>
             </a:fld>
             <a:endParaRPr lang="zh-CN" altLang="en-US"/>
           </a:p>
@@ -45112,7 +44360,7 @@
           <p:nvPr/>
         </p:nvPicPr>
         <p:blipFill>
-          <a:blip r:embed="rId1"/>
+          <a:blip r:embed="rId2"/>
           <a:stretch>
             <a:fillRect/>
           </a:stretch>
@@ -45136,7 +44384,7 @@
           <p:nvPr/>
         </p:nvPicPr>
         <p:blipFill>
-          <a:blip r:embed="rId2"/>
+          <a:blip r:embed="rId3"/>
           <a:stretch>
             <a:fillRect/>
           </a:stretch>
@@ -45193,6 +44441,7 @@
           <a:p>
             <a:fld id="{72A5E12F-523A-4D75-95A2-779F57F5D9E2}" type="slidenum">
               <a:rPr lang="zh-CN" altLang="en-US" smtClean="0"/>
+              <a:t>29</a:t>
             </a:fld>
             <a:endParaRPr lang="zh-CN" altLang="en-US"/>
           </a:p>
@@ -45229,7 +44478,6 @@
               <a:rPr lang="zh-CN" altLang="en-US" dirty="0"/>
               <a:t>分布式系统</a:t>
             </a:r>
-            <a:endParaRPr lang="zh-CN" altLang="en-US" dirty="0"/>
           </a:p>
         </p:txBody>
       </p:sp>
@@ -45242,7 +44490,7 @@
           <p:nvPr/>
         </p:nvPicPr>
         <p:blipFill>
-          <a:blip r:embed="rId1"/>
+          <a:blip r:embed="rId2"/>
           <a:stretch>
             <a:fillRect/>
           </a:stretch>
@@ -45266,7 +44514,7 @@
           <p:nvPr/>
         </p:nvPicPr>
         <p:blipFill>
-          <a:blip r:embed="rId2"/>
+          <a:blip r:embed="rId3"/>
           <a:stretch>
             <a:fillRect/>
           </a:stretch>
@@ -45290,7 +44538,7 @@
           <p:nvPr/>
         </p:nvPicPr>
         <p:blipFill>
-          <a:blip r:embed="rId3"/>
+          <a:blip r:embed="rId4"/>
           <a:stretch>
             <a:fillRect/>
           </a:stretch>
@@ -45314,7 +44562,7 @@
           <p:nvPr/>
         </p:nvPicPr>
         <p:blipFill>
-          <a:blip r:embed="rId4"/>
+          <a:blip r:embed="rId5"/>
           <a:stretch>
             <a:fillRect/>
           </a:stretch>
@@ -45371,6 +44619,7 @@
           <a:p>
             <a:fld id="{72A5E12F-523A-4D75-95A2-779F57F5D9E2}" type="slidenum">
               <a:rPr lang="zh-CN" altLang="en-US" smtClean="0"/>
+              <a:t>3</a:t>
             </a:fld>
             <a:endParaRPr lang="zh-CN" altLang="en-US"/>
           </a:p>
@@ -45539,14 +44788,6 @@
               </a:rPr>
               <a:t>社交网络</a:t>
             </a:r>
-            <a:endParaRPr lang="zh-CN" altLang="en-US" sz="2400" b="1" dirty="0">
-              <a:solidFill>
-                <a:schemeClr val="bg1"/>
-              </a:solidFill>
-              <a:latin typeface="微软雅黑" panose="020B0503020204020204" pitchFamily="34" charset="-122"/>
-              <a:ea typeface="微软雅黑" panose="020B0503020204020204" pitchFamily="34" charset="-122"/>
-              <a:cs typeface="Open Sans"/>
-            </a:endParaRPr>
           </a:p>
         </p:txBody>
       </p:sp>
@@ -45630,7 +44871,7 @@
           <p:nvPr/>
         </p:nvPicPr>
         <p:blipFill>
-          <a:blip r:embed="rId1"/>
+          <a:blip r:embed="rId3"/>
           <a:stretch>
             <a:fillRect/>
           </a:stretch>
@@ -45654,7 +44895,7 @@
           <p:nvPr/>
         </p:nvPicPr>
         <p:blipFill>
-          <a:blip r:embed="rId2"/>
+          <a:blip r:embed="rId4"/>
           <a:stretch>
             <a:fillRect/>
           </a:stretch>
@@ -45678,7 +44919,7 @@
           <p:nvPr/>
         </p:nvPicPr>
         <p:blipFill>
-          <a:blip r:embed="rId3"/>
+          <a:blip r:embed="rId5"/>
           <a:stretch>
             <a:fillRect/>
           </a:stretch>
@@ -45735,6 +44976,7 @@
           <a:p>
             <a:fld id="{72A5E12F-523A-4D75-95A2-779F57F5D9E2}" type="slidenum">
               <a:rPr lang="zh-CN" altLang="en-US" smtClean="0"/>
+              <a:t>30</a:t>
             </a:fld>
             <a:endParaRPr lang="zh-CN" altLang="en-US"/>
           </a:p>
@@ -45759,7 +45001,6 @@
               <a:rPr lang="zh-CN" altLang="en-US" dirty="0"/>
               <a:t>实验总结</a:t>
             </a:r>
-            <a:endParaRPr lang="zh-CN" altLang="en-US" dirty="0"/>
           </a:p>
         </p:txBody>
       </p:sp>
@@ -45889,13 +45130,6 @@
               </a:rPr>
               <a:t>76.1X</a:t>
             </a:r>
-            <a:endParaRPr lang="en-US" altLang="zh-CN" sz="2400" dirty="0">
-              <a:solidFill>
-                <a:srgbClr val="FF0000"/>
-              </a:solidFill>
-              <a:latin typeface="微软雅黑" panose="020B0503020204020204" pitchFamily="34" charset="-122"/>
-              <a:ea typeface="微软雅黑" panose="020B0503020204020204" pitchFamily="34" charset="-122"/>
-            </a:endParaRPr>
           </a:p>
           <a:p>
             <a:pPr marL="342900" indent="-342900">
@@ -46209,6 +45443,7 @@
           <a:p>
             <a:fld id="{72A5E12F-523A-4D75-95A2-779F57F5D9E2}" type="slidenum">
               <a:rPr lang="zh-CN" altLang="en-US" smtClean="0"/>
+              <a:t>31</a:t>
             </a:fld>
             <a:endParaRPr lang="zh-CN" altLang="en-US"/>
           </a:p>
@@ -46256,6 +45491,7 @@
           <a:p>
             <a:fld id="{72A5E12F-523A-4D75-95A2-779F57F5D9E2}" type="slidenum">
               <a:rPr lang="zh-CN" altLang="en-US" smtClean="0"/>
+              <a:t>4</a:t>
             </a:fld>
             <a:endParaRPr lang="zh-CN" altLang="en-US"/>
           </a:p>
@@ -46516,10 +45752,10 @@
           <p:nvPr/>
         </p:nvPicPr>
         <p:blipFill>
-          <a:blip r:embed="rId1">
+          <a:blip r:embed="rId3">
             <a:extLst>
               <a:ext uri="{96DAC541-7B7A-43D3-8B79-37D633B846F1}">
-                <asvg:svgBlip xmlns:asvg="http://schemas.microsoft.com/office/drawing/2016/SVG/main" r:embed="rId2"/>
+                <asvg:svgBlip xmlns:asvg="http://schemas.microsoft.com/office/drawing/2016/SVG/main" r:embed="rId4"/>
               </a:ext>
             </a:extLst>
           </a:blip>
@@ -46546,7 +45782,7 @@
           <p:nvPr/>
         </p:nvPicPr>
         <p:blipFill rotWithShape="1">
-          <a:blip r:embed="rId3"/>
+          <a:blip r:embed="rId5"/>
           <a:srcRect t="25288" r="-339" b="22034"/>
           <a:stretch>
             <a:fillRect/>
@@ -46571,10 +45807,10 @@
           <p:nvPr/>
         </p:nvPicPr>
         <p:blipFill>
-          <a:blip r:embed="rId1">
+          <a:blip r:embed="rId3">
             <a:extLst>
               <a:ext uri="{96DAC541-7B7A-43D3-8B79-37D633B846F1}">
-                <asvg:svgBlip xmlns:asvg="http://schemas.microsoft.com/office/drawing/2016/SVG/main" r:embed="rId2"/>
+                <asvg:svgBlip xmlns:asvg="http://schemas.microsoft.com/office/drawing/2016/SVG/main" r:embed="rId4"/>
               </a:ext>
             </a:extLst>
           </a:blip>
@@ -46601,10 +45837,10 @@
           <p:nvPr/>
         </p:nvPicPr>
         <p:blipFill>
-          <a:blip r:embed="rId1">
+          <a:blip r:embed="rId3">
             <a:extLst>
               <a:ext uri="{96DAC541-7B7A-43D3-8B79-37D633B846F1}">
-                <asvg:svgBlip xmlns:asvg="http://schemas.microsoft.com/office/drawing/2016/SVG/main" r:embed="rId2"/>
+                <asvg:svgBlip xmlns:asvg="http://schemas.microsoft.com/office/drawing/2016/SVG/main" r:embed="rId4"/>
               </a:ext>
             </a:extLst>
           </a:blip>
@@ -46950,96 +46186,6 @@
       <p:pic>
         <p:nvPicPr>
           <p:cNvPr id="32" name="图形 32" descr="Internet 纯色填充"/>
-          <p:cNvPicPr>
-            <a:picLocks noChangeAspect="1"/>
-          </p:cNvPicPr>
-          <p:nvPr/>
-        </p:nvPicPr>
-        <p:blipFill>
-          <a:blip r:embed="rId4">
-            <a:extLst>
-              <a:ext uri="{96DAC541-7B7A-43D3-8B79-37D633B846F1}">
-                <asvg:svgBlip xmlns:asvg="http://schemas.microsoft.com/office/drawing/2016/SVG/main" r:embed="rId5"/>
-              </a:ext>
-            </a:extLst>
-          </a:blip>
-          <a:stretch>
-            <a:fillRect/>
-          </a:stretch>
-        </p:blipFill>
-        <p:spPr>
-          <a:xfrm>
-            <a:off x="4876201" y="2916045"/>
-            <a:ext cx="914400" cy="914400"/>
-          </a:xfrm>
-          <a:prstGeom prst="rect">
-            <a:avLst/>
-          </a:prstGeom>
-        </p:spPr>
-      </p:pic>
-      <p:pic>
-        <p:nvPicPr>
-          <p:cNvPr id="33" name="图形 32" descr="Internet 纯色填充"/>
-          <p:cNvPicPr>
-            <a:picLocks noChangeAspect="1"/>
-          </p:cNvPicPr>
-          <p:nvPr/>
-        </p:nvPicPr>
-        <p:blipFill>
-          <a:blip r:embed="rId4">
-            <a:extLst>
-              <a:ext uri="{96DAC541-7B7A-43D3-8B79-37D633B846F1}">
-                <asvg:svgBlip xmlns:asvg="http://schemas.microsoft.com/office/drawing/2016/SVG/main" r:embed="rId5"/>
-              </a:ext>
-            </a:extLst>
-          </a:blip>
-          <a:stretch>
-            <a:fillRect/>
-          </a:stretch>
-        </p:blipFill>
-        <p:spPr>
-          <a:xfrm>
-            <a:off x="5749713" y="3984703"/>
-            <a:ext cx="914400" cy="914400"/>
-          </a:xfrm>
-          <a:prstGeom prst="rect">
-            <a:avLst/>
-          </a:prstGeom>
-        </p:spPr>
-      </p:pic>
-      <p:pic>
-        <p:nvPicPr>
-          <p:cNvPr id="34" name="图形 32" descr="Internet 纯色填充"/>
-          <p:cNvPicPr>
-            <a:picLocks noChangeAspect="1"/>
-          </p:cNvPicPr>
-          <p:nvPr/>
-        </p:nvPicPr>
-        <p:blipFill>
-          <a:blip r:embed="rId4">
-            <a:extLst>
-              <a:ext uri="{96DAC541-7B7A-43D3-8B79-37D633B846F1}">
-                <asvg:svgBlip xmlns:asvg="http://schemas.microsoft.com/office/drawing/2016/SVG/main" r:embed="rId5"/>
-              </a:ext>
-            </a:extLst>
-          </a:blip>
-          <a:stretch>
-            <a:fillRect/>
-          </a:stretch>
-        </p:blipFill>
-        <p:spPr>
-          <a:xfrm>
-            <a:off x="6623225" y="2776654"/>
-            <a:ext cx="914400" cy="914400"/>
-          </a:xfrm>
-          <a:prstGeom prst="rect">
-            <a:avLst/>
-          </a:prstGeom>
-        </p:spPr>
-      </p:pic>
-      <p:pic>
-        <p:nvPicPr>
-          <p:cNvPr id="35" name="图形 35" descr="数据库 纯色填充"/>
           <p:cNvPicPr>
             <a:picLocks noChangeAspect="1"/>
           </p:cNvPicPr>
@@ -47059,6 +46205,96 @@
         </p:blipFill>
         <p:spPr>
           <a:xfrm>
+            <a:off x="4876201" y="2916045"/>
+            <a:ext cx="914400" cy="914400"/>
+          </a:xfrm>
+          <a:prstGeom prst="rect">
+            <a:avLst/>
+          </a:prstGeom>
+        </p:spPr>
+      </p:pic>
+      <p:pic>
+        <p:nvPicPr>
+          <p:cNvPr id="33" name="图形 32" descr="Internet 纯色填充"/>
+          <p:cNvPicPr>
+            <a:picLocks noChangeAspect="1"/>
+          </p:cNvPicPr>
+          <p:nvPr/>
+        </p:nvPicPr>
+        <p:blipFill>
+          <a:blip r:embed="rId6">
+            <a:extLst>
+              <a:ext uri="{96DAC541-7B7A-43D3-8B79-37D633B846F1}">
+                <asvg:svgBlip xmlns:asvg="http://schemas.microsoft.com/office/drawing/2016/SVG/main" r:embed="rId7"/>
+              </a:ext>
+            </a:extLst>
+          </a:blip>
+          <a:stretch>
+            <a:fillRect/>
+          </a:stretch>
+        </p:blipFill>
+        <p:spPr>
+          <a:xfrm>
+            <a:off x="5749713" y="3984703"/>
+            <a:ext cx="914400" cy="914400"/>
+          </a:xfrm>
+          <a:prstGeom prst="rect">
+            <a:avLst/>
+          </a:prstGeom>
+        </p:spPr>
+      </p:pic>
+      <p:pic>
+        <p:nvPicPr>
+          <p:cNvPr id="34" name="图形 32" descr="Internet 纯色填充"/>
+          <p:cNvPicPr>
+            <a:picLocks noChangeAspect="1"/>
+          </p:cNvPicPr>
+          <p:nvPr/>
+        </p:nvPicPr>
+        <p:blipFill>
+          <a:blip r:embed="rId6">
+            <a:extLst>
+              <a:ext uri="{96DAC541-7B7A-43D3-8B79-37D633B846F1}">
+                <asvg:svgBlip xmlns:asvg="http://schemas.microsoft.com/office/drawing/2016/SVG/main" r:embed="rId7"/>
+              </a:ext>
+            </a:extLst>
+          </a:blip>
+          <a:stretch>
+            <a:fillRect/>
+          </a:stretch>
+        </p:blipFill>
+        <p:spPr>
+          <a:xfrm>
+            <a:off x="6623225" y="2776654"/>
+            <a:ext cx="914400" cy="914400"/>
+          </a:xfrm>
+          <a:prstGeom prst="rect">
+            <a:avLst/>
+          </a:prstGeom>
+        </p:spPr>
+      </p:pic>
+      <p:pic>
+        <p:nvPicPr>
+          <p:cNvPr id="35" name="图形 35" descr="数据库 纯色填充"/>
+          <p:cNvPicPr>
+            <a:picLocks noChangeAspect="1"/>
+          </p:cNvPicPr>
+          <p:nvPr/>
+        </p:nvPicPr>
+        <p:blipFill>
+          <a:blip r:embed="rId8">
+            <a:extLst>
+              <a:ext uri="{96DAC541-7B7A-43D3-8B79-37D633B846F1}">
+                <asvg:svgBlip xmlns:asvg="http://schemas.microsoft.com/office/drawing/2016/SVG/main" r:embed="rId9"/>
+              </a:ext>
+            </a:extLst>
+          </a:blip>
+          <a:stretch>
+            <a:fillRect/>
+          </a:stretch>
+        </p:blipFill>
+        <p:spPr>
+          <a:xfrm>
             <a:off x="9277934" y="2481986"/>
             <a:ext cx="1936595" cy="923692"/>
           </a:xfrm>
@@ -47076,10 +46312,10 @@
           <p:nvPr/>
         </p:nvPicPr>
         <p:blipFill>
-          <a:blip r:embed="rId1">
+          <a:blip r:embed="rId3">
             <a:extLst>
               <a:ext uri="{96DAC541-7B7A-43D3-8B79-37D633B846F1}">
-                <asvg:svgBlip xmlns:asvg="http://schemas.microsoft.com/office/drawing/2016/SVG/main" r:embed="rId2"/>
+                <asvg:svgBlip xmlns:asvg="http://schemas.microsoft.com/office/drawing/2016/SVG/main" r:embed="rId4"/>
               </a:ext>
             </a:extLst>
           </a:blip>
@@ -47106,7 +46342,7 @@
           <p:nvPr/>
         </p:nvPicPr>
         <p:blipFill rotWithShape="1">
-          <a:blip r:embed="rId3"/>
+          <a:blip r:embed="rId5"/>
           <a:srcRect t="25288" r="-339" b="22034"/>
           <a:stretch>
             <a:fillRect/>
@@ -47131,10 +46367,10 @@
           <p:nvPr/>
         </p:nvPicPr>
         <p:blipFill>
-          <a:blip r:embed="rId1">
+          <a:blip r:embed="rId3">
             <a:extLst>
               <a:ext uri="{96DAC541-7B7A-43D3-8B79-37D633B846F1}">
-                <asvg:svgBlip xmlns:asvg="http://schemas.microsoft.com/office/drawing/2016/SVG/main" r:embed="rId2"/>
+                <asvg:svgBlip xmlns:asvg="http://schemas.microsoft.com/office/drawing/2016/SVG/main" r:embed="rId4"/>
               </a:ext>
             </a:extLst>
           </a:blip>
@@ -47161,10 +46397,10 @@
           <p:nvPr/>
         </p:nvPicPr>
         <p:blipFill>
-          <a:blip r:embed="rId1">
+          <a:blip r:embed="rId3">
             <a:extLst>
               <a:ext uri="{96DAC541-7B7A-43D3-8B79-37D633B846F1}">
-                <asvg:svgBlip xmlns:asvg="http://schemas.microsoft.com/office/drawing/2016/SVG/main" r:embed="rId2"/>
+                <asvg:svgBlip xmlns:asvg="http://schemas.microsoft.com/office/drawing/2016/SVG/main" r:embed="rId4"/>
               </a:ext>
             </a:extLst>
           </a:blip>
@@ -47981,17 +47217,6 @@
                   </a:rPr>
                   <a:t>景</a:t>
                 </a:r>
-                <a:endParaRPr lang="zh-CN" altLang="en-US" sz="2800" b="1">
-                  <a:solidFill>
-                    <a:schemeClr val="tx1">
-                      <a:lumMod val="50000"/>
-                      <a:lumOff val="50000"/>
-                    </a:schemeClr>
-                  </a:solidFill>
-                  <a:latin typeface="微软雅黑" panose="020B0503020204020204" pitchFamily="34" charset="-122"/>
-                  <a:ea typeface="微软雅黑" panose="020B0503020204020204" pitchFamily="34" charset="-122"/>
-                  <a:cs typeface="+mn-ea"/>
-                </a:endParaRPr>
               </a:p>
             </p:txBody>
           </p:sp>
@@ -48517,7 +47742,9 @@
                   <a:noAutofit/>
                 </a:bodyPr>
                 <a:lstStyle/>
-                <a:p/>
+                <a:p>
+                  <a:endParaRPr/>
+                </a:p>
               </p:txBody>
             </p:sp>
             <p:sp>
@@ -48582,7 +47809,9 @@
                   <a:noAutofit/>
                 </a:bodyPr>
                 <a:lstStyle/>
-                <a:p/>
+                <a:p>
+                  <a:endParaRPr/>
+                </a:p>
               </p:txBody>
             </p:sp>
           </p:grpSp>
@@ -48664,7 +47893,9 @@
                   <a:noAutofit/>
                 </a:bodyPr>
                 <a:lstStyle/>
-                <a:p/>
+                <a:p>
+                  <a:endParaRPr/>
+                </a:p>
               </p:txBody>
             </p:sp>
             <p:sp>
@@ -48729,7 +47960,9 @@
                   <a:noAutofit/>
                 </a:bodyPr>
                 <a:lstStyle/>
-                <a:p/>
+                <a:p>
+                  <a:endParaRPr/>
+                </a:p>
               </p:txBody>
             </p:sp>
           </p:grpSp>
@@ -49251,7 +48484,6 @@
               <a:rPr lang="zh-CN" altLang="en-US"/>
               <a:t>提纲</a:t>
             </a:r>
-            <a:endParaRPr lang="zh-CN" altLang="en-US"/>
           </a:p>
         </p:txBody>
       </p:sp>
@@ -49297,6 +48529,7 @@
           <a:p>
             <a:fld id="{72A5E12F-523A-4D75-95A2-779F57F5D9E2}" type="slidenum">
               <a:rPr lang="zh-CN" altLang="en-US" smtClean="0"/>
+              <a:t>6</a:t>
             </a:fld>
             <a:endParaRPr lang="zh-CN" altLang="en-US"/>
           </a:p>
@@ -49321,7 +48554,6 @@
               <a:rPr lang="zh-CN" altLang="en-US" dirty="0"/>
               <a:t>设计愿景</a:t>
             </a:r>
-            <a:endParaRPr lang="zh-CN" altLang="en-US" dirty="0"/>
           </a:p>
         </p:txBody>
       </p:sp>
@@ -49337,7 +48569,7 @@
         </p:xfrm>
         <a:graphic>
           <a:graphicData uri="http://schemas.openxmlformats.org/drawingml/2006/diagram">
-            <dgm:relIds xmlns:dgm="http://schemas.openxmlformats.org/drawingml/2006/diagram" xmlns:r="http://schemas.openxmlformats.org/officeDocument/2006/relationships" r:dm="rId1" r:lo="rId2" r:qs="rId3" r:cs="rId4"/>
+            <dgm:relIds xmlns:dgm="http://schemas.openxmlformats.org/drawingml/2006/diagram" xmlns:r="http://schemas.openxmlformats.org/officeDocument/2006/relationships" r:dm="rId3" r:lo="rId4" r:qs="rId5" r:cs="rId6"/>
           </a:graphicData>
         </a:graphic>
       </p:graphicFrame>
@@ -49516,14 +48748,6 @@
               </a:rPr>
               <a:t>更少的消息传递</a:t>
             </a:r>
-            <a:endParaRPr lang="zh-CN" altLang="en-US" sz="2400" b="1" dirty="0">
-              <a:solidFill>
-                <a:schemeClr val="bg1"/>
-              </a:solidFill>
-              <a:latin typeface="微软雅黑" panose="020B0503020204020204" pitchFamily="34" charset="-122"/>
-              <a:ea typeface="微软雅黑" panose="020B0503020204020204" pitchFamily="34" charset="-122"/>
-              <a:cs typeface="Open Sans" pitchFamily="2" charset="0"/>
-            </a:endParaRPr>
           </a:p>
         </p:txBody>
       </p:sp>
@@ -49662,6 +48886,7 @@
           <a:p>
             <a:fld id="{72A5E12F-523A-4D75-95A2-779F57F5D9E2}" type="slidenum">
               <a:rPr lang="zh-CN" altLang="en-US" smtClean="0"/>
+              <a:t>7</a:t>
             </a:fld>
             <a:endParaRPr lang="zh-CN" altLang="en-US"/>
           </a:p>
@@ -49797,7 +49022,6 @@
               <a:rPr lang="en-US" altLang="zh-CN" dirty="0"/>
               <a:t>2</a:t>
             </a:r>
-            <a:endParaRPr lang="en-US" altLang="zh-CN" dirty="0"/>
           </a:p>
         </p:txBody>
       </p:sp>
@@ -49947,7 +49171,6 @@
               <a:rPr lang="en-US" altLang="zh-CN" dirty="0"/>
               <a:t>6</a:t>
             </a:r>
-            <a:endParaRPr lang="en-US" altLang="zh-CN" dirty="0"/>
           </a:p>
         </p:txBody>
       </p:sp>
@@ -50097,7 +49320,6 @@
               <a:rPr lang="en-US" altLang="zh-CN" dirty="0"/>
               <a:t>9</a:t>
             </a:r>
-            <a:endParaRPr lang="en-US" altLang="zh-CN" dirty="0"/>
           </a:p>
         </p:txBody>
       </p:sp>
@@ -50204,7 +49426,6 @@
               <a:rPr lang="en-US" altLang="zh-CN" dirty="0"/>
               <a:t>12</a:t>
             </a:r>
-            <a:endParaRPr lang="en-US" altLang="zh-CN" dirty="0"/>
           </a:p>
         </p:txBody>
       </p:sp>
@@ -50261,7 +49482,6 @@
               <a:rPr lang="en-US" altLang="zh-CN" dirty="0"/>
               <a:t>11</a:t>
             </a:r>
-            <a:endParaRPr lang="en-US" altLang="zh-CN" dirty="0"/>
           </a:p>
         </p:txBody>
       </p:sp>
@@ -50311,7 +49531,6 @@
               <a:rPr lang="en-US" altLang="zh-CN" dirty="0"/>
               <a:t>15</a:t>
             </a:r>
-            <a:endParaRPr lang="en-US" altLang="zh-CN" dirty="0"/>
           </a:p>
         </p:txBody>
       </p:sp>
@@ -50368,7 +49587,6 @@
               <a:rPr lang="en-US" altLang="zh-CN" dirty="0"/>
               <a:t>13</a:t>
             </a:r>
-            <a:endParaRPr lang="en-US" altLang="zh-CN" dirty="0"/>
           </a:p>
         </p:txBody>
       </p:sp>
@@ -50418,7 +49636,6 @@
               <a:rPr lang="en-US" altLang="zh-CN" dirty="0"/>
               <a:t>14</a:t>
             </a:r>
-            <a:endParaRPr lang="en-US" altLang="zh-CN" dirty="0"/>
           </a:p>
         </p:txBody>
       </p:sp>
@@ -50468,7 +49685,6 @@
               <a:rPr lang="en-US" altLang="zh-CN" dirty="0"/>
               <a:t>10</a:t>
             </a:r>
-            <a:endParaRPr lang="en-US" altLang="zh-CN" dirty="0"/>
           </a:p>
         </p:txBody>
       </p:sp>
@@ -51662,8 +50878,8 @@
           </a:p>
         </p:txBody>
       </p:sp>
-      <mc:AlternateContent xmlns:mc="http://schemas.openxmlformats.org/markup-compatibility/2006">
-        <mc:Choice xmlns:a14="http://schemas.microsoft.com/office/drawing/2010/main" Requires="a14">
+      <mc:AlternateContent xmlns:mc="http://schemas.openxmlformats.org/markup-compatibility/2006" xmlns:a14="http://schemas.microsoft.com/office/drawing/2010/main">
+        <mc:Choice Requires="a14">
           <p:sp>
             <p:nvSpPr>
               <p:cNvPr id="15" name="文本框 14"/>
@@ -51686,6 +50902,7 @@
               </a:bodyPr>
               <a:lstStyle/>
               <a:p>
+                <a:pPr/>
                 <a14:m>
                   <m:oMathPara xmlns:m="http://schemas.openxmlformats.org/officeDocument/2006/math">
                     <m:oMathParaPr>
@@ -51726,55 +50943,7 @@
                         <a:rPr lang="en-US" altLang="zh-CN" sz="2400" b="0" i="1" smtClean="0">
                           <a:latin typeface="Cambria Math" panose="02040503050406030204" pitchFamily="18" charset="0"/>
                         </a:rPr>
-                        <m:t>{</m:t>
-                      </m:r>
-                      <m:r>
-                        <a:rPr lang="en-US" altLang="zh-CN" sz="2400" b="0" i="1" smtClean="0">
-                          <a:latin typeface="Cambria Math" panose="02040503050406030204" pitchFamily="18" charset="0"/>
-                        </a:rPr>
-                        <m:t>4</m:t>
-                      </m:r>
-                      <m:r>
-                        <a:rPr lang="en-US" altLang="zh-CN" sz="2400" b="0" i="1" smtClean="0">
-                          <a:latin typeface="Cambria Math" panose="02040503050406030204" pitchFamily="18" charset="0"/>
-                        </a:rPr>
-                        <m:t>, </m:t>
-                      </m:r>
-                      <m:r>
-                        <a:rPr lang="en-US" altLang="zh-CN" sz="2400" b="0" i="1" smtClean="0">
-                          <a:latin typeface="Cambria Math" panose="02040503050406030204" pitchFamily="18" charset="0"/>
-                        </a:rPr>
-                        <m:t>1</m:t>
-                      </m:r>
-                      <m:r>
-                        <a:rPr lang="en-US" altLang="zh-CN" sz="2400" b="0" i="1" smtClean="0">
-                          <a:latin typeface="Cambria Math" panose="02040503050406030204" pitchFamily="18" charset="0"/>
-                        </a:rPr>
-                        <m:t>,</m:t>
-                      </m:r>
-                      <m:r>
-                        <a:rPr lang="en-US" altLang="zh-CN" sz="2400" b="0" i="1" smtClean="0">
-                          <a:latin typeface="Cambria Math" panose="02040503050406030204" pitchFamily="18" charset="0"/>
-                        </a:rPr>
-                        <m:t>11</m:t>
-                      </m:r>
-                      <m:r>
-                        <a:rPr lang="en-US" altLang="zh-CN" sz="2400" b="0" i="1" smtClean="0">
-                          <a:latin typeface="Cambria Math" panose="02040503050406030204" pitchFamily="18" charset="0"/>
-                        </a:rPr>
-                        <m:t>,</m:t>
-                      </m:r>
-                      <m:r>
-                        <a:rPr lang="en-US" altLang="zh-CN" sz="2400" b="0" i="1" smtClean="0">
-                          <a:latin typeface="Cambria Math" panose="02040503050406030204" pitchFamily="18" charset="0"/>
-                        </a:rPr>
-                        <m:t>13</m:t>
-                      </m:r>
-                      <m:r>
-                        <a:rPr lang="en-US" altLang="zh-CN" sz="2400" b="0" i="1" smtClean="0">
-                          <a:latin typeface="Cambria Math" panose="02040503050406030204" pitchFamily="18" charset="0"/>
-                        </a:rPr>
-                        <m:t>}</m:t>
+                        <m:t>{4, 1,11,13}</m:t>
                       </m:r>
                     </m:oMath>
                   </m:oMathPara>
@@ -51784,7 +50953,7 @@
             </p:txBody>
           </p:sp>
         </mc:Choice>
-        <mc:Fallback>
+        <mc:Fallback xmlns="">
           <p:sp>
             <p:nvSpPr>
               <p:cNvPr id="15" name="文本框 14"/>
@@ -51802,7 +50971,7 @@
                 <a:avLst/>
               </a:prstGeom>
               <a:blipFill rotWithShape="1">
-                <a:blip r:embed="rId1"/>
+                <a:blip r:embed="rId3"/>
                 <a:stretch>
                   <a:fillRect l="-12" t="-21" r="-1961" b="128"/>
                 </a:stretch>
@@ -51865,6 +51034,7 @@
           <a:p>
             <a:fld id="{72A5E12F-523A-4D75-95A2-779F57F5D9E2}" type="slidenum">
               <a:rPr lang="zh-CN" altLang="en-US" smtClean="0"/>
+              <a:t>8</a:t>
             </a:fld>
             <a:endParaRPr lang="zh-CN" altLang="en-US"/>
           </a:p>
@@ -52006,7 +51176,6 @@
               <a:rPr lang="en-US" altLang="zh-CN" dirty="0"/>
               <a:t>1</a:t>
             </a:r>
-            <a:endParaRPr lang="en-US" altLang="zh-CN" dirty="0"/>
           </a:p>
         </p:txBody>
       </p:sp>
@@ -52156,7 +51325,6 @@
               <a:rPr lang="en-US" altLang="zh-CN" dirty="0"/>
               <a:t>5</a:t>
             </a:r>
-            <a:endParaRPr lang="en-US" altLang="zh-CN" dirty="0"/>
           </a:p>
         </p:txBody>
       </p:sp>
@@ -52306,7 +51474,6 @@
               <a:rPr lang="en-US" altLang="zh-CN" dirty="0"/>
               <a:t>8</a:t>
             </a:r>
-            <a:endParaRPr lang="en-US" altLang="zh-CN" dirty="0"/>
           </a:p>
         </p:txBody>
       </p:sp>
@@ -52413,7 +51580,6 @@
               <a:rPr lang="en-US" altLang="zh-CN" dirty="0"/>
               <a:t>11</a:t>
             </a:r>
-            <a:endParaRPr lang="en-US" altLang="zh-CN" dirty="0"/>
           </a:p>
         </p:txBody>
       </p:sp>
@@ -52470,7 +51636,6 @@
               <a:rPr lang="en-US" altLang="zh-CN" dirty="0"/>
               <a:t>4</a:t>
             </a:r>
-            <a:endParaRPr lang="en-US" altLang="zh-CN" dirty="0"/>
           </a:p>
         </p:txBody>
       </p:sp>
@@ -52520,7 +51685,6 @@
               <a:rPr lang="en-US" altLang="zh-CN" dirty="0"/>
               <a:t>13</a:t>
             </a:r>
-            <a:endParaRPr lang="en-US" altLang="zh-CN" dirty="0"/>
           </a:p>
         </p:txBody>
       </p:sp>
@@ -52577,7 +51741,6 @@
               <a:rPr lang="en-US" altLang="zh-CN" dirty="0"/>
               <a:t>4</a:t>
             </a:r>
-            <a:endParaRPr lang="en-US" altLang="zh-CN" dirty="0"/>
           </a:p>
         </p:txBody>
       </p:sp>
@@ -52627,7 +51790,6 @@
               <a:rPr lang="en-US" altLang="zh-CN" dirty="0"/>
               <a:t>13</a:t>
             </a:r>
-            <a:endParaRPr lang="en-US" altLang="zh-CN" dirty="0"/>
           </a:p>
         </p:txBody>
       </p:sp>
@@ -52677,7 +51839,6 @@
               <a:rPr lang="en-US" altLang="zh-CN" dirty="0"/>
               <a:t>8</a:t>
             </a:r>
-            <a:endParaRPr lang="en-US" altLang="zh-CN" dirty="0"/>
           </a:p>
         </p:txBody>
       </p:sp>
@@ -53825,8 +52986,8 @@
           </a:fontRef>
         </p:style>
       </p:cxnSp>
-      <mc:AlternateContent xmlns:mc="http://schemas.openxmlformats.org/markup-compatibility/2006">
-        <mc:Choice xmlns:a14="http://schemas.microsoft.com/office/drawing/2010/main" Requires="a14">
+      <mc:AlternateContent xmlns:mc="http://schemas.openxmlformats.org/markup-compatibility/2006" xmlns:a14="http://schemas.microsoft.com/office/drawing/2010/main">
+        <mc:Choice Requires="a14">
           <p:sp>
             <p:nvSpPr>
               <p:cNvPr id="26" name="矩形 25"/>
@@ -53882,9 +53043,6 @@
                   </a:rPr>
                   <a:t>Super-step 1</a:t>
                 </a:r>
-                <a:endParaRPr lang="en-US" altLang="zh-CN" sz="2400" b="0" dirty="0">
-                  <a:latin typeface="Cambria Math" panose="02040503050406030204" pitchFamily="18" charset="0"/>
-                </a:endParaRPr>
               </a:p>
               <a:p>
                 <a:pPr algn="ctr"/>
@@ -53924,7 +53082,7 @@
             </p:txBody>
           </p:sp>
         </mc:Choice>
-        <mc:Fallback>
+        <mc:Fallback xmlns="">
           <p:sp>
             <p:nvSpPr>
               <p:cNvPr id="26" name="矩形 25"/>
@@ -53942,7 +53100,7 @@
                 <a:avLst/>
               </a:prstGeom>
               <a:blipFill rotWithShape="1">
-                <a:blip r:embed="rId1"/>
+                <a:blip r:embed="rId3"/>
                 <a:stretch>
                   <a:fillRect l="-671" t="-1822" r="-2833" b="-7873"/>
                 </a:stretch>
@@ -54031,6 +53189,7 @@
           <a:p>
             <a:fld id="{72A5E12F-523A-4D75-95A2-779F57F5D9E2}" type="slidenum">
               <a:rPr lang="zh-CN" altLang="en-US" smtClean="0"/>
+              <a:t>9</a:t>
             </a:fld>
             <a:endParaRPr lang="zh-CN" altLang="en-US"/>
           </a:p>
@@ -54171,7 +53330,6 @@
               <a:rPr lang="en-US" altLang="zh-CN" dirty="0"/>
               <a:t>1</a:t>
             </a:r>
-            <a:endParaRPr lang="en-US" altLang="zh-CN" dirty="0"/>
           </a:p>
         </p:txBody>
       </p:sp>
@@ -54321,7 +53479,6 @@
               <a:rPr lang="en-US" altLang="zh-CN" dirty="0"/>
               <a:t>2</a:t>
             </a:r>
-            <a:endParaRPr lang="en-US" altLang="zh-CN" dirty="0"/>
           </a:p>
         </p:txBody>
       </p:sp>
@@ -54471,7 +53628,6 @@
               <a:rPr lang="en-US" altLang="zh-CN" dirty="0"/>
               <a:t>6</a:t>
             </a:r>
-            <a:endParaRPr lang="en-US" altLang="zh-CN" dirty="0"/>
           </a:p>
         </p:txBody>
       </p:sp>
@@ -54577,7 +53733,6 @@
               <a:rPr lang="en-US" altLang="zh-CN" dirty="0"/>
               <a:t>4</a:t>
             </a:r>
-            <a:endParaRPr lang="en-US" altLang="zh-CN" dirty="0"/>
           </a:p>
         </p:txBody>
       </p:sp>
@@ -54634,7 +53789,6 @@
               <a:rPr lang="en-US" altLang="zh-CN" dirty="0"/>
               <a:t>1</a:t>
             </a:r>
-            <a:endParaRPr lang="en-US" altLang="zh-CN" dirty="0"/>
           </a:p>
         </p:txBody>
       </p:sp>
@@ -54684,7 +53838,6 @@
               <a:rPr lang="en-US" altLang="zh-CN" dirty="0"/>
               <a:t>4</a:t>
             </a:r>
-            <a:endParaRPr lang="en-US" altLang="zh-CN" dirty="0"/>
           </a:p>
         </p:txBody>
       </p:sp>
@@ -54741,7 +53894,6 @@
               <a:rPr lang="en-US" altLang="zh-CN" dirty="0"/>
               <a:t>1</a:t>
             </a:r>
-            <a:endParaRPr lang="en-US" altLang="zh-CN" dirty="0"/>
           </a:p>
         </p:txBody>
       </p:sp>
@@ -54791,7 +53943,6 @@
               <a:rPr lang="en-US" altLang="zh-CN" dirty="0"/>
               <a:t>4</a:t>
             </a:r>
-            <a:endParaRPr lang="en-US" altLang="zh-CN" dirty="0"/>
           </a:p>
         </p:txBody>
       </p:sp>
@@ -54841,7 +53992,6 @@
               <a:rPr lang="en-US" altLang="zh-CN" dirty="0"/>
               <a:t>6</a:t>
             </a:r>
-            <a:endParaRPr lang="en-US" altLang="zh-CN" dirty="0"/>
           </a:p>
         </p:txBody>
       </p:sp>
@@ -55911,8 +55061,8 @@
           </a:fontRef>
         </p:style>
       </p:cxnSp>
-      <mc:AlternateContent xmlns:mc="http://schemas.openxmlformats.org/markup-compatibility/2006">
-        <mc:Choice xmlns:a14="http://schemas.microsoft.com/office/drawing/2010/main" Requires="a14">
+      <mc:AlternateContent xmlns:mc="http://schemas.openxmlformats.org/markup-compatibility/2006" xmlns:a14="http://schemas.microsoft.com/office/drawing/2010/main">
+        <mc:Choice Requires="a14">
           <p:sp>
             <p:nvSpPr>
               <p:cNvPr id="26" name="矩形 25"/>
@@ -55968,9 +55118,6 @@
                   </a:rPr>
                   <a:t>Super-step 2</a:t>
                 </a:r>
-                <a:endParaRPr lang="en-US" altLang="zh-CN" sz="2400" b="0" dirty="0">
-                  <a:latin typeface="Cambria Math" panose="02040503050406030204" pitchFamily="18" charset="0"/>
-                </a:endParaRPr>
               </a:p>
               <a:p>
                 <a:pPr algn="ctr"/>
@@ -56010,7 +55157,7 @@
             </p:txBody>
           </p:sp>
         </mc:Choice>
-        <mc:Fallback>
+        <mc:Fallback xmlns="">
           <p:sp>
             <p:nvSpPr>
               <p:cNvPr id="26" name="矩形 25"/>
@@ -56028,7 +55175,7 @@
                 <a:avLst/>
               </a:prstGeom>
               <a:blipFill rotWithShape="1">
-                <a:blip r:embed="rId1"/>
+                <a:blip r:embed="rId3"/>
                 <a:stretch>
                   <a:fillRect l="-671" t="-1822" r="-2833" b="-7873"/>
                 </a:stretch>
@@ -56084,15 +55231,15 @@
 </file>
 
 <file path=ppt/tags/tag1.xml><?xml version="1.0" encoding="utf-8"?>
-<p:tagLst xmlns:p="http://schemas.openxmlformats.org/presentationml/2006/main">
-  <p:tag name="KSO_WM_BEAUTIFY_FLAG" val=""/>
+<p:tagLst xmlns:a="http://schemas.openxmlformats.org/drawingml/2006/main" xmlns:r="http://schemas.openxmlformats.org/officeDocument/2006/relationships" xmlns:p="http://schemas.openxmlformats.org/presentationml/2006/main">
+  <p:tag name="KSO_WPP_MARK_KEY" val="5217470f-5f15-45ce-9454-2b308123b59a"/>
+  <p:tag name="COMMONDATA" val="eyJoZGlkIjoiMzQwMWIyZGUzMDVjOTk0Nzk0YTMyMzZiYTAzZWM1ODMifQ=="/>
 </p:tagLst>
 </file>
 
 <file path=ppt/tags/tag2.xml><?xml version="1.0" encoding="utf-8"?>
-<p:tagLst xmlns:p="http://schemas.openxmlformats.org/presentationml/2006/main">
-  <p:tag name="KSO_WPP_MARK_KEY" val="5217470f-5f15-45ce-9454-2b308123b59a"/>
-  <p:tag name="COMMONDATA" val="eyJoZGlkIjoiMzQwMWIyZGUzMDVjOTk0Nzk0YTMyMzZiYTAzZWM1ODMifQ=="/>
+<p:tagLst xmlns:a="http://schemas.openxmlformats.org/drawingml/2006/main" xmlns:r="http://schemas.openxmlformats.org/officeDocument/2006/relationships" xmlns:p="http://schemas.openxmlformats.org/presentationml/2006/main">
+  <p:tag name="KSO_WM_BEAUTIFY_FLAG" val=""/>
 </p:tagLst>
 </file>
 
@@ -56347,6 +55494,8 @@
       </a:bgFillStyleLst>
     </a:fmtScheme>
   </a:themeElements>
+  <a:objectDefaults/>
+  <a:extraClrSchemeLst/>
   <a:extLst>
     <a:ext uri="{05A4C25C-085E-4340-85A3-A5531E510DB2}">
       <thm15:themeFamily xmlns:thm15="http://schemas.microsoft.com/office/thememl/2012/main" name="Office Theme" id="{62F939B6-93AF-4DB8-9C6B-D6C7DFDC589F}" vid="{4A3C46E8-61CC-4603-A589-7422A47A8E4A}"/>
@@ -56606,6 +55755,8 @@
       </a:bgFillStyleLst>
     </a:fmtScheme>
   </a:themeElements>
+  <a:objectDefaults/>
+  <a:extraClrSchemeLst/>
   <a:extLst>
     <a:ext uri="{05A4C25C-085E-4340-85A3-A5531E510DB2}">
       <thm15:themeFamily xmlns:thm15="http://schemas.microsoft.com/office/thememl/2012/main" name="Office Theme" id="{62F939B6-93AF-4DB8-9C6B-D6C7DFDC589F}" vid="{4A3C46E8-61CC-4603-A589-7422A47A8E4A}"/>
@@ -56865,6 +56016,8 @@
       </a:bgFillStyleLst>
     </a:fmtScheme>
   </a:themeElements>
+  <a:objectDefaults/>
+  <a:extraClrSchemeLst/>
   <a:extLst>
     <a:ext uri="{05A4C25C-085E-4340-85A3-A5531E510DB2}">
       <thm15:themeFamily xmlns:thm15="http://schemas.microsoft.com/office/thememl/2012/main" name="Office Theme" id="{62F939B6-93AF-4DB8-9C6B-D6C7DFDC589F}" vid="{4A3C46E8-61CC-4603-A589-7422A47A8E4A}"/>
